--- a/NotiFree.pptx
+++ b/NotiFree.pptx
@@ -578,7 +578,7 @@
   <p:cSld>
     <p:spTree>
       <p:nvGrpSpPr>
-        <p:cNvPr id="68" name="Shape 68"/>
+        <p:cNvPr id="69" name="Shape 69"/>
         <p:cNvGrpSpPr/>
         <p:nvPr/>
       </p:nvGrpSpPr>
@@ -592,7 +592,7 @@
       </p:grpSpPr>
       <p:sp>
         <p:nvSpPr>
-          <p:cNvPr id="69" name="Shape 69"/>
+          <p:cNvPr id="70" name="Shape 70"/>
           <p:cNvSpPr/>
           <p:nvPr>
             <p:ph idx="2" type="sldImg"/>
@@ -626,7 +626,7 @@
       </p:sp>
       <p:sp>
         <p:nvSpPr>
-          <p:cNvPr id="70" name="Shape 70"/>
+          <p:cNvPr id="71" name="Shape 71"/>
           <p:cNvSpPr txBox="1"/>
           <p:nvPr>
             <p:ph idx="1" type="body"/>
@@ -673,7 +673,7 @@
   <p:cSld>
     <p:spTree>
       <p:nvGrpSpPr>
-        <p:cNvPr id="74" name="Shape 74"/>
+        <p:cNvPr id="75" name="Shape 75"/>
         <p:cNvGrpSpPr/>
         <p:nvPr/>
       </p:nvGrpSpPr>
@@ -687,7 +687,7 @@
       </p:grpSpPr>
       <p:sp>
         <p:nvSpPr>
-          <p:cNvPr id="75" name="Shape 75"/>
+          <p:cNvPr id="76" name="Shape 76"/>
           <p:cNvSpPr/>
           <p:nvPr>
             <p:ph idx="2" type="sldImg"/>
@@ -721,7 +721,7 @@
       </p:sp>
       <p:sp>
         <p:nvSpPr>
-          <p:cNvPr id="76" name="Shape 76"/>
+          <p:cNvPr id="77" name="Shape 77"/>
           <p:cNvSpPr txBox="1"/>
           <p:nvPr>
             <p:ph idx="1" type="body"/>
@@ -768,7 +768,7 @@
   <p:cSld>
     <p:spTree>
       <p:nvGrpSpPr>
-        <p:cNvPr id="80" name="Shape 80"/>
+        <p:cNvPr id="81" name="Shape 81"/>
         <p:cNvGrpSpPr/>
         <p:nvPr/>
       </p:nvGrpSpPr>
@@ -782,7 +782,7 @@
       </p:grpSpPr>
       <p:sp>
         <p:nvSpPr>
-          <p:cNvPr id="81" name="Shape 81"/>
+          <p:cNvPr id="82" name="Shape 82"/>
           <p:cNvSpPr/>
           <p:nvPr>
             <p:ph idx="2" type="sldImg"/>
@@ -816,7 +816,7 @@
       </p:sp>
       <p:sp>
         <p:nvSpPr>
-          <p:cNvPr id="82" name="Shape 82"/>
+          <p:cNvPr id="83" name="Shape 83"/>
           <p:cNvSpPr txBox="1"/>
           <p:nvPr>
             <p:ph idx="1" type="body"/>
@@ -863,7 +863,7 @@
   <p:cSld>
     <p:spTree>
       <p:nvGrpSpPr>
-        <p:cNvPr id="86" name="Shape 86"/>
+        <p:cNvPr id="87" name="Shape 87"/>
         <p:cNvGrpSpPr/>
         <p:nvPr/>
       </p:nvGrpSpPr>
@@ -877,7 +877,7 @@
       </p:grpSpPr>
       <p:sp>
         <p:nvSpPr>
-          <p:cNvPr id="87" name="Shape 87"/>
+          <p:cNvPr id="88" name="Shape 88"/>
           <p:cNvSpPr/>
           <p:nvPr>
             <p:ph idx="2" type="sldImg"/>
@@ -911,7 +911,7 @@
       </p:sp>
       <p:sp>
         <p:nvSpPr>
-          <p:cNvPr id="88" name="Shape 88"/>
+          <p:cNvPr id="89" name="Shape 89"/>
           <p:cNvSpPr txBox="1"/>
           <p:nvPr>
             <p:ph idx="1" type="body"/>
@@ -958,7 +958,7 @@
   <p:cSld>
     <p:spTree>
       <p:nvGrpSpPr>
-        <p:cNvPr id="92" name="Shape 92"/>
+        <p:cNvPr id="93" name="Shape 93"/>
         <p:cNvGrpSpPr/>
         <p:nvPr/>
       </p:nvGrpSpPr>
@@ -972,7 +972,7 @@
       </p:grpSpPr>
       <p:sp>
         <p:nvSpPr>
-          <p:cNvPr id="93" name="Shape 93"/>
+          <p:cNvPr id="94" name="Shape 94"/>
           <p:cNvSpPr/>
           <p:nvPr>
             <p:ph idx="2" type="sldImg"/>
@@ -1006,7 +1006,7 @@
       </p:sp>
       <p:sp>
         <p:nvSpPr>
-          <p:cNvPr id="94" name="Shape 94"/>
+          <p:cNvPr id="95" name="Shape 95"/>
           <p:cNvSpPr txBox="1"/>
           <p:nvPr>
             <p:ph idx="1" type="body"/>
@@ -4928,43 +4928,68 @@
           </a:bodyPr>
           <a:lstStyle/>
           <a:p>
-            <a:pPr lvl="0" rtl="0" algn="just">
-              <a:spcBef>
-                <a:spcPts val="0"/>
-              </a:spcBef>
-              <a:buNone/>
+            <a:pPr indent="-228600" lvl="0" marL="457200" rtl="0" algn="just">
+              <a:spcBef>
+                <a:spcPts val="0"/>
+              </a:spcBef>
             </a:pPr>
             <a:r>
               <a:rPr lang="en"/>
-              <a:t>NotiFree is a search engine for free items in your area. It pulls results from Gumtree and Freecycle, allowing the user to browse through them all. It also sends the user notifications when an item they have recently been looking for becomes available.</a:t>
+              <a:t>It is a search engine</a:t>
             </a:r>
           </a:p>
           <a:p>
-            <a:pPr lvl="0" rtl="0" algn="just">
-              <a:spcBef>
-                <a:spcPts val="0"/>
-              </a:spcBef>
-              <a:buNone/>
-            </a:pPr>
-            <a:r>
-              <a:t/>
-            </a:r>
-            <a:endParaRPr/>
-          </a:p>
-          <a:p>
-            <a:pPr lvl="0" algn="just">
-              <a:spcBef>
-                <a:spcPts val="0"/>
-              </a:spcBef>
-              <a:buNone/>
+            <a:pPr indent="-228600" lvl="0" marL="457200" rtl="0" algn="just">
+              <a:spcBef>
+                <a:spcPts val="0"/>
+              </a:spcBef>
             </a:pPr>
             <a:r>
               <a:rPr lang="en"/>
-              <a:t>(describe notification system)</a:t>
+              <a:t>It pulls together results from different sites</a:t>
+            </a:r>
+          </a:p>
+          <a:p>
+            <a:pPr indent="-228600" lvl="0" marL="457200" rtl="0" algn="just">
+              <a:spcBef>
+                <a:spcPts val="0"/>
+              </a:spcBef>
+            </a:pPr>
+            <a:r>
+              <a:rPr lang="en"/>
+              <a:t>Sends notifications to user</a:t>
             </a:r>
           </a:p>
         </p:txBody>
       </p:sp>
+      <p:pic>
+        <p:nvPicPr>
+          <p:cNvPr descr="upload.png" id="68" name="Shape 68"/>
+          <p:cNvPicPr preferRelativeResize="0"/>
+          <p:nvPr/>
+        </p:nvPicPr>
+        <p:blipFill>
+          <a:blip r:embed="rId3">
+            <a:alphaModFix/>
+          </a:blip>
+          <a:stretch>
+            <a:fillRect/>
+          </a:stretch>
+        </p:blipFill>
+        <p:spPr>
+          <a:xfrm>
+            <a:off x="3560702" y="1969399"/>
+            <a:ext cx="5583297" cy="3174099"/>
+          </a:xfrm>
+          <a:prstGeom prst="rect">
+            <a:avLst/>
+          </a:prstGeom>
+          <a:noFill/>
+          <a:ln>
+            <a:noFill/>
+          </a:ln>
+        </p:spPr>
+      </p:pic>
     </p:spTree>
   </p:cSld>
   <p:clrMapOvr>
@@ -4978,7 +5003,7 @@
   <p:cSld>
     <p:spTree>
       <p:nvGrpSpPr>
-        <p:cNvPr id="71" name="Shape 71"/>
+        <p:cNvPr id="72" name="Shape 72"/>
         <p:cNvGrpSpPr/>
         <p:nvPr/>
       </p:nvGrpSpPr>
@@ -4992,7 +5017,7 @@
       </p:grpSpPr>
       <p:sp>
         <p:nvSpPr>
-          <p:cNvPr id="72" name="Shape 72"/>
+          <p:cNvPr id="73" name="Shape 73"/>
           <p:cNvSpPr txBox="1"/>
           <p:nvPr>
             <p:ph type="title"/>
@@ -5028,7 +5053,7 @@
       </p:sp>
       <p:sp>
         <p:nvSpPr>
-          <p:cNvPr id="73" name="Shape 73"/>
+          <p:cNvPr id="74" name="Shape 74"/>
           <p:cNvSpPr txBox="1"/>
           <p:nvPr>
             <p:ph idx="1" type="body"/>
@@ -5087,7 +5112,7 @@
   <p:cSld>
     <p:spTree>
       <p:nvGrpSpPr>
-        <p:cNvPr id="77" name="Shape 77"/>
+        <p:cNvPr id="78" name="Shape 78"/>
         <p:cNvGrpSpPr/>
         <p:nvPr/>
       </p:nvGrpSpPr>
@@ -5101,7 +5126,7 @@
       </p:grpSpPr>
       <p:sp>
         <p:nvSpPr>
-          <p:cNvPr id="78" name="Shape 78"/>
+          <p:cNvPr id="79" name="Shape 79"/>
           <p:cNvSpPr txBox="1"/>
           <p:nvPr>
             <p:ph type="title"/>
@@ -5137,7 +5162,7 @@
       </p:sp>
       <p:sp>
         <p:nvSpPr>
-          <p:cNvPr id="79" name="Shape 79"/>
+          <p:cNvPr id="80" name="Shape 80"/>
           <p:cNvSpPr txBox="1"/>
           <p:nvPr>
             <p:ph idx="1" type="body"/>
@@ -5184,7 +5209,7 @@
   <p:cSld>
     <p:spTree>
       <p:nvGrpSpPr>
-        <p:cNvPr id="83" name="Shape 83"/>
+        <p:cNvPr id="84" name="Shape 84"/>
         <p:cNvGrpSpPr/>
         <p:nvPr/>
       </p:nvGrpSpPr>
@@ -5198,7 +5223,7 @@
       </p:grpSpPr>
       <p:sp>
         <p:nvSpPr>
-          <p:cNvPr id="84" name="Shape 84"/>
+          <p:cNvPr id="85" name="Shape 85"/>
           <p:cNvSpPr txBox="1"/>
           <p:nvPr>
             <p:ph type="title"/>
@@ -5234,7 +5259,7 @@
       </p:sp>
       <p:sp>
         <p:nvSpPr>
-          <p:cNvPr id="85" name="Shape 85"/>
+          <p:cNvPr id="86" name="Shape 86"/>
           <p:cNvSpPr txBox="1"/>
           <p:nvPr>
             <p:ph idx="1" type="body"/>
@@ -5281,7 +5306,7 @@
   <p:cSld>
     <p:spTree>
       <p:nvGrpSpPr>
-        <p:cNvPr id="89" name="Shape 89"/>
+        <p:cNvPr id="90" name="Shape 90"/>
         <p:cNvGrpSpPr/>
         <p:nvPr/>
       </p:nvGrpSpPr>
@@ -5295,7 +5320,7 @@
       </p:grpSpPr>
       <p:sp>
         <p:nvSpPr>
-          <p:cNvPr id="90" name="Shape 90"/>
+          <p:cNvPr id="91" name="Shape 91"/>
           <p:cNvSpPr txBox="1"/>
           <p:nvPr>
             <p:ph type="title"/>
@@ -5331,7 +5356,7 @@
       </p:sp>
       <p:sp>
         <p:nvSpPr>
-          <p:cNvPr id="91" name="Shape 91"/>
+          <p:cNvPr id="92" name="Shape 92"/>
           <p:cNvSpPr txBox="1"/>
           <p:nvPr>
             <p:ph idx="1" type="body"/>
@@ -5398,6 +5423,42 @@
               <a:rPr lang="en"/>
               <a:t>Lewis - using GitHub, SQL + PHP</a:t>
             </a:r>
+          </a:p>
+          <a:p>
+            <a:pPr lvl="0">
+              <a:spcBef>
+                <a:spcPts val="0"/>
+              </a:spcBef>
+              <a:buNone/>
+            </a:pPr>
+            <a:r>
+              <a:t/>
+            </a:r>
+            <a:endParaRPr/>
+          </a:p>
+          <a:p>
+            <a:pPr lvl="0">
+              <a:spcBef>
+                <a:spcPts val="0"/>
+              </a:spcBef>
+              <a:buNone/>
+            </a:pPr>
+            <a:r>
+              <a:t/>
+            </a:r>
+            <a:endParaRPr/>
+          </a:p>
+          <a:p>
+            <a:pPr lvl="0">
+              <a:spcBef>
+                <a:spcPts val="0"/>
+              </a:spcBef>
+              <a:buNone/>
+            </a:pPr>
+            <a:r>
+              <a:t/>
+            </a:r>
+            <a:endParaRPr/>
           </a:p>
         </p:txBody>
       </p:sp>
@@ -5414,7 +5475,7 @@
   <p:cSld>
     <p:spTree>
       <p:nvGrpSpPr>
-        <p:cNvPr id="95" name="Shape 95"/>
+        <p:cNvPr id="96" name="Shape 96"/>
         <p:cNvGrpSpPr/>
         <p:nvPr/>
       </p:nvGrpSpPr>
@@ -5428,7 +5489,7 @@
       </p:grpSpPr>
       <p:sp>
         <p:nvSpPr>
-          <p:cNvPr id="96" name="Shape 96"/>
+          <p:cNvPr id="97" name="Shape 97"/>
           <p:cNvSpPr txBox="1"/>
           <p:nvPr>
             <p:ph type="title"/>
@@ -5464,7 +5525,7 @@
       </p:sp>
       <p:sp>
         <p:nvSpPr>
-          <p:cNvPr id="97" name="Shape 97"/>
+          <p:cNvPr id="98" name="Shape 98"/>
           <p:cNvSpPr txBox="1"/>
           <p:nvPr>
             <p:ph idx="1" type="body"/>

--- a/NotiFree.pptx
+++ b/NotiFree.pptx
@@ -4960,6 +4960,30 @@
               <a:t>Sends notifications to user</a:t>
             </a:r>
           </a:p>
+          <a:p>
+            <a:pPr lvl="0" rtl="0" algn="just">
+              <a:spcBef>
+                <a:spcPts val="0"/>
+              </a:spcBef>
+              <a:buNone/>
+            </a:pPr>
+            <a:r>
+              <a:rPr lang="en"/>
+              <a:t>NotiFree is a search engine for free items in your area. It pulls results from Gumtree and Freecycle, allowing the user to browse through them all. It also sends the user notifications when an item they have recently been looking for becomes available.</a:t>
+            </a:r>
+          </a:p>
+          <a:p>
+            <a:pPr lvl="0" rtl="0" algn="just">
+              <a:spcBef>
+                <a:spcPts val="0"/>
+              </a:spcBef>
+              <a:buNone/>
+            </a:pPr>
+            <a:r>
+              <a:rPr lang="en"/>
+              <a:t>(describe notification system)</a:t>
+            </a:r>
+          </a:p>
         </p:txBody>
       </p:sp>
       <p:pic>
@@ -4978,8 +5002,8 @@
         </p:blipFill>
         <p:spPr>
           <a:xfrm>
-            <a:off x="3560702" y="1969399"/>
-            <a:ext cx="5583297" cy="3174099"/>
+            <a:off x="6075825" y="3399249"/>
+            <a:ext cx="3068173" cy="1744250"/>
           </a:xfrm>
           <a:prstGeom prst="rect">
             <a:avLst/>
@@ -5604,6 +5628,285 @@
 </file>
 
 <file path=ppt/theme/theme1.xml><?xml version="1.0" encoding="utf-8"?>
+<a:theme xmlns:a="http://schemas.openxmlformats.org/drawingml/2006/main" xmlns:r="http://schemas.openxmlformats.org/officeDocument/2006/relationships" name="Custom Theme">
+  <a:themeElements>
+    <a:clrScheme name="Default">
+      <a:dk1>
+        <a:srgbClr val="000000"/>
+      </a:dk1>
+      <a:lt1>
+        <a:srgbClr val="FFFFFF"/>
+      </a:lt1>
+      <a:dk2>
+        <a:srgbClr val="158158"/>
+      </a:dk2>
+      <a:lt2>
+        <a:srgbClr val="F3F3F3"/>
+      </a:lt2>
+      <a:accent1>
+        <a:srgbClr val="058DC7"/>
+      </a:accent1>
+      <a:accent2>
+        <a:srgbClr val="50B432"/>
+      </a:accent2>
+      <a:accent3>
+        <a:srgbClr val="ED561B"/>
+      </a:accent3>
+      <a:accent4>
+        <a:srgbClr val="EDEF00"/>
+      </a:accent4>
+      <a:accent5>
+        <a:srgbClr val="24CBE5"/>
+      </a:accent5>
+      <a:accent6>
+        <a:srgbClr val="64E572"/>
+      </a:accent6>
+      <a:hlink>
+        <a:srgbClr val="2200CC"/>
+      </a:hlink>
+      <a:folHlink>
+        <a:srgbClr val="551A8B"/>
+      </a:folHlink>
+    </a:clrScheme>
+    <a:fontScheme name="Office">
+      <a:majorFont>
+        <a:latin typeface="Arial"/>
+        <a:ea typeface=""/>
+        <a:cs typeface=""/>
+        <a:font script="Jpan" typeface="ＭＳ Ｐゴシック"/>
+        <a:font script="Hang" typeface="맑은 고딕"/>
+        <a:font script="Hans" typeface="宋体"/>
+        <a:font script="Hant" typeface="新細明體"/>
+        <a:font script="Arab" typeface="Times New Roman"/>
+        <a:font script="Hebr" typeface="Times New Roman"/>
+        <a:font script="Thai" typeface="Angsana New"/>
+        <a:font script="Ethi" typeface="Nyala"/>
+        <a:font script="Beng" typeface="Vrinda"/>
+        <a:font script="Gujr" typeface="Shruti"/>
+        <a:font script="Khmr" typeface="MoolBoran"/>
+        <a:font script="Knda" typeface="Tunga"/>
+        <a:font script="Guru" typeface="Raavi"/>
+        <a:font script="Cans" typeface="Euphemia"/>
+        <a:font script="Cher" typeface="Plantagenet Cherokee"/>
+        <a:font script="Yiii" typeface="Microsoft Yi Baiti"/>
+        <a:font script="Tibt" typeface="Microsoft Himalaya"/>
+        <a:font script="Thaa" typeface="MV Boli"/>
+        <a:font script="Deva" typeface="Mangal"/>
+        <a:font script="Telu" typeface="Gautami"/>
+        <a:font script="Taml" typeface="Latha"/>
+        <a:font script="Syrc" typeface="Estrangelo Edessa"/>
+        <a:font script="Orya" typeface="Kalinga"/>
+        <a:font script="Mlym" typeface="Kartika"/>
+        <a:font script="Laoo" typeface="DokChampa"/>
+        <a:font script="Sinh" typeface="Iskoola Pota"/>
+        <a:font script="Mong" typeface="Mongolian Baiti"/>
+        <a:font script="Viet" typeface="Times New Roman"/>
+        <a:font script="Uigh" typeface="Microsoft Uighur"/>
+        <a:font script="Geor" typeface="Sylfaen"/>
+      </a:majorFont>
+      <a:minorFont>
+        <a:latin typeface="Arial"/>
+        <a:ea typeface=""/>
+        <a:cs typeface=""/>
+        <a:font script="Jpan" typeface="ＭＳ Ｐゴシック"/>
+        <a:font script="Hang" typeface="맑은 고딕"/>
+        <a:font script="Hans" typeface="宋体"/>
+        <a:font script="Hant" typeface="新細明體"/>
+        <a:font script="Arab" typeface="Arial"/>
+        <a:font script="Hebr" typeface="Arial"/>
+        <a:font script="Thai" typeface="Cordia New"/>
+        <a:font script="Ethi" typeface="Nyala"/>
+        <a:font script="Beng" typeface="Vrinda"/>
+        <a:font script="Gujr" typeface="Shruti"/>
+        <a:font script="Khmr" typeface="DaunPenh"/>
+        <a:font script="Knda" typeface="Tunga"/>
+        <a:font script="Guru" typeface="Raavi"/>
+        <a:font script="Cans" typeface="Euphemia"/>
+        <a:font script="Cher" typeface="Plantagenet Cherokee"/>
+        <a:font script="Yiii" typeface="Microsoft Yi Baiti"/>
+        <a:font script="Tibt" typeface="Microsoft Himalaya"/>
+        <a:font script="Thaa" typeface="MV Boli"/>
+        <a:font script="Deva" typeface="Mangal"/>
+        <a:font script="Telu" typeface="Gautami"/>
+        <a:font script="Taml" typeface="Latha"/>
+        <a:font script="Syrc" typeface="Estrangelo Edessa"/>
+        <a:font script="Orya" typeface="Kalinga"/>
+        <a:font script="Mlym" typeface="Kartika"/>
+        <a:font script="Laoo" typeface="DokChampa"/>
+        <a:font script="Sinh" typeface="Iskoola Pota"/>
+        <a:font script="Mong" typeface="Mongolian Baiti"/>
+        <a:font script="Viet" typeface="Arial"/>
+        <a:font script="Uigh" typeface="Microsoft Uighur"/>
+        <a:font script="Geor" typeface="Sylfaen"/>
+      </a:minorFont>
+    </a:fontScheme>
+    <a:fmtScheme name="Office">
+      <a:fillStyleLst>
+        <a:solidFill>
+          <a:schemeClr val="phClr"/>
+        </a:solidFill>
+        <a:gradFill rotWithShape="1">
+          <a:gsLst>
+            <a:gs pos="0">
+              <a:schemeClr val="phClr">
+                <a:tint val="50000"/>
+                <a:satMod val="300000"/>
+              </a:schemeClr>
+            </a:gs>
+            <a:gs pos="35000">
+              <a:schemeClr val="phClr">
+                <a:tint val="37000"/>
+                <a:satMod val="300000"/>
+              </a:schemeClr>
+            </a:gs>
+            <a:gs pos="100000">
+              <a:schemeClr val="phClr">
+                <a:tint val="15000"/>
+                <a:satMod val="350000"/>
+              </a:schemeClr>
+            </a:gs>
+          </a:gsLst>
+          <a:lin ang="16200000" scaled="1"/>
+        </a:gradFill>
+        <a:gradFill rotWithShape="1">
+          <a:gsLst>
+            <a:gs pos="0">
+              <a:schemeClr val="phClr">
+                <a:tint val="100000"/>
+                <a:shade val="100000"/>
+                <a:satMod val="130000"/>
+              </a:schemeClr>
+            </a:gs>
+            <a:gs pos="100000">
+              <a:schemeClr val="phClr">
+                <a:tint val="50000"/>
+                <a:shade val="100000"/>
+                <a:satMod val="350000"/>
+              </a:schemeClr>
+            </a:gs>
+          </a:gsLst>
+          <a:lin ang="16200000" scaled="0"/>
+        </a:gradFill>
+      </a:fillStyleLst>
+      <a:lnStyleLst>
+        <a:ln w="9525" cap="flat" cmpd="sng" algn="ctr">
+          <a:solidFill>
+            <a:schemeClr val="phClr">
+              <a:shade val="95000"/>
+              <a:satMod val="105000"/>
+            </a:schemeClr>
+          </a:solidFill>
+          <a:prstDash val="solid"/>
+        </a:ln>
+        <a:ln w="25400" cap="flat" cmpd="sng" algn="ctr">
+          <a:solidFill>
+            <a:schemeClr val="phClr"/>
+          </a:solidFill>
+          <a:prstDash val="solid"/>
+        </a:ln>
+        <a:ln w="38100" cap="flat" cmpd="sng" algn="ctr">
+          <a:solidFill>
+            <a:schemeClr val="phClr"/>
+          </a:solidFill>
+          <a:prstDash val="solid"/>
+        </a:ln>
+      </a:lnStyleLst>
+      <a:effectStyleLst>
+        <a:effectStyle>
+          <a:effectLst>
+            <a:outerShdw blurRad="40000" dist="20000" dir="5400000" rotWithShape="0">
+              <a:srgbClr val="000000">
+                <a:alpha val="38000"/>
+              </a:srgbClr>
+            </a:outerShdw>
+          </a:effectLst>
+        </a:effectStyle>
+        <a:effectStyle>
+          <a:effectLst>
+            <a:outerShdw blurRad="40000" dist="23000" dir="5400000" rotWithShape="0">
+              <a:srgbClr val="000000">
+                <a:alpha val="35000"/>
+              </a:srgbClr>
+            </a:outerShdw>
+          </a:effectLst>
+        </a:effectStyle>
+        <a:effectStyle>
+          <a:effectLst>
+            <a:outerShdw blurRad="40000" dist="23000" dir="5400000" rotWithShape="0">
+              <a:srgbClr val="000000">
+                <a:alpha val="35000"/>
+              </a:srgbClr>
+            </a:outerShdw>
+          </a:effectLst>
+          <a:scene3d>
+            <a:camera prst="orthographicFront">
+              <a:rot lat="0" lon="0" rev="0"/>
+            </a:camera>
+            <a:lightRig rig="threePt" dir="t">
+              <a:rot lat="0" lon="0" rev="1200000"/>
+            </a:lightRig>
+          </a:scene3d>
+          <a:sp3d>
+            <a:bevelT w="63500" h="25400"/>
+          </a:sp3d>
+        </a:effectStyle>
+      </a:effectStyleLst>
+      <a:bgFillStyleLst>
+        <a:solidFill>
+          <a:schemeClr val="phClr"/>
+        </a:solidFill>
+        <a:gradFill rotWithShape="1">
+          <a:gsLst>
+            <a:gs pos="0">
+              <a:schemeClr val="phClr">
+                <a:tint val="40000"/>
+                <a:satMod val="350000"/>
+              </a:schemeClr>
+            </a:gs>
+            <a:gs pos="40000">
+              <a:schemeClr val="phClr">
+                <a:tint val="45000"/>
+                <a:shade val="99000"/>
+                <a:satMod val="350000"/>
+              </a:schemeClr>
+            </a:gs>
+            <a:gs pos="100000">
+              <a:schemeClr val="phClr">
+                <a:shade val="20000"/>
+                <a:satMod val="255000"/>
+              </a:schemeClr>
+            </a:gs>
+          </a:gsLst>
+          <a:path path="circle">
+            <a:fillToRect l="50000" t="-80000" r="50000" b="180000"/>
+          </a:path>
+        </a:gradFill>
+        <a:gradFill rotWithShape="1">
+          <a:gsLst>
+            <a:gs pos="0">
+              <a:schemeClr val="phClr">
+                <a:tint val="80000"/>
+                <a:satMod val="300000"/>
+              </a:schemeClr>
+            </a:gs>
+            <a:gs pos="100000">
+              <a:schemeClr val="phClr">
+                <a:shade val="30000"/>
+                <a:satMod val="200000"/>
+              </a:schemeClr>
+            </a:gs>
+          </a:gsLst>
+          <a:path path="circle">
+            <a:fillToRect l="50000" t="50000" r="50000" b="50000"/>
+          </a:path>
+        </a:gradFill>
+      </a:bgFillStyleLst>
+    </a:fmtScheme>
+  </a:themeElements>
+</a:theme>
+</file>
+
+<file path=ppt/theme/theme2.xml><?xml version="1.0" encoding="utf-8"?>
 <a:theme xmlns:a="http://schemas.openxmlformats.org/drawingml/2006/main" xmlns:r="http://schemas.openxmlformats.org/officeDocument/2006/relationships" name="slate">
   <a:themeElements>
     <a:clrScheme name="Slate">
@@ -5880,283 +6183,4 @@
     </a:fmtScheme>
   </a:themeElements>
 </a:theme>
-</file>
-
-<file path=ppt/theme/theme2.xml><?xml version="1.0" encoding="utf-8"?>
-<a:theme xmlns:a="http://schemas.openxmlformats.org/drawingml/2006/main" xmlns:r="http://schemas.openxmlformats.org/officeDocument/2006/relationships" name="Custom Theme">
-  <a:themeElements>
-    <a:clrScheme name="Default">
-      <a:dk1>
-        <a:srgbClr val="000000"/>
-      </a:dk1>
-      <a:lt1>
-        <a:srgbClr val="FFFFFF"/>
-      </a:lt1>
-      <a:dk2>
-        <a:srgbClr val="158158"/>
-      </a:dk2>
-      <a:lt2>
-        <a:srgbClr val="F3F3F3"/>
-      </a:lt2>
-      <a:accent1>
-        <a:srgbClr val="058DC7"/>
-      </a:accent1>
-      <a:accent2>
-        <a:srgbClr val="50B432"/>
-      </a:accent2>
-      <a:accent3>
-        <a:srgbClr val="ED561B"/>
-      </a:accent3>
-      <a:accent4>
-        <a:srgbClr val="EDEF00"/>
-      </a:accent4>
-      <a:accent5>
-        <a:srgbClr val="24CBE5"/>
-      </a:accent5>
-      <a:accent6>
-        <a:srgbClr val="64E572"/>
-      </a:accent6>
-      <a:hlink>
-        <a:srgbClr val="2200CC"/>
-      </a:hlink>
-      <a:folHlink>
-        <a:srgbClr val="551A8B"/>
-      </a:folHlink>
-    </a:clrScheme>
-    <a:fontScheme name="Office">
-      <a:majorFont>
-        <a:latin typeface="Arial"/>
-        <a:ea typeface=""/>
-        <a:cs typeface=""/>
-        <a:font script="Jpan" typeface="ＭＳ Ｐゴシック"/>
-        <a:font script="Hang" typeface="맑은 고딕"/>
-        <a:font script="Hans" typeface="宋体"/>
-        <a:font script="Hant" typeface="新細明體"/>
-        <a:font script="Arab" typeface="Times New Roman"/>
-        <a:font script="Hebr" typeface="Times New Roman"/>
-        <a:font script="Thai" typeface="Angsana New"/>
-        <a:font script="Ethi" typeface="Nyala"/>
-        <a:font script="Beng" typeface="Vrinda"/>
-        <a:font script="Gujr" typeface="Shruti"/>
-        <a:font script="Khmr" typeface="MoolBoran"/>
-        <a:font script="Knda" typeface="Tunga"/>
-        <a:font script="Guru" typeface="Raavi"/>
-        <a:font script="Cans" typeface="Euphemia"/>
-        <a:font script="Cher" typeface="Plantagenet Cherokee"/>
-        <a:font script="Yiii" typeface="Microsoft Yi Baiti"/>
-        <a:font script="Tibt" typeface="Microsoft Himalaya"/>
-        <a:font script="Thaa" typeface="MV Boli"/>
-        <a:font script="Deva" typeface="Mangal"/>
-        <a:font script="Telu" typeface="Gautami"/>
-        <a:font script="Taml" typeface="Latha"/>
-        <a:font script="Syrc" typeface="Estrangelo Edessa"/>
-        <a:font script="Orya" typeface="Kalinga"/>
-        <a:font script="Mlym" typeface="Kartika"/>
-        <a:font script="Laoo" typeface="DokChampa"/>
-        <a:font script="Sinh" typeface="Iskoola Pota"/>
-        <a:font script="Mong" typeface="Mongolian Baiti"/>
-        <a:font script="Viet" typeface="Times New Roman"/>
-        <a:font script="Uigh" typeface="Microsoft Uighur"/>
-        <a:font script="Geor" typeface="Sylfaen"/>
-      </a:majorFont>
-      <a:minorFont>
-        <a:latin typeface="Arial"/>
-        <a:ea typeface=""/>
-        <a:cs typeface=""/>
-        <a:font script="Jpan" typeface="ＭＳ Ｐゴシック"/>
-        <a:font script="Hang" typeface="맑은 고딕"/>
-        <a:font script="Hans" typeface="宋体"/>
-        <a:font script="Hant" typeface="新細明體"/>
-        <a:font script="Arab" typeface="Arial"/>
-        <a:font script="Hebr" typeface="Arial"/>
-        <a:font script="Thai" typeface="Cordia New"/>
-        <a:font script="Ethi" typeface="Nyala"/>
-        <a:font script="Beng" typeface="Vrinda"/>
-        <a:font script="Gujr" typeface="Shruti"/>
-        <a:font script="Khmr" typeface="DaunPenh"/>
-        <a:font script="Knda" typeface="Tunga"/>
-        <a:font script="Guru" typeface="Raavi"/>
-        <a:font script="Cans" typeface="Euphemia"/>
-        <a:font script="Cher" typeface="Plantagenet Cherokee"/>
-        <a:font script="Yiii" typeface="Microsoft Yi Baiti"/>
-        <a:font script="Tibt" typeface="Microsoft Himalaya"/>
-        <a:font script="Thaa" typeface="MV Boli"/>
-        <a:font script="Deva" typeface="Mangal"/>
-        <a:font script="Telu" typeface="Gautami"/>
-        <a:font script="Taml" typeface="Latha"/>
-        <a:font script="Syrc" typeface="Estrangelo Edessa"/>
-        <a:font script="Orya" typeface="Kalinga"/>
-        <a:font script="Mlym" typeface="Kartika"/>
-        <a:font script="Laoo" typeface="DokChampa"/>
-        <a:font script="Sinh" typeface="Iskoola Pota"/>
-        <a:font script="Mong" typeface="Mongolian Baiti"/>
-        <a:font script="Viet" typeface="Arial"/>
-        <a:font script="Uigh" typeface="Microsoft Uighur"/>
-        <a:font script="Geor" typeface="Sylfaen"/>
-      </a:minorFont>
-    </a:fontScheme>
-    <a:fmtScheme name="Office">
-      <a:fillStyleLst>
-        <a:solidFill>
-          <a:schemeClr val="phClr"/>
-        </a:solidFill>
-        <a:gradFill rotWithShape="1">
-          <a:gsLst>
-            <a:gs pos="0">
-              <a:schemeClr val="phClr">
-                <a:tint val="50000"/>
-                <a:satMod val="300000"/>
-              </a:schemeClr>
-            </a:gs>
-            <a:gs pos="35000">
-              <a:schemeClr val="phClr">
-                <a:tint val="37000"/>
-                <a:satMod val="300000"/>
-              </a:schemeClr>
-            </a:gs>
-            <a:gs pos="100000">
-              <a:schemeClr val="phClr">
-                <a:tint val="15000"/>
-                <a:satMod val="350000"/>
-              </a:schemeClr>
-            </a:gs>
-          </a:gsLst>
-          <a:lin ang="16200000" scaled="1"/>
-        </a:gradFill>
-        <a:gradFill rotWithShape="1">
-          <a:gsLst>
-            <a:gs pos="0">
-              <a:schemeClr val="phClr">
-                <a:tint val="100000"/>
-                <a:shade val="100000"/>
-                <a:satMod val="130000"/>
-              </a:schemeClr>
-            </a:gs>
-            <a:gs pos="100000">
-              <a:schemeClr val="phClr">
-                <a:tint val="50000"/>
-                <a:shade val="100000"/>
-                <a:satMod val="350000"/>
-              </a:schemeClr>
-            </a:gs>
-          </a:gsLst>
-          <a:lin ang="16200000" scaled="0"/>
-        </a:gradFill>
-      </a:fillStyleLst>
-      <a:lnStyleLst>
-        <a:ln w="9525" cap="flat" cmpd="sng" algn="ctr">
-          <a:solidFill>
-            <a:schemeClr val="phClr">
-              <a:shade val="95000"/>
-              <a:satMod val="105000"/>
-            </a:schemeClr>
-          </a:solidFill>
-          <a:prstDash val="solid"/>
-        </a:ln>
-        <a:ln w="25400" cap="flat" cmpd="sng" algn="ctr">
-          <a:solidFill>
-            <a:schemeClr val="phClr"/>
-          </a:solidFill>
-          <a:prstDash val="solid"/>
-        </a:ln>
-        <a:ln w="38100" cap="flat" cmpd="sng" algn="ctr">
-          <a:solidFill>
-            <a:schemeClr val="phClr"/>
-          </a:solidFill>
-          <a:prstDash val="solid"/>
-        </a:ln>
-      </a:lnStyleLst>
-      <a:effectStyleLst>
-        <a:effectStyle>
-          <a:effectLst>
-            <a:outerShdw blurRad="40000" dist="20000" dir="5400000" rotWithShape="0">
-              <a:srgbClr val="000000">
-                <a:alpha val="38000"/>
-              </a:srgbClr>
-            </a:outerShdw>
-          </a:effectLst>
-        </a:effectStyle>
-        <a:effectStyle>
-          <a:effectLst>
-            <a:outerShdw blurRad="40000" dist="23000" dir="5400000" rotWithShape="0">
-              <a:srgbClr val="000000">
-                <a:alpha val="35000"/>
-              </a:srgbClr>
-            </a:outerShdw>
-          </a:effectLst>
-        </a:effectStyle>
-        <a:effectStyle>
-          <a:effectLst>
-            <a:outerShdw blurRad="40000" dist="23000" dir="5400000" rotWithShape="0">
-              <a:srgbClr val="000000">
-                <a:alpha val="35000"/>
-              </a:srgbClr>
-            </a:outerShdw>
-          </a:effectLst>
-          <a:scene3d>
-            <a:camera prst="orthographicFront">
-              <a:rot lat="0" lon="0" rev="0"/>
-            </a:camera>
-            <a:lightRig rig="threePt" dir="t">
-              <a:rot lat="0" lon="0" rev="1200000"/>
-            </a:lightRig>
-          </a:scene3d>
-          <a:sp3d>
-            <a:bevelT w="63500" h="25400"/>
-          </a:sp3d>
-        </a:effectStyle>
-      </a:effectStyleLst>
-      <a:bgFillStyleLst>
-        <a:solidFill>
-          <a:schemeClr val="phClr"/>
-        </a:solidFill>
-        <a:gradFill rotWithShape="1">
-          <a:gsLst>
-            <a:gs pos="0">
-              <a:schemeClr val="phClr">
-                <a:tint val="40000"/>
-                <a:satMod val="350000"/>
-              </a:schemeClr>
-            </a:gs>
-            <a:gs pos="40000">
-              <a:schemeClr val="phClr">
-                <a:tint val="45000"/>
-                <a:shade val="99000"/>
-                <a:satMod val="350000"/>
-              </a:schemeClr>
-            </a:gs>
-            <a:gs pos="100000">
-              <a:schemeClr val="phClr">
-                <a:shade val="20000"/>
-                <a:satMod val="255000"/>
-              </a:schemeClr>
-            </a:gs>
-          </a:gsLst>
-          <a:path path="circle">
-            <a:fillToRect l="50000" t="-80000" r="50000" b="180000"/>
-          </a:path>
-        </a:gradFill>
-        <a:gradFill rotWithShape="1">
-          <a:gsLst>
-            <a:gs pos="0">
-              <a:schemeClr val="phClr">
-                <a:tint val="80000"/>
-                <a:satMod val="300000"/>
-              </a:schemeClr>
-            </a:gs>
-            <a:gs pos="100000">
-              <a:schemeClr val="phClr">
-                <a:shade val="30000"/>
-                <a:satMod val="200000"/>
-              </a:schemeClr>
-            </a:gs>
-          </a:gsLst>
-          <a:path path="circle">
-            <a:fillToRect l="50000" t="50000" r="50000" b="50000"/>
-          </a:path>
-        </a:gradFill>
-      </a:bgFillStyleLst>
-    </a:fmtScheme>
-  </a:themeElements>
-</a:theme>
 </file>
--- a/NotiFree.pptx
+++ b/NotiFree.pptx
@@ -15,18 +15,23 @@
     <p:sldId id="260" r:id="rId9"/>
     <p:sldId id="261" r:id="rId10"/>
     <p:sldId id="262" r:id="rId11"/>
+    <p:sldId id="263" r:id="rId12"/>
+    <p:sldId id="264" r:id="rId13"/>
+    <p:sldId id="265" r:id="rId14"/>
+    <p:sldId id="266" r:id="rId15"/>
+    <p:sldId id="267" r:id="rId16"/>
   </p:sldIdLst>
   <p:sldSz cy="5143500" cx="9144000"/>
   <p:notesSz cx="6858000" cy="9144000"/>
   <p:embeddedFontLst>
     <p:embeddedFont>
       <p:font typeface="Average"/>
-      <p:regular r:id="rId12"/>
+      <p:regular r:id="rId17"/>
     </p:embeddedFont>
     <p:embeddedFont>
       <p:font typeface="Oswald"/>
-      <p:regular r:id="rId13"/>
-      <p:bold r:id="rId14"/>
+      <p:regular r:id="rId18"/>
+      <p:bold r:id="rId19"/>
     </p:embeddedFont>
   </p:embeddedFontLst>
   <p:defaultTextStyle>
@@ -478,12 +483,12 @@
 </p:notes>
 </file>
 
-<file path=ppt/notesSlides/notesSlide2.xml><?xml version="1.0" encoding="utf-8"?>
+<file path=ppt/notesSlides/notesSlide10.xml><?xml version="1.0" encoding="utf-8"?>
 <p:notes xmlns:a="http://schemas.openxmlformats.org/drawingml/2006/main" xmlns:r="http://schemas.openxmlformats.org/officeDocument/2006/relationships" xmlns:mc="http://schemas.openxmlformats.org/markup-compatibility/2006" xmlns:mv="urn:schemas-microsoft-com:mac:vml" xmlns:p="http://schemas.openxmlformats.org/presentationml/2006/main" xmlns:c="http://schemas.openxmlformats.org/drawingml/2006/chart" xmlns:dgm="http://schemas.openxmlformats.org/drawingml/2006/diagram" xmlns:o="urn:schemas-microsoft-com:office:office" xmlns:v="urn:schemas-microsoft-com:vml" xmlns:pvml="urn:schemas-microsoft-com:office:powerpoint" xmlns:com="http://schemas.openxmlformats.org/drawingml/2006/compatibility" xmlns:p14="http://schemas.microsoft.com/office/powerpoint/2010/main" showMasterPhAnim="0" showMasterSp="0">
   <p:cSld>
     <p:spTree>
       <p:nvGrpSpPr>
-        <p:cNvPr id="62" name="Shape 62"/>
+        <p:cNvPr id="114" name="Shape 114"/>
         <p:cNvGrpSpPr/>
         <p:nvPr/>
       </p:nvGrpSpPr>
@@ -497,7 +502,7 @@
       </p:grpSpPr>
       <p:sp>
         <p:nvSpPr>
-          <p:cNvPr id="63" name="Shape 63"/>
+          <p:cNvPr id="115" name="Shape 115"/>
           <p:cNvSpPr/>
           <p:nvPr>
             <p:ph idx="2" type="sldImg"/>
@@ -531,7 +536,7 @@
       </p:sp>
       <p:sp>
         <p:nvSpPr>
-          <p:cNvPr id="64" name="Shape 64"/>
+          <p:cNvPr id="116" name="Shape 116"/>
           <p:cNvSpPr txBox="1"/>
           <p:nvPr>
             <p:ph idx="1" type="body"/>
@@ -573,12 +578,12 @@
 </p:notes>
 </file>
 
-<file path=ppt/notesSlides/notesSlide3.xml><?xml version="1.0" encoding="utf-8"?>
+<file path=ppt/notesSlides/notesSlide11.xml><?xml version="1.0" encoding="utf-8"?>
 <p:notes xmlns:a="http://schemas.openxmlformats.org/drawingml/2006/main" xmlns:r="http://schemas.openxmlformats.org/officeDocument/2006/relationships" xmlns:mc="http://schemas.openxmlformats.org/markup-compatibility/2006" xmlns:mv="urn:schemas-microsoft-com:mac:vml" xmlns:p="http://schemas.openxmlformats.org/presentationml/2006/main" xmlns:c="http://schemas.openxmlformats.org/drawingml/2006/chart" xmlns:dgm="http://schemas.openxmlformats.org/drawingml/2006/diagram" xmlns:o="urn:schemas-microsoft-com:office:office" xmlns:v="urn:schemas-microsoft-com:vml" xmlns:pvml="urn:schemas-microsoft-com:office:powerpoint" xmlns:com="http://schemas.openxmlformats.org/drawingml/2006/compatibility" xmlns:p14="http://schemas.microsoft.com/office/powerpoint/2010/main" showMasterPhAnim="0" showMasterSp="0">
   <p:cSld>
     <p:spTree>
       <p:nvGrpSpPr>
-        <p:cNvPr id="69" name="Shape 69"/>
+        <p:cNvPr id="121" name="Shape 121"/>
         <p:cNvGrpSpPr/>
         <p:nvPr/>
       </p:nvGrpSpPr>
@@ -592,7 +597,7 @@
       </p:grpSpPr>
       <p:sp>
         <p:nvSpPr>
-          <p:cNvPr id="70" name="Shape 70"/>
+          <p:cNvPr id="122" name="Shape 122"/>
           <p:cNvSpPr/>
           <p:nvPr>
             <p:ph idx="2" type="sldImg"/>
@@ -626,7 +631,292 @@
       </p:sp>
       <p:sp>
         <p:nvSpPr>
-          <p:cNvPr id="71" name="Shape 71"/>
+          <p:cNvPr id="123" name="Shape 123"/>
+          <p:cNvSpPr txBox="1"/>
+          <p:nvPr>
+            <p:ph idx="1" type="body"/>
+          </p:nvPr>
+        </p:nvSpPr>
+        <p:spPr>
+          <a:xfrm>
+            <a:off x="685800" y="4343400"/>
+            <a:ext cx="5486400" cy="4114800"/>
+          </a:xfrm>
+          <a:prstGeom prst="rect">
+            <a:avLst/>
+          </a:prstGeom>
+        </p:spPr>
+        <p:txBody>
+          <a:bodyPr anchorCtr="0" anchor="t" bIns="91425" lIns="91425" rIns="91425" tIns="91425">
+            <a:noAutofit/>
+          </a:bodyPr>
+          <a:lstStyle/>
+          <a:p>
+            <a:pPr lvl="0">
+              <a:spcBef>
+                <a:spcPts val="0"/>
+              </a:spcBef>
+              <a:buNone/>
+            </a:pPr>
+            <a:r>
+              <a:t/>
+            </a:r>
+            <a:endParaRPr/>
+          </a:p>
+        </p:txBody>
+      </p:sp>
+    </p:spTree>
+  </p:cSld>
+  <p:clrMapOvr>
+    <a:masterClrMapping/>
+  </p:clrMapOvr>
+</p:notes>
+</file>
+
+<file path=ppt/notesSlides/notesSlide12.xml><?xml version="1.0" encoding="utf-8"?>
+<p:notes xmlns:a="http://schemas.openxmlformats.org/drawingml/2006/main" xmlns:r="http://schemas.openxmlformats.org/officeDocument/2006/relationships" xmlns:mc="http://schemas.openxmlformats.org/markup-compatibility/2006" xmlns:mv="urn:schemas-microsoft-com:mac:vml" xmlns:p="http://schemas.openxmlformats.org/presentationml/2006/main" xmlns:c="http://schemas.openxmlformats.org/drawingml/2006/chart" xmlns:dgm="http://schemas.openxmlformats.org/drawingml/2006/diagram" xmlns:o="urn:schemas-microsoft-com:office:office" xmlns:v="urn:schemas-microsoft-com:vml" xmlns:pvml="urn:schemas-microsoft-com:office:powerpoint" xmlns:com="http://schemas.openxmlformats.org/drawingml/2006/compatibility" xmlns:p14="http://schemas.microsoft.com/office/powerpoint/2010/main" showMasterPhAnim="0" showMasterSp="0">
+  <p:cSld>
+    <p:spTree>
+      <p:nvGrpSpPr>
+        <p:cNvPr id="128" name="Shape 128"/>
+        <p:cNvGrpSpPr/>
+        <p:nvPr/>
+      </p:nvGrpSpPr>
+      <p:grpSpPr>
+        <a:xfrm>
+          <a:off x="0" y="0"/>
+          <a:ext cx="0" cy="0"/>
+          <a:chOff x="0" y="0"/>
+          <a:chExt cx="0" cy="0"/>
+        </a:xfrm>
+      </p:grpSpPr>
+      <p:sp>
+        <p:nvSpPr>
+          <p:cNvPr id="129" name="Shape 129"/>
+          <p:cNvSpPr/>
+          <p:nvPr>
+            <p:ph idx="2" type="sldImg"/>
+          </p:nvPr>
+        </p:nvSpPr>
+        <p:spPr>
+          <a:xfrm>
+            <a:off x="381300" y="685800"/>
+            <a:ext cx="6096000" cy="3429000"/>
+          </a:xfrm>
+          <a:custGeom>
+            <a:pathLst>
+              <a:path extrusionOk="0" h="120000" w="120000">
+                <a:moveTo>
+                  <a:pt x="0" y="0"/>
+                </a:moveTo>
+                <a:lnTo>
+                  <a:pt x="120000" y="0"/>
+                </a:lnTo>
+                <a:lnTo>
+                  <a:pt x="120000" y="120000"/>
+                </a:lnTo>
+                <a:lnTo>
+                  <a:pt x="0" y="120000"/>
+                </a:lnTo>
+                <a:close/>
+              </a:path>
+            </a:pathLst>
+          </a:custGeom>
+        </p:spPr>
+      </p:sp>
+      <p:sp>
+        <p:nvSpPr>
+          <p:cNvPr id="130" name="Shape 130"/>
+          <p:cNvSpPr txBox="1"/>
+          <p:nvPr>
+            <p:ph idx="1" type="body"/>
+          </p:nvPr>
+        </p:nvSpPr>
+        <p:spPr>
+          <a:xfrm>
+            <a:off x="685800" y="4343400"/>
+            <a:ext cx="5486400" cy="4114800"/>
+          </a:xfrm>
+          <a:prstGeom prst="rect">
+            <a:avLst/>
+          </a:prstGeom>
+        </p:spPr>
+        <p:txBody>
+          <a:bodyPr anchorCtr="0" anchor="t" bIns="91425" lIns="91425" rIns="91425" tIns="91425">
+            <a:noAutofit/>
+          </a:bodyPr>
+          <a:lstStyle/>
+          <a:p>
+            <a:pPr lvl="0">
+              <a:spcBef>
+                <a:spcPts val="0"/>
+              </a:spcBef>
+              <a:buNone/>
+            </a:pPr>
+            <a:r>
+              <a:t/>
+            </a:r>
+            <a:endParaRPr/>
+          </a:p>
+        </p:txBody>
+      </p:sp>
+    </p:spTree>
+  </p:cSld>
+  <p:clrMapOvr>
+    <a:masterClrMapping/>
+  </p:clrMapOvr>
+</p:notes>
+</file>
+
+<file path=ppt/notesSlides/notesSlide2.xml><?xml version="1.0" encoding="utf-8"?>
+<p:notes xmlns:a="http://schemas.openxmlformats.org/drawingml/2006/main" xmlns:r="http://schemas.openxmlformats.org/officeDocument/2006/relationships" xmlns:mc="http://schemas.openxmlformats.org/markup-compatibility/2006" xmlns:mv="urn:schemas-microsoft-com:mac:vml" xmlns:p="http://schemas.openxmlformats.org/presentationml/2006/main" xmlns:c="http://schemas.openxmlformats.org/drawingml/2006/chart" xmlns:dgm="http://schemas.openxmlformats.org/drawingml/2006/diagram" xmlns:o="urn:schemas-microsoft-com:office:office" xmlns:v="urn:schemas-microsoft-com:vml" xmlns:pvml="urn:schemas-microsoft-com:office:powerpoint" xmlns:com="http://schemas.openxmlformats.org/drawingml/2006/compatibility" xmlns:p14="http://schemas.microsoft.com/office/powerpoint/2010/main" showMasterPhAnim="0" showMasterSp="0">
+  <p:cSld>
+    <p:spTree>
+      <p:nvGrpSpPr>
+        <p:cNvPr id="62" name="Shape 62"/>
+        <p:cNvGrpSpPr/>
+        <p:nvPr/>
+      </p:nvGrpSpPr>
+      <p:grpSpPr>
+        <a:xfrm>
+          <a:off x="0" y="0"/>
+          <a:ext cx="0" cy="0"/>
+          <a:chOff x="0" y="0"/>
+          <a:chExt cx="0" cy="0"/>
+        </a:xfrm>
+      </p:grpSpPr>
+      <p:sp>
+        <p:nvSpPr>
+          <p:cNvPr id="63" name="Shape 63"/>
+          <p:cNvSpPr/>
+          <p:nvPr>
+            <p:ph idx="2" type="sldImg"/>
+          </p:nvPr>
+        </p:nvSpPr>
+        <p:spPr>
+          <a:xfrm>
+            <a:off x="381300" y="685800"/>
+            <a:ext cx="6096000" cy="3429000"/>
+          </a:xfrm>
+          <a:custGeom>
+            <a:pathLst>
+              <a:path extrusionOk="0" h="120000" w="120000">
+                <a:moveTo>
+                  <a:pt x="0" y="0"/>
+                </a:moveTo>
+                <a:lnTo>
+                  <a:pt x="120000" y="0"/>
+                </a:lnTo>
+                <a:lnTo>
+                  <a:pt x="120000" y="120000"/>
+                </a:lnTo>
+                <a:lnTo>
+                  <a:pt x="0" y="120000"/>
+                </a:lnTo>
+                <a:close/>
+              </a:path>
+            </a:pathLst>
+          </a:custGeom>
+        </p:spPr>
+      </p:sp>
+      <p:sp>
+        <p:nvSpPr>
+          <p:cNvPr id="64" name="Shape 64"/>
+          <p:cNvSpPr txBox="1"/>
+          <p:nvPr>
+            <p:ph idx="1" type="body"/>
+          </p:nvPr>
+        </p:nvSpPr>
+        <p:spPr>
+          <a:xfrm>
+            <a:off x="685800" y="4343400"/>
+            <a:ext cx="5486400" cy="4114800"/>
+          </a:xfrm>
+          <a:prstGeom prst="rect">
+            <a:avLst/>
+          </a:prstGeom>
+        </p:spPr>
+        <p:txBody>
+          <a:bodyPr anchorCtr="0" anchor="t" bIns="91425" lIns="91425" rIns="91425" tIns="91425">
+            <a:noAutofit/>
+          </a:bodyPr>
+          <a:lstStyle/>
+          <a:p>
+            <a:pPr lvl="0">
+              <a:spcBef>
+                <a:spcPts val="0"/>
+              </a:spcBef>
+              <a:buNone/>
+            </a:pPr>
+            <a:r>
+              <a:t/>
+            </a:r>
+            <a:endParaRPr/>
+          </a:p>
+        </p:txBody>
+      </p:sp>
+    </p:spTree>
+  </p:cSld>
+  <p:clrMapOvr>
+    <a:masterClrMapping/>
+  </p:clrMapOvr>
+</p:notes>
+</file>
+
+<file path=ppt/notesSlides/notesSlide3.xml><?xml version="1.0" encoding="utf-8"?>
+<p:notes xmlns:a="http://schemas.openxmlformats.org/drawingml/2006/main" xmlns:r="http://schemas.openxmlformats.org/officeDocument/2006/relationships" xmlns:mc="http://schemas.openxmlformats.org/markup-compatibility/2006" xmlns:mv="urn:schemas-microsoft-com:mac:vml" xmlns:p="http://schemas.openxmlformats.org/presentationml/2006/main" xmlns:c="http://schemas.openxmlformats.org/drawingml/2006/chart" xmlns:dgm="http://schemas.openxmlformats.org/drawingml/2006/diagram" xmlns:o="urn:schemas-microsoft-com:office:office" xmlns:v="urn:schemas-microsoft-com:vml" xmlns:pvml="urn:schemas-microsoft-com:office:powerpoint" xmlns:com="http://schemas.openxmlformats.org/drawingml/2006/compatibility" xmlns:p14="http://schemas.microsoft.com/office/powerpoint/2010/main" showMasterPhAnim="0" showMasterSp="0">
+  <p:cSld>
+    <p:spTree>
+      <p:nvGrpSpPr>
+        <p:cNvPr id="68" name="Shape 68"/>
+        <p:cNvGrpSpPr/>
+        <p:nvPr/>
+      </p:nvGrpSpPr>
+      <p:grpSpPr>
+        <a:xfrm>
+          <a:off x="0" y="0"/>
+          <a:ext cx="0" cy="0"/>
+          <a:chOff x="0" y="0"/>
+          <a:chExt cx="0" cy="0"/>
+        </a:xfrm>
+      </p:grpSpPr>
+      <p:sp>
+        <p:nvSpPr>
+          <p:cNvPr id="69" name="Shape 69"/>
+          <p:cNvSpPr/>
+          <p:nvPr>
+            <p:ph idx="2" type="sldImg"/>
+          </p:nvPr>
+        </p:nvSpPr>
+        <p:spPr>
+          <a:xfrm>
+            <a:off x="381300" y="685800"/>
+            <a:ext cx="6096000" cy="3429000"/>
+          </a:xfrm>
+          <a:custGeom>
+            <a:pathLst>
+              <a:path extrusionOk="0" h="120000" w="120000">
+                <a:moveTo>
+                  <a:pt x="0" y="0"/>
+                </a:moveTo>
+                <a:lnTo>
+                  <a:pt x="120000" y="0"/>
+                </a:lnTo>
+                <a:lnTo>
+                  <a:pt x="120000" y="120000"/>
+                </a:lnTo>
+                <a:lnTo>
+                  <a:pt x="0" y="120000"/>
+                </a:lnTo>
+                <a:close/>
+              </a:path>
+            </a:pathLst>
+          </a:custGeom>
+        </p:spPr>
+      </p:sp>
+      <p:sp>
+        <p:nvSpPr>
+          <p:cNvPr id="70" name="Shape 70"/>
           <p:cNvSpPr txBox="1"/>
           <p:nvPr>
             <p:ph idx="1" type="body"/>
@@ -1007,6 +1297,196 @@
       <p:sp>
         <p:nvSpPr>
           <p:cNvPr id="95" name="Shape 95"/>
+          <p:cNvSpPr txBox="1"/>
+          <p:nvPr>
+            <p:ph idx="1" type="body"/>
+          </p:nvPr>
+        </p:nvSpPr>
+        <p:spPr>
+          <a:xfrm>
+            <a:off x="685800" y="4343400"/>
+            <a:ext cx="5486400" cy="4114800"/>
+          </a:xfrm>
+          <a:prstGeom prst="rect">
+            <a:avLst/>
+          </a:prstGeom>
+        </p:spPr>
+        <p:txBody>
+          <a:bodyPr anchorCtr="0" anchor="t" bIns="91425" lIns="91425" rIns="91425" tIns="91425">
+            <a:noAutofit/>
+          </a:bodyPr>
+          <a:lstStyle/>
+          <a:p>
+            <a:pPr lvl="0">
+              <a:spcBef>
+                <a:spcPts val="0"/>
+              </a:spcBef>
+              <a:buNone/>
+            </a:pPr>
+            <a:r>
+              <a:t/>
+            </a:r>
+            <a:endParaRPr/>
+          </a:p>
+        </p:txBody>
+      </p:sp>
+    </p:spTree>
+  </p:cSld>
+  <p:clrMapOvr>
+    <a:masterClrMapping/>
+  </p:clrMapOvr>
+</p:notes>
+</file>
+
+<file path=ppt/notesSlides/notesSlide8.xml><?xml version="1.0" encoding="utf-8"?>
+<p:notes xmlns:a="http://schemas.openxmlformats.org/drawingml/2006/main" xmlns:r="http://schemas.openxmlformats.org/officeDocument/2006/relationships" xmlns:mc="http://schemas.openxmlformats.org/markup-compatibility/2006" xmlns:mv="urn:schemas-microsoft-com:mac:vml" xmlns:p="http://schemas.openxmlformats.org/presentationml/2006/main" xmlns:c="http://schemas.openxmlformats.org/drawingml/2006/chart" xmlns:dgm="http://schemas.openxmlformats.org/drawingml/2006/diagram" xmlns:o="urn:schemas-microsoft-com:office:office" xmlns:v="urn:schemas-microsoft-com:vml" xmlns:pvml="urn:schemas-microsoft-com:office:powerpoint" xmlns:com="http://schemas.openxmlformats.org/drawingml/2006/compatibility" xmlns:p14="http://schemas.microsoft.com/office/powerpoint/2010/main" showMasterPhAnim="0" showMasterSp="0">
+  <p:cSld>
+    <p:spTree>
+      <p:nvGrpSpPr>
+        <p:cNvPr id="100" name="Shape 100"/>
+        <p:cNvGrpSpPr/>
+        <p:nvPr/>
+      </p:nvGrpSpPr>
+      <p:grpSpPr>
+        <a:xfrm>
+          <a:off x="0" y="0"/>
+          <a:ext cx="0" cy="0"/>
+          <a:chOff x="0" y="0"/>
+          <a:chExt cx="0" cy="0"/>
+        </a:xfrm>
+      </p:grpSpPr>
+      <p:sp>
+        <p:nvSpPr>
+          <p:cNvPr id="101" name="Shape 101"/>
+          <p:cNvSpPr/>
+          <p:nvPr>
+            <p:ph idx="2" type="sldImg"/>
+          </p:nvPr>
+        </p:nvSpPr>
+        <p:spPr>
+          <a:xfrm>
+            <a:off x="381300" y="685800"/>
+            <a:ext cx="6096000" cy="3429000"/>
+          </a:xfrm>
+          <a:custGeom>
+            <a:pathLst>
+              <a:path extrusionOk="0" h="120000" w="120000">
+                <a:moveTo>
+                  <a:pt x="0" y="0"/>
+                </a:moveTo>
+                <a:lnTo>
+                  <a:pt x="120000" y="0"/>
+                </a:lnTo>
+                <a:lnTo>
+                  <a:pt x="120000" y="120000"/>
+                </a:lnTo>
+                <a:lnTo>
+                  <a:pt x="0" y="120000"/>
+                </a:lnTo>
+                <a:close/>
+              </a:path>
+            </a:pathLst>
+          </a:custGeom>
+        </p:spPr>
+      </p:sp>
+      <p:sp>
+        <p:nvSpPr>
+          <p:cNvPr id="102" name="Shape 102"/>
+          <p:cNvSpPr txBox="1"/>
+          <p:nvPr>
+            <p:ph idx="1" type="body"/>
+          </p:nvPr>
+        </p:nvSpPr>
+        <p:spPr>
+          <a:xfrm>
+            <a:off x="685800" y="4343400"/>
+            <a:ext cx="5486400" cy="4114800"/>
+          </a:xfrm>
+          <a:prstGeom prst="rect">
+            <a:avLst/>
+          </a:prstGeom>
+        </p:spPr>
+        <p:txBody>
+          <a:bodyPr anchorCtr="0" anchor="t" bIns="91425" lIns="91425" rIns="91425" tIns="91425">
+            <a:noAutofit/>
+          </a:bodyPr>
+          <a:lstStyle/>
+          <a:p>
+            <a:pPr lvl="0">
+              <a:spcBef>
+                <a:spcPts val="0"/>
+              </a:spcBef>
+              <a:buNone/>
+            </a:pPr>
+            <a:r>
+              <a:t/>
+            </a:r>
+            <a:endParaRPr/>
+          </a:p>
+        </p:txBody>
+      </p:sp>
+    </p:spTree>
+  </p:cSld>
+  <p:clrMapOvr>
+    <a:masterClrMapping/>
+  </p:clrMapOvr>
+</p:notes>
+</file>
+
+<file path=ppt/notesSlides/notesSlide9.xml><?xml version="1.0" encoding="utf-8"?>
+<p:notes xmlns:a="http://schemas.openxmlformats.org/drawingml/2006/main" xmlns:r="http://schemas.openxmlformats.org/officeDocument/2006/relationships" xmlns:mc="http://schemas.openxmlformats.org/markup-compatibility/2006" xmlns:mv="urn:schemas-microsoft-com:mac:vml" xmlns:p="http://schemas.openxmlformats.org/presentationml/2006/main" xmlns:c="http://schemas.openxmlformats.org/drawingml/2006/chart" xmlns:dgm="http://schemas.openxmlformats.org/drawingml/2006/diagram" xmlns:o="urn:schemas-microsoft-com:office:office" xmlns:v="urn:schemas-microsoft-com:vml" xmlns:pvml="urn:schemas-microsoft-com:office:powerpoint" xmlns:com="http://schemas.openxmlformats.org/drawingml/2006/compatibility" xmlns:p14="http://schemas.microsoft.com/office/powerpoint/2010/main" showMasterPhAnim="0" showMasterSp="0">
+  <p:cSld>
+    <p:spTree>
+      <p:nvGrpSpPr>
+        <p:cNvPr id="107" name="Shape 107"/>
+        <p:cNvGrpSpPr/>
+        <p:nvPr/>
+      </p:nvGrpSpPr>
+      <p:grpSpPr>
+        <a:xfrm>
+          <a:off x="0" y="0"/>
+          <a:ext cx="0" cy="0"/>
+          <a:chOff x="0" y="0"/>
+          <a:chExt cx="0" cy="0"/>
+        </a:xfrm>
+      </p:grpSpPr>
+      <p:sp>
+        <p:nvSpPr>
+          <p:cNvPr id="108" name="Shape 108"/>
+          <p:cNvSpPr/>
+          <p:nvPr>
+            <p:ph idx="2" type="sldImg"/>
+          </p:nvPr>
+        </p:nvSpPr>
+        <p:spPr>
+          <a:xfrm>
+            <a:off x="381300" y="685800"/>
+            <a:ext cx="6096000" cy="3429000"/>
+          </a:xfrm>
+          <a:custGeom>
+            <a:pathLst>
+              <a:path extrusionOk="0" h="120000" w="120000">
+                <a:moveTo>
+                  <a:pt x="0" y="0"/>
+                </a:moveTo>
+                <a:lnTo>
+                  <a:pt x="120000" y="0"/>
+                </a:lnTo>
+                <a:lnTo>
+                  <a:pt x="120000" y="120000"/>
+                </a:lnTo>
+                <a:lnTo>
+                  <a:pt x="0" y="120000"/>
+                </a:lnTo>
+                <a:close/>
+              </a:path>
+            </a:pathLst>
+          </a:custGeom>
+        </p:spPr>
+      </p:sp>
+      <p:sp>
+        <p:nvSpPr>
+          <p:cNvPr id="109" name="Shape 109"/>
           <p:cNvSpPr txBox="1"/>
           <p:nvPr>
             <p:ph idx="1" type="body"/>
@@ -4852,6 +5332,389 @@
 </p:sld>
 </file>
 
+<file path=ppt/slides/slide10.xml><?xml version="1.0" encoding="utf-8"?>
+<p:sld xmlns:a="http://schemas.openxmlformats.org/drawingml/2006/main" xmlns:r="http://schemas.openxmlformats.org/officeDocument/2006/relationships" xmlns:mc="http://schemas.openxmlformats.org/markup-compatibility/2006" xmlns:mv="urn:schemas-microsoft-com:mac:vml" xmlns:p="http://schemas.openxmlformats.org/presentationml/2006/main" xmlns:c="http://schemas.openxmlformats.org/drawingml/2006/chart" xmlns:dgm="http://schemas.openxmlformats.org/drawingml/2006/diagram" xmlns:o="urn:schemas-microsoft-com:office:office" xmlns:v="urn:schemas-microsoft-com:vml" xmlns:pvml="urn:schemas-microsoft-com:office:powerpoint" xmlns:com="http://schemas.openxmlformats.org/drawingml/2006/compatibility" xmlns:p14="http://schemas.microsoft.com/office/powerpoint/2010/main">
+  <p:cSld>
+    <p:spTree>
+      <p:nvGrpSpPr>
+        <p:cNvPr id="117" name="Shape 117"/>
+        <p:cNvGrpSpPr/>
+        <p:nvPr/>
+      </p:nvGrpSpPr>
+      <p:grpSpPr>
+        <a:xfrm>
+          <a:off x="0" y="0"/>
+          <a:ext cx="0" cy="0"/>
+          <a:chOff x="0" y="0"/>
+          <a:chExt cx="0" cy="0"/>
+        </a:xfrm>
+      </p:grpSpPr>
+      <p:sp>
+        <p:nvSpPr>
+          <p:cNvPr id="118" name="Shape 118"/>
+          <p:cNvSpPr txBox="1"/>
+          <p:nvPr>
+            <p:ph type="title"/>
+          </p:nvPr>
+        </p:nvSpPr>
+        <p:spPr>
+          <a:xfrm>
+            <a:off x="311700" y="445025"/>
+            <a:ext cx="8520600" cy="572700"/>
+          </a:xfrm>
+          <a:prstGeom prst="rect">
+            <a:avLst/>
+          </a:prstGeom>
+        </p:spPr>
+        <p:txBody>
+          <a:bodyPr anchorCtr="0" anchor="t" bIns="91425" lIns="91425" rIns="91425" tIns="91425">
+            <a:noAutofit/>
+          </a:bodyPr>
+          <a:lstStyle/>
+          <a:p>
+            <a:pPr lvl="0">
+              <a:spcBef>
+                <a:spcPts val="0"/>
+              </a:spcBef>
+              <a:buNone/>
+            </a:pPr>
+            <a:r>
+              <a:t/>
+            </a:r>
+            <a:endParaRPr/>
+          </a:p>
+        </p:txBody>
+      </p:sp>
+      <p:sp>
+        <p:nvSpPr>
+          <p:cNvPr id="119" name="Shape 119"/>
+          <p:cNvSpPr txBox="1"/>
+          <p:nvPr>
+            <p:ph idx="1" type="body"/>
+          </p:nvPr>
+        </p:nvSpPr>
+        <p:spPr>
+          <a:xfrm>
+            <a:off x="311700" y="1152475"/>
+            <a:ext cx="8520600" cy="3416400"/>
+          </a:xfrm>
+          <a:prstGeom prst="rect">
+            <a:avLst/>
+          </a:prstGeom>
+        </p:spPr>
+        <p:txBody>
+          <a:bodyPr anchorCtr="0" anchor="t" bIns="91425" lIns="91425" rIns="91425" tIns="91425">
+            <a:noAutofit/>
+          </a:bodyPr>
+          <a:lstStyle/>
+          <a:p>
+            <a:pPr lvl="0">
+              <a:spcBef>
+                <a:spcPts val="0"/>
+              </a:spcBef>
+              <a:buNone/>
+            </a:pPr>
+            <a:r>
+              <a:t/>
+            </a:r>
+            <a:endParaRPr/>
+          </a:p>
+        </p:txBody>
+      </p:sp>
+      <p:pic>
+        <p:nvPicPr>
+          <p:cNvPr descr="upload2.png" id="120" name="Shape 120"/>
+          <p:cNvPicPr preferRelativeResize="0"/>
+          <p:nvPr/>
+        </p:nvPicPr>
+        <p:blipFill>
+          <a:blip r:embed="rId3">
+            <a:alphaModFix/>
+          </a:blip>
+          <a:stretch>
+            <a:fillRect/>
+          </a:stretch>
+        </p:blipFill>
+        <p:spPr>
+          <a:xfrm>
+            <a:off x="0" y="1042"/>
+            <a:ext cx="9144001" cy="5141416"/>
+          </a:xfrm>
+          <a:prstGeom prst="rect">
+            <a:avLst/>
+          </a:prstGeom>
+          <a:noFill/>
+          <a:ln>
+            <a:noFill/>
+          </a:ln>
+        </p:spPr>
+      </p:pic>
+    </p:spTree>
+  </p:cSld>
+  <p:clrMapOvr>
+    <a:masterClrMapping/>
+  </p:clrMapOvr>
+</p:sld>
+</file>
+
+<file path=ppt/slides/slide11.xml><?xml version="1.0" encoding="utf-8"?>
+<p:sld xmlns:a="http://schemas.openxmlformats.org/drawingml/2006/main" xmlns:r="http://schemas.openxmlformats.org/officeDocument/2006/relationships" xmlns:mc="http://schemas.openxmlformats.org/markup-compatibility/2006" xmlns:mv="urn:schemas-microsoft-com:mac:vml" xmlns:p="http://schemas.openxmlformats.org/presentationml/2006/main" xmlns:c="http://schemas.openxmlformats.org/drawingml/2006/chart" xmlns:dgm="http://schemas.openxmlformats.org/drawingml/2006/diagram" xmlns:o="urn:schemas-microsoft-com:office:office" xmlns:v="urn:schemas-microsoft-com:vml" xmlns:pvml="urn:schemas-microsoft-com:office:powerpoint" xmlns:com="http://schemas.openxmlformats.org/drawingml/2006/compatibility" xmlns:p14="http://schemas.microsoft.com/office/powerpoint/2010/main">
+  <p:cSld>
+    <p:spTree>
+      <p:nvGrpSpPr>
+        <p:cNvPr id="124" name="Shape 124"/>
+        <p:cNvGrpSpPr/>
+        <p:nvPr/>
+      </p:nvGrpSpPr>
+      <p:grpSpPr>
+        <a:xfrm>
+          <a:off x="0" y="0"/>
+          <a:ext cx="0" cy="0"/>
+          <a:chOff x="0" y="0"/>
+          <a:chExt cx="0" cy="0"/>
+        </a:xfrm>
+      </p:grpSpPr>
+      <p:sp>
+        <p:nvSpPr>
+          <p:cNvPr id="125" name="Shape 125"/>
+          <p:cNvSpPr txBox="1"/>
+          <p:nvPr>
+            <p:ph type="title"/>
+          </p:nvPr>
+        </p:nvSpPr>
+        <p:spPr>
+          <a:xfrm>
+            <a:off x="311700" y="445025"/>
+            <a:ext cx="8520600" cy="572700"/>
+          </a:xfrm>
+          <a:prstGeom prst="rect">
+            <a:avLst/>
+          </a:prstGeom>
+        </p:spPr>
+        <p:txBody>
+          <a:bodyPr anchorCtr="0" anchor="t" bIns="91425" lIns="91425" rIns="91425" tIns="91425">
+            <a:noAutofit/>
+          </a:bodyPr>
+          <a:lstStyle/>
+          <a:p>
+            <a:pPr lvl="0">
+              <a:spcBef>
+                <a:spcPts val="0"/>
+              </a:spcBef>
+              <a:buNone/>
+            </a:pPr>
+            <a:r>
+              <a:t/>
+            </a:r>
+            <a:endParaRPr/>
+          </a:p>
+        </p:txBody>
+      </p:sp>
+      <p:sp>
+        <p:nvSpPr>
+          <p:cNvPr id="126" name="Shape 126"/>
+          <p:cNvSpPr txBox="1"/>
+          <p:nvPr>
+            <p:ph idx="1" type="body"/>
+          </p:nvPr>
+        </p:nvSpPr>
+        <p:spPr>
+          <a:xfrm>
+            <a:off x="311700" y="1152475"/>
+            <a:ext cx="8520600" cy="3416400"/>
+          </a:xfrm>
+          <a:prstGeom prst="rect">
+            <a:avLst/>
+          </a:prstGeom>
+        </p:spPr>
+        <p:txBody>
+          <a:bodyPr anchorCtr="0" anchor="t" bIns="91425" lIns="91425" rIns="91425" tIns="91425">
+            <a:noAutofit/>
+          </a:bodyPr>
+          <a:lstStyle/>
+          <a:p>
+            <a:pPr lvl="0">
+              <a:spcBef>
+                <a:spcPts val="0"/>
+              </a:spcBef>
+              <a:buNone/>
+            </a:pPr>
+            <a:r>
+              <a:t/>
+            </a:r>
+            <a:endParaRPr/>
+          </a:p>
+        </p:txBody>
+      </p:sp>
+      <p:pic>
+        <p:nvPicPr>
+          <p:cNvPr descr="upload5.png" id="127" name="Shape 127"/>
+          <p:cNvPicPr preferRelativeResize="0"/>
+          <p:nvPr/>
+        </p:nvPicPr>
+        <p:blipFill>
+          <a:blip r:embed="rId3">
+            <a:alphaModFix/>
+          </a:blip>
+          <a:stretch>
+            <a:fillRect/>
+          </a:stretch>
+        </p:blipFill>
+        <p:spPr>
+          <a:xfrm>
+            <a:off x="6608" y="0"/>
+            <a:ext cx="9130784" cy="5143500"/>
+          </a:xfrm>
+          <a:prstGeom prst="rect">
+            <a:avLst/>
+          </a:prstGeom>
+          <a:noFill/>
+          <a:ln>
+            <a:noFill/>
+          </a:ln>
+        </p:spPr>
+      </p:pic>
+    </p:spTree>
+  </p:cSld>
+  <p:clrMapOvr>
+    <a:masterClrMapping/>
+  </p:clrMapOvr>
+</p:sld>
+</file>
+
+<file path=ppt/slides/slide12.xml><?xml version="1.0" encoding="utf-8"?>
+<p:sld xmlns:a="http://schemas.openxmlformats.org/drawingml/2006/main" xmlns:r="http://schemas.openxmlformats.org/officeDocument/2006/relationships" xmlns:mc="http://schemas.openxmlformats.org/markup-compatibility/2006" xmlns:mv="urn:schemas-microsoft-com:mac:vml" xmlns:p="http://schemas.openxmlformats.org/presentationml/2006/main" xmlns:c="http://schemas.openxmlformats.org/drawingml/2006/chart" xmlns:dgm="http://schemas.openxmlformats.org/drawingml/2006/diagram" xmlns:o="urn:schemas-microsoft-com:office:office" xmlns:v="urn:schemas-microsoft-com:vml" xmlns:pvml="urn:schemas-microsoft-com:office:powerpoint" xmlns:com="http://schemas.openxmlformats.org/drawingml/2006/compatibility" xmlns:p14="http://schemas.microsoft.com/office/powerpoint/2010/main">
+  <p:cSld>
+    <p:spTree>
+      <p:nvGrpSpPr>
+        <p:cNvPr id="131" name="Shape 131"/>
+        <p:cNvGrpSpPr/>
+        <p:nvPr/>
+      </p:nvGrpSpPr>
+      <p:grpSpPr>
+        <a:xfrm>
+          <a:off x="0" y="0"/>
+          <a:ext cx="0" cy="0"/>
+          <a:chOff x="0" y="0"/>
+          <a:chExt cx="0" cy="0"/>
+        </a:xfrm>
+      </p:grpSpPr>
+      <p:sp>
+        <p:nvSpPr>
+          <p:cNvPr id="132" name="Shape 132"/>
+          <p:cNvSpPr txBox="1"/>
+          <p:nvPr>
+            <p:ph type="title"/>
+          </p:nvPr>
+        </p:nvSpPr>
+        <p:spPr>
+          <a:xfrm>
+            <a:off x="311700" y="445025"/>
+            <a:ext cx="8520600" cy="572700"/>
+          </a:xfrm>
+          <a:prstGeom prst="rect">
+            <a:avLst/>
+          </a:prstGeom>
+        </p:spPr>
+        <p:txBody>
+          <a:bodyPr anchorCtr="0" anchor="t" bIns="91425" lIns="91425" rIns="91425" tIns="91425">
+            <a:noAutofit/>
+          </a:bodyPr>
+          <a:lstStyle/>
+          <a:p>
+            <a:pPr lvl="0">
+              <a:spcBef>
+                <a:spcPts val="0"/>
+              </a:spcBef>
+              <a:buNone/>
+            </a:pPr>
+            <a:r>
+              <a:t/>
+            </a:r>
+            <a:endParaRPr/>
+          </a:p>
+        </p:txBody>
+      </p:sp>
+      <p:sp>
+        <p:nvSpPr>
+          <p:cNvPr id="133" name="Shape 133"/>
+          <p:cNvSpPr txBox="1"/>
+          <p:nvPr>
+            <p:ph idx="1" type="body"/>
+          </p:nvPr>
+        </p:nvSpPr>
+        <p:spPr>
+          <a:xfrm>
+            <a:off x="311700" y="1152475"/>
+            <a:ext cx="8520600" cy="3416400"/>
+          </a:xfrm>
+          <a:prstGeom prst="rect">
+            <a:avLst/>
+          </a:prstGeom>
+        </p:spPr>
+        <p:txBody>
+          <a:bodyPr anchorCtr="0" anchor="t" bIns="91425" lIns="91425" rIns="91425" tIns="91425">
+            <a:noAutofit/>
+          </a:bodyPr>
+          <a:lstStyle/>
+          <a:p>
+            <a:pPr lvl="0">
+              <a:spcBef>
+                <a:spcPts val="0"/>
+              </a:spcBef>
+              <a:buNone/>
+            </a:pPr>
+            <a:r>
+              <a:rPr lang="en"/>
+              <a:t>Home - Harry</a:t>
+            </a:r>
+          </a:p>
+          <a:p>
+            <a:pPr lvl="0">
+              <a:spcBef>
+                <a:spcPts val="0"/>
+              </a:spcBef>
+              <a:buNone/>
+            </a:pPr>
+            <a:r>
+              <a:rPr lang="en"/>
+              <a:t>Sign up - Christina</a:t>
+            </a:r>
+          </a:p>
+          <a:p>
+            <a:pPr lvl="0">
+              <a:spcBef>
+                <a:spcPts val="0"/>
+              </a:spcBef>
+              <a:buNone/>
+            </a:pPr>
+            <a:r>
+              <a:rPr lang="en"/>
+              <a:t>Sign in + Results - David</a:t>
+            </a:r>
+          </a:p>
+          <a:p>
+            <a:pPr lvl="0" rtl="0">
+              <a:spcBef>
+                <a:spcPts val="0"/>
+              </a:spcBef>
+              <a:buNone/>
+            </a:pPr>
+            <a:r>
+              <a:rPr lang="en"/>
+              <a:t>Settings - Lewis</a:t>
+            </a:r>
+          </a:p>
+        </p:txBody>
+      </p:sp>
+    </p:spTree>
+  </p:cSld>
+  <p:clrMapOvr>
+    <a:masterClrMapping/>
+  </p:clrMapOvr>
+</p:sld>
+</file>
+
 <file path=ppt/slides/slide2.xml><?xml version="1.0" encoding="utf-8"?>
 <p:sld xmlns:a="http://schemas.openxmlformats.org/drawingml/2006/main" xmlns:r="http://schemas.openxmlformats.org/officeDocument/2006/relationships" xmlns:mc="http://schemas.openxmlformats.org/markup-compatibility/2006" xmlns:mv="urn:schemas-microsoft-com:mac:vml" xmlns:p="http://schemas.openxmlformats.org/presentationml/2006/main" xmlns:c="http://schemas.openxmlformats.org/drawingml/2006/chart" xmlns:dgm="http://schemas.openxmlformats.org/drawingml/2006/diagram" xmlns:o="urn:schemas-microsoft-com:office:office" xmlns:v="urn:schemas-microsoft-com:vml" xmlns:pvml="urn:schemas-microsoft-com:office:powerpoint" xmlns:com="http://schemas.openxmlformats.org/drawingml/2006/compatibility" xmlns:p14="http://schemas.microsoft.com/office/powerpoint/2010/main">
   <p:cSld>
@@ -4960,60 +5823,8 @@
               <a:t>Sends notifications to user</a:t>
             </a:r>
           </a:p>
-          <a:p>
-            <a:pPr lvl="0" rtl="0" algn="just">
-              <a:spcBef>
-                <a:spcPts val="0"/>
-              </a:spcBef>
-              <a:buNone/>
-            </a:pPr>
-            <a:r>
-              <a:rPr lang="en"/>
-              <a:t>NotiFree is a search engine for free items in your area. It pulls results from Gumtree and Freecycle, allowing the user to browse through them all. It also sends the user notifications when an item they have recently been looking for becomes available.</a:t>
-            </a:r>
-          </a:p>
-          <a:p>
-            <a:pPr lvl="0" rtl="0" algn="just">
-              <a:spcBef>
-                <a:spcPts val="0"/>
-              </a:spcBef>
-              <a:buNone/>
-            </a:pPr>
-            <a:r>
-              <a:rPr lang="en"/>
-              <a:t>(describe notification system)</a:t>
-            </a:r>
-          </a:p>
         </p:txBody>
       </p:sp>
-      <p:pic>
-        <p:nvPicPr>
-          <p:cNvPr descr="upload.png" id="68" name="Shape 68"/>
-          <p:cNvPicPr preferRelativeResize="0"/>
-          <p:nvPr/>
-        </p:nvPicPr>
-        <p:blipFill>
-          <a:blip r:embed="rId3">
-            <a:alphaModFix/>
-          </a:blip>
-          <a:stretch>
-            <a:fillRect/>
-          </a:stretch>
-        </p:blipFill>
-        <p:spPr>
-          <a:xfrm>
-            <a:off x="6075825" y="3399249"/>
-            <a:ext cx="3068173" cy="1744250"/>
-          </a:xfrm>
-          <a:prstGeom prst="rect">
-            <a:avLst/>
-          </a:prstGeom>
-          <a:noFill/>
-          <a:ln>
-            <a:noFill/>
-          </a:ln>
-        </p:spPr>
-      </p:pic>
     </p:spTree>
   </p:cSld>
   <p:clrMapOvr>
@@ -5027,7 +5838,7 @@
   <p:cSld>
     <p:spTree>
       <p:nvGrpSpPr>
-        <p:cNvPr id="72" name="Shape 72"/>
+        <p:cNvPr id="71" name="Shape 71"/>
         <p:cNvGrpSpPr/>
         <p:nvPr/>
       </p:nvGrpSpPr>
@@ -5041,7 +5852,7 @@
       </p:grpSpPr>
       <p:sp>
         <p:nvSpPr>
-          <p:cNvPr id="73" name="Shape 73"/>
+          <p:cNvPr id="72" name="Shape 72"/>
           <p:cNvSpPr txBox="1"/>
           <p:nvPr>
             <p:ph type="title"/>
@@ -5077,7 +5888,7 @@
       </p:sp>
       <p:sp>
         <p:nvSpPr>
-          <p:cNvPr id="74" name="Shape 74"/>
+          <p:cNvPr id="73" name="Shape 73"/>
           <p:cNvSpPr txBox="1"/>
           <p:nvPr>
             <p:ph idx="1" type="body"/>
@@ -5098,31 +5909,57 @@
           </a:bodyPr>
           <a:lstStyle/>
           <a:p>
-            <a:pPr lvl="0" rtl="0" algn="just">
-              <a:spcBef>
-                <a:spcPts val="0"/>
-              </a:spcBef>
-              <a:buNone/>
+            <a:pPr indent="-228600" lvl="0" marL="457200" rtl="0" algn="just">
+              <a:spcBef>
+                <a:spcPts val="0"/>
+              </a:spcBef>
             </a:pPr>
             <a:r>
               <a:rPr lang="en"/>
-              <a:t>NotiFree is designed to save users the trouble of searching through many different sites for an item. It enables the user to view the available items from both sites at once.</a:t>
+              <a:t>It saves the trouble of searching through multiple sites</a:t>
             </a:r>
           </a:p>
           <a:p>
-            <a:pPr lvl="0" algn="just">
-              <a:spcBef>
-                <a:spcPts val="0"/>
-              </a:spcBef>
-              <a:buNone/>
+            <a:pPr indent="-228600" lvl="0" marL="457200" rtl="0" algn="just">
+              <a:spcBef>
+                <a:spcPts val="0"/>
+              </a:spcBef>
             </a:pPr>
             <a:r>
               <a:rPr lang="en"/>
-              <a:t>The notification system also means that the user does not have to be constantly viewing the site to check what new items have become available, because they will receive an email whenever there is a new item related to their previous searches.</a:t>
+              <a:t>The user doesn’t have to be constantly checking the site for new items</a:t>
             </a:r>
           </a:p>
         </p:txBody>
       </p:sp>
+      <p:pic>
+        <p:nvPicPr>
+          <p:cNvPr descr="Screen Shot 2016-08-11 at 15.06.01.png" id="74" name="Shape 74"/>
+          <p:cNvPicPr preferRelativeResize="0"/>
+          <p:nvPr/>
+        </p:nvPicPr>
+        <p:blipFill>
+          <a:blip r:embed="rId3">
+            <a:alphaModFix/>
+          </a:blip>
+          <a:stretch>
+            <a:fillRect/>
+          </a:stretch>
+        </p:blipFill>
+        <p:spPr>
+          <a:xfrm>
+            <a:off x="776275" y="2530525"/>
+            <a:ext cx="7591425" cy="2038350"/>
+          </a:xfrm>
+          <a:prstGeom prst="rect">
+            <a:avLst/>
+          </a:prstGeom>
+          <a:noFill/>
+          <a:ln>
+            <a:noFill/>
+          </a:ln>
+        </p:spPr>
+      </p:pic>
     </p:spTree>
   </p:cSld>
   <p:clrMapOvr>
@@ -5207,7 +6044,7 @@
           </a:bodyPr>
           <a:lstStyle/>
           <a:p>
-            <a:pPr lvl="0" algn="just">
+            <a:pPr lvl="0" rtl="0" algn="just">
               <a:spcBef>
                 <a:spcPts val="0"/>
               </a:spcBef>
@@ -5215,7 +6052,41 @@
             </a:pPr>
             <a:r>
               <a:rPr lang="en"/>
-              <a:t>The site is targeted towards someone who has just arrived in a new home, with no or relatively low income and may be working under time constraints. Take for example, a student. They would want furniture that is easy to access without searching through several different sites, they would want to be able to do it quickly, and without too much effort. However, they wouldn’t want to receive too many notifications or have to enter lots of personal information.</a:t>
+              <a:t>Targeted towards someone who:</a:t>
+            </a:r>
+          </a:p>
+          <a:p>
+            <a:pPr indent="-228600" lvl="0" marL="457200" rtl="0" algn="just">
+              <a:spcBef>
+                <a:spcPts val="0"/>
+              </a:spcBef>
+            </a:pPr>
+            <a:r>
+              <a:rPr lang="en"/>
+              <a:t>has just moved into a new home</a:t>
+            </a:r>
+          </a:p>
+          <a:p>
+            <a:pPr indent="-228600" lvl="0" marL="457200" rtl="0" algn="just">
+              <a:spcBef>
+                <a:spcPts val="0"/>
+              </a:spcBef>
+            </a:pPr>
+            <a:r>
+              <a:rPr lang="en"/>
+              <a:t>is struggling for money</a:t>
+            </a:r>
+          </a:p>
+          <a:p>
+            <a:pPr lvl="0" rtl="0" algn="just">
+              <a:spcBef>
+                <a:spcPts val="0"/>
+              </a:spcBef>
+              <a:buNone/>
+            </a:pPr>
+            <a:r>
+              <a:rPr lang="en"/>
+              <a:t>They would want quick and easy access, but they wouldn’t want to enter too many details or receive too many notifications.</a:t>
             </a:r>
           </a:p>
         </p:txBody>
@@ -5312,7 +6183,62 @@
             </a:pPr>
             <a:r>
               <a:rPr lang="en"/>
-              <a:t>The vast majority of our site is written in HTML, with PHP used for the servers. There was a small amount of javascript and a reasonable amount of python used for the scripting necessary to perform searches and dynamically affect HTML. We used CSS3 to style the website and create animations, such as the one on the home page.</a:t>
+              <a:t>Languages we used:</a:t>
+            </a:r>
+          </a:p>
+          <a:p>
+            <a:pPr indent="-228600" lvl="0" marL="457200" rtl="0" algn="just">
+              <a:spcBef>
+                <a:spcPts val="0"/>
+              </a:spcBef>
+            </a:pPr>
+            <a:r>
+              <a:rPr lang="en"/>
+              <a:t>HTML</a:t>
+            </a:r>
+          </a:p>
+          <a:p>
+            <a:pPr indent="-228600" lvl="0" marL="457200" rtl="0" algn="just">
+              <a:spcBef>
+                <a:spcPts val="0"/>
+              </a:spcBef>
+            </a:pPr>
+            <a:r>
+              <a:rPr lang="en"/>
+              <a:t>PHP</a:t>
+            </a:r>
+          </a:p>
+          <a:p>
+            <a:pPr indent="-228600" lvl="0" marL="457200" rtl="0" algn="just">
+              <a:spcBef>
+                <a:spcPts val="0"/>
+              </a:spcBef>
+            </a:pPr>
+            <a:r>
+              <a:rPr lang="en"/>
+              <a:t>Javascript</a:t>
+            </a:r>
+          </a:p>
+          <a:p>
+            <a:pPr indent="-228600" lvl="0" marL="457200" rtl="0" algn="just">
+              <a:spcBef>
+                <a:spcPts val="0"/>
+              </a:spcBef>
+            </a:pPr>
+            <a:r>
+              <a:rPr lang="en"/>
+              <a:t>Python</a:t>
+            </a:r>
+          </a:p>
+          <a:p>
+            <a:pPr indent="-228600" lvl="0" marL="457200" rtl="0" algn="just">
+              <a:spcBef>
+                <a:spcPts val="0"/>
+              </a:spcBef>
+            </a:pPr>
+            <a:r>
+              <a:rPr lang="en"/>
+              <a:t>CSS3</a:t>
             </a:r>
           </a:p>
         </p:txBody>
@@ -5409,7 +6335,7 @@
             </a:pPr>
             <a:r>
               <a:rPr lang="en"/>
-              <a:t>Harry - CSS3 (keyframes + gradients) + HTML5 forms</a:t>
+              <a:t>Harry - CSS3 keyframes + gradients + HTML5 forms</a:t>
             </a:r>
           </a:p>
           <a:p>
@@ -5577,10 +6503,87 @@
               <a:buNone/>
             </a:pPr>
             <a:r>
-              <a:rPr lang="en"/>
-              <a:t>Home - Harry</a:t>
+              <a:t/>
             </a:r>
+            <a:endParaRPr/>
           </a:p>
+        </p:txBody>
+      </p:sp>
+      <p:pic>
+        <p:nvPicPr>
+          <p:cNvPr descr="upload.png" id="99" name="Shape 99"/>
+          <p:cNvPicPr preferRelativeResize="0"/>
+          <p:nvPr/>
+        </p:nvPicPr>
+        <p:blipFill>
+          <a:blip r:embed="rId3">
+            <a:alphaModFix/>
+          </a:blip>
+          <a:stretch>
+            <a:fillRect/>
+          </a:stretch>
+        </p:blipFill>
+        <p:spPr>
+          <a:xfrm>
+            <a:off x="0" y="0"/>
+            <a:ext cx="9144000" cy="5198389"/>
+          </a:xfrm>
+          <a:prstGeom prst="rect">
+            <a:avLst/>
+          </a:prstGeom>
+          <a:noFill/>
+          <a:ln>
+            <a:noFill/>
+          </a:ln>
+        </p:spPr>
+      </p:pic>
+    </p:spTree>
+  </p:cSld>
+  <p:clrMapOvr>
+    <a:masterClrMapping/>
+  </p:clrMapOvr>
+</p:sld>
+</file>
+
+<file path=ppt/slides/slide8.xml><?xml version="1.0" encoding="utf-8"?>
+<p:sld xmlns:a="http://schemas.openxmlformats.org/drawingml/2006/main" xmlns:r="http://schemas.openxmlformats.org/officeDocument/2006/relationships" xmlns:mc="http://schemas.openxmlformats.org/markup-compatibility/2006" xmlns:mv="urn:schemas-microsoft-com:mac:vml" xmlns:p="http://schemas.openxmlformats.org/presentationml/2006/main" xmlns:c="http://schemas.openxmlformats.org/drawingml/2006/chart" xmlns:dgm="http://schemas.openxmlformats.org/drawingml/2006/diagram" xmlns:o="urn:schemas-microsoft-com:office:office" xmlns:v="urn:schemas-microsoft-com:vml" xmlns:pvml="urn:schemas-microsoft-com:office:powerpoint" xmlns:com="http://schemas.openxmlformats.org/drawingml/2006/compatibility" xmlns:p14="http://schemas.microsoft.com/office/powerpoint/2010/main">
+  <p:cSld>
+    <p:spTree>
+      <p:nvGrpSpPr>
+        <p:cNvPr id="103" name="Shape 103"/>
+        <p:cNvGrpSpPr/>
+        <p:nvPr/>
+      </p:nvGrpSpPr>
+      <p:grpSpPr>
+        <a:xfrm>
+          <a:off x="0" y="0"/>
+          <a:ext cx="0" cy="0"/>
+          <a:chOff x="0" y="0"/>
+          <a:chExt cx="0" cy="0"/>
+        </a:xfrm>
+      </p:grpSpPr>
+      <p:sp>
+        <p:nvSpPr>
+          <p:cNvPr id="104" name="Shape 104"/>
+          <p:cNvSpPr txBox="1"/>
+          <p:nvPr>
+            <p:ph type="title"/>
+          </p:nvPr>
+        </p:nvSpPr>
+        <p:spPr>
+          <a:xfrm>
+            <a:off x="311700" y="445025"/>
+            <a:ext cx="8520600" cy="572700"/>
+          </a:xfrm>
+          <a:prstGeom prst="rect">
+            <a:avLst/>
+          </a:prstGeom>
+        </p:spPr>
+        <p:txBody>
+          <a:bodyPr anchorCtr="0" anchor="t" bIns="91425" lIns="91425" rIns="91425" tIns="91425">
+            <a:noAutofit/>
+          </a:bodyPr>
+          <a:lstStyle/>
           <a:p>
             <a:pPr lvl="0">
               <a:spcBef>
@@ -5589,10 +6592,34 @@
               <a:buNone/>
             </a:pPr>
             <a:r>
-              <a:rPr lang="en"/>
-              <a:t>Sign up - Christina</a:t>
+              <a:t/>
             </a:r>
+            <a:endParaRPr/>
           </a:p>
+        </p:txBody>
+      </p:sp>
+      <p:sp>
+        <p:nvSpPr>
+          <p:cNvPr id="105" name="Shape 105"/>
+          <p:cNvSpPr txBox="1"/>
+          <p:nvPr>
+            <p:ph idx="1" type="body"/>
+          </p:nvPr>
+        </p:nvSpPr>
+        <p:spPr>
+          <a:xfrm>
+            <a:off x="311700" y="1152475"/>
+            <a:ext cx="8520600" cy="3416400"/>
+          </a:xfrm>
+          <a:prstGeom prst="rect">
+            <a:avLst/>
+          </a:prstGeom>
+        </p:spPr>
+        <p:txBody>
+          <a:bodyPr anchorCtr="0" anchor="t" bIns="91425" lIns="91425" rIns="91425" tIns="91425">
+            <a:noAutofit/>
+          </a:bodyPr>
+          <a:lstStyle/>
           <a:p>
             <a:pPr lvl="0">
               <a:spcBef>
@@ -5601,24 +6628,165 @@
               <a:buNone/>
             </a:pPr>
             <a:r>
-              <a:rPr lang="en"/>
-              <a:t>Sign in + Results - David</a:t>
+              <a:t/>
             </a:r>
+            <a:endParaRPr/>
           </a:p>
+        </p:txBody>
+      </p:sp>
+      <p:pic>
+        <p:nvPicPr>
+          <p:cNvPr descr="upload4.png" id="106" name="Shape 106"/>
+          <p:cNvPicPr preferRelativeResize="0"/>
+          <p:nvPr/>
+        </p:nvPicPr>
+        <p:blipFill>
+          <a:blip r:embed="rId3">
+            <a:alphaModFix/>
+          </a:blip>
+          <a:stretch>
+            <a:fillRect/>
+          </a:stretch>
+        </p:blipFill>
+        <p:spPr>
+          <a:xfrm>
+            <a:off x="0" y="0"/>
+            <a:ext cx="9143998" cy="5201779"/>
+          </a:xfrm>
+          <a:prstGeom prst="rect">
+            <a:avLst/>
+          </a:prstGeom>
+          <a:noFill/>
+          <a:ln>
+            <a:noFill/>
+          </a:ln>
+        </p:spPr>
+      </p:pic>
+    </p:spTree>
+  </p:cSld>
+  <p:clrMapOvr>
+    <a:masterClrMapping/>
+  </p:clrMapOvr>
+</p:sld>
+</file>
+
+<file path=ppt/slides/slide9.xml><?xml version="1.0" encoding="utf-8"?>
+<p:sld xmlns:a="http://schemas.openxmlformats.org/drawingml/2006/main" xmlns:r="http://schemas.openxmlformats.org/officeDocument/2006/relationships" xmlns:mc="http://schemas.openxmlformats.org/markup-compatibility/2006" xmlns:mv="urn:schemas-microsoft-com:mac:vml" xmlns:p="http://schemas.openxmlformats.org/presentationml/2006/main" xmlns:c="http://schemas.openxmlformats.org/drawingml/2006/chart" xmlns:dgm="http://schemas.openxmlformats.org/drawingml/2006/diagram" xmlns:o="urn:schemas-microsoft-com:office:office" xmlns:v="urn:schemas-microsoft-com:vml" xmlns:pvml="urn:schemas-microsoft-com:office:powerpoint" xmlns:com="http://schemas.openxmlformats.org/drawingml/2006/compatibility" xmlns:p14="http://schemas.microsoft.com/office/powerpoint/2010/main">
+  <p:cSld>
+    <p:spTree>
+      <p:nvGrpSpPr>
+        <p:cNvPr id="110" name="Shape 110"/>
+        <p:cNvGrpSpPr/>
+        <p:nvPr/>
+      </p:nvGrpSpPr>
+      <p:grpSpPr>
+        <a:xfrm>
+          <a:off x="0" y="0"/>
+          <a:ext cx="0" cy="0"/>
+          <a:chOff x="0" y="0"/>
+          <a:chExt cx="0" cy="0"/>
+        </a:xfrm>
+      </p:grpSpPr>
+      <p:sp>
+        <p:nvSpPr>
+          <p:cNvPr id="111" name="Shape 111"/>
+          <p:cNvSpPr txBox="1"/>
+          <p:nvPr>
+            <p:ph type="title"/>
+          </p:nvPr>
+        </p:nvSpPr>
+        <p:spPr>
+          <a:xfrm>
+            <a:off x="311700" y="445025"/>
+            <a:ext cx="8520600" cy="572700"/>
+          </a:xfrm>
+          <a:prstGeom prst="rect">
+            <a:avLst/>
+          </a:prstGeom>
+        </p:spPr>
+        <p:txBody>
+          <a:bodyPr anchorCtr="0" anchor="t" bIns="91425" lIns="91425" rIns="91425" tIns="91425">
+            <a:noAutofit/>
+          </a:bodyPr>
+          <a:lstStyle/>
           <a:p>
-            <a:pPr lvl="0" rtl="0">
+            <a:pPr lvl="0">
               <a:spcBef>
                 <a:spcPts val="0"/>
               </a:spcBef>
               <a:buNone/>
             </a:pPr>
             <a:r>
-              <a:rPr lang="en"/>
-              <a:t>Settings - Lewis</a:t>
+              <a:t/>
             </a:r>
+            <a:endParaRPr/>
           </a:p>
         </p:txBody>
       </p:sp>
+      <p:sp>
+        <p:nvSpPr>
+          <p:cNvPr id="112" name="Shape 112"/>
+          <p:cNvSpPr txBox="1"/>
+          <p:nvPr>
+            <p:ph idx="1" type="body"/>
+          </p:nvPr>
+        </p:nvSpPr>
+        <p:spPr>
+          <a:xfrm>
+            <a:off x="311700" y="1152475"/>
+            <a:ext cx="8520600" cy="3416400"/>
+          </a:xfrm>
+          <a:prstGeom prst="rect">
+            <a:avLst/>
+          </a:prstGeom>
+        </p:spPr>
+        <p:txBody>
+          <a:bodyPr anchorCtr="0" anchor="t" bIns="91425" lIns="91425" rIns="91425" tIns="91425">
+            <a:noAutofit/>
+          </a:bodyPr>
+          <a:lstStyle/>
+          <a:p>
+            <a:pPr lvl="0">
+              <a:spcBef>
+                <a:spcPts val="0"/>
+              </a:spcBef>
+              <a:buNone/>
+            </a:pPr>
+            <a:r>
+              <a:t/>
+            </a:r>
+            <a:endParaRPr/>
+          </a:p>
+        </p:txBody>
+      </p:sp>
+      <p:pic>
+        <p:nvPicPr>
+          <p:cNvPr descr="upload3.png" id="113" name="Shape 113"/>
+          <p:cNvPicPr preferRelativeResize="0"/>
+          <p:nvPr/>
+        </p:nvPicPr>
+        <p:blipFill>
+          <a:blip r:embed="rId3">
+            <a:alphaModFix/>
+          </a:blip>
+          <a:stretch>
+            <a:fillRect/>
+          </a:stretch>
+        </p:blipFill>
+        <p:spPr>
+          <a:xfrm>
+            <a:off x="0" y="16526"/>
+            <a:ext cx="9143998" cy="5110446"/>
+          </a:xfrm>
+          <a:prstGeom prst="rect">
+            <a:avLst/>
+          </a:prstGeom>
+          <a:noFill/>
+          <a:ln>
+            <a:noFill/>
+          </a:ln>
+        </p:spPr>
+      </p:pic>
     </p:spTree>
   </p:cSld>
   <p:clrMapOvr>
@@ -5628,6 +6796,285 @@
 </file>
 
 <file path=ppt/theme/theme1.xml><?xml version="1.0" encoding="utf-8"?>
+<a:theme xmlns:a="http://schemas.openxmlformats.org/drawingml/2006/main" xmlns:r="http://schemas.openxmlformats.org/officeDocument/2006/relationships" name="slate">
+  <a:themeElements>
+    <a:clrScheme name="Slate">
+      <a:dk1>
+        <a:srgbClr val="FFFFFF"/>
+      </a:dk1>
+      <a:lt1>
+        <a:srgbClr val="37474F"/>
+      </a:lt1>
+      <a:dk2>
+        <a:srgbClr val="9E9E9E"/>
+      </a:dk2>
+      <a:lt2>
+        <a:srgbClr val="E0E0E0"/>
+      </a:lt2>
+      <a:accent1>
+        <a:srgbClr val="616161"/>
+      </a:accent1>
+      <a:accent2>
+        <a:srgbClr val="78909C"/>
+      </a:accent2>
+      <a:accent3>
+        <a:srgbClr val="CACACA"/>
+      </a:accent3>
+      <a:accent4>
+        <a:srgbClr val="64FFDA"/>
+      </a:accent4>
+      <a:accent5>
+        <a:srgbClr val="FFD966"/>
+      </a:accent5>
+      <a:accent6>
+        <a:srgbClr val="F5F5F5"/>
+      </a:accent6>
+      <a:hlink>
+        <a:srgbClr val="FFD966"/>
+      </a:hlink>
+      <a:folHlink>
+        <a:srgbClr val="FFD966"/>
+      </a:folHlink>
+    </a:clrScheme>
+    <a:fontScheme name="Office">
+      <a:majorFont>
+        <a:latin typeface="Arial"/>
+        <a:ea typeface=""/>
+        <a:cs typeface=""/>
+        <a:font script="Jpan" typeface="ＭＳ Ｐゴシック"/>
+        <a:font script="Hang" typeface="맑은 고딕"/>
+        <a:font script="Hans" typeface="宋体"/>
+        <a:font script="Hant" typeface="新細明體"/>
+        <a:font script="Arab" typeface="Times New Roman"/>
+        <a:font script="Hebr" typeface="Times New Roman"/>
+        <a:font script="Thai" typeface="Angsana New"/>
+        <a:font script="Ethi" typeface="Nyala"/>
+        <a:font script="Beng" typeface="Vrinda"/>
+        <a:font script="Gujr" typeface="Shruti"/>
+        <a:font script="Khmr" typeface="MoolBoran"/>
+        <a:font script="Knda" typeface="Tunga"/>
+        <a:font script="Guru" typeface="Raavi"/>
+        <a:font script="Cans" typeface="Euphemia"/>
+        <a:font script="Cher" typeface="Plantagenet Cherokee"/>
+        <a:font script="Yiii" typeface="Microsoft Yi Baiti"/>
+        <a:font script="Tibt" typeface="Microsoft Himalaya"/>
+        <a:font script="Thaa" typeface="MV Boli"/>
+        <a:font script="Deva" typeface="Mangal"/>
+        <a:font script="Telu" typeface="Gautami"/>
+        <a:font script="Taml" typeface="Latha"/>
+        <a:font script="Syrc" typeface="Estrangelo Edessa"/>
+        <a:font script="Orya" typeface="Kalinga"/>
+        <a:font script="Mlym" typeface="Kartika"/>
+        <a:font script="Laoo" typeface="DokChampa"/>
+        <a:font script="Sinh" typeface="Iskoola Pota"/>
+        <a:font script="Mong" typeface="Mongolian Baiti"/>
+        <a:font script="Viet" typeface="Times New Roman"/>
+        <a:font script="Uigh" typeface="Microsoft Uighur"/>
+        <a:font script="Geor" typeface="Sylfaen"/>
+      </a:majorFont>
+      <a:minorFont>
+        <a:latin typeface="Arial"/>
+        <a:ea typeface=""/>
+        <a:cs typeface=""/>
+        <a:font script="Jpan" typeface="ＭＳ Ｐゴシック"/>
+        <a:font script="Hang" typeface="맑은 고딕"/>
+        <a:font script="Hans" typeface="宋体"/>
+        <a:font script="Hant" typeface="新細明體"/>
+        <a:font script="Arab" typeface="Arial"/>
+        <a:font script="Hebr" typeface="Arial"/>
+        <a:font script="Thai" typeface="Cordia New"/>
+        <a:font script="Ethi" typeface="Nyala"/>
+        <a:font script="Beng" typeface="Vrinda"/>
+        <a:font script="Gujr" typeface="Shruti"/>
+        <a:font script="Khmr" typeface="DaunPenh"/>
+        <a:font script="Knda" typeface="Tunga"/>
+        <a:font script="Guru" typeface="Raavi"/>
+        <a:font script="Cans" typeface="Euphemia"/>
+        <a:font script="Cher" typeface="Plantagenet Cherokee"/>
+        <a:font script="Yiii" typeface="Microsoft Yi Baiti"/>
+        <a:font script="Tibt" typeface="Microsoft Himalaya"/>
+        <a:font script="Thaa" typeface="MV Boli"/>
+        <a:font script="Deva" typeface="Mangal"/>
+        <a:font script="Telu" typeface="Gautami"/>
+        <a:font script="Taml" typeface="Latha"/>
+        <a:font script="Syrc" typeface="Estrangelo Edessa"/>
+        <a:font script="Orya" typeface="Kalinga"/>
+        <a:font script="Mlym" typeface="Kartika"/>
+        <a:font script="Laoo" typeface="DokChampa"/>
+        <a:font script="Sinh" typeface="Iskoola Pota"/>
+        <a:font script="Mong" typeface="Mongolian Baiti"/>
+        <a:font script="Viet" typeface="Arial"/>
+        <a:font script="Uigh" typeface="Microsoft Uighur"/>
+        <a:font script="Geor" typeface="Sylfaen"/>
+      </a:minorFont>
+    </a:fontScheme>
+    <a:fmtScheme name="Office">
+      <a:fillStyleLst>
+        <a:solidFill>
+          <a:schemeClr val="phClr"/>
+        </a:solidFill>
+        <a:gradFill rotWithShape="1">
+          <a:gsLst>
+            <a:gs pos="0">
+              <a:schemeClr val="phClr">
+                <a:tint val="50000"/>
+                <a:satMod val="300000"/>
+              </a:schemeClr>
+            </a:gs>
+            <a:gs pos="35000">
+              <a:schemeClr val="phClr">
+                <a:tint val="37000"/>
+                <a:satMod val="300000"/>
+              </a:schemeClr>
+            </a:gs>
+            <a:gs pos="100000">
+              <a:schemeClr val="phClr">
+                <a:tint val="15000"/>
+                <a:satMod val="350000"/>
+              </a:schemeClr>
+            </a:gs>
+          </a:gsLst>
+          <a:lin ang="16200000" scaled="1"/>
+        </a:gradFill>
+        <a:gradFill rotWithShape="1">
+          <a:gsLst>
+            <a:gs pos="0">
+              <a:schemeClr val="phClr">
+                <a:tint val="100000"/>
+                <a:shade val="100000"/>
+                <a:satMod val="130000"/>
+              </a:schemeClr>
+            </a:gs>
+            <a:gs pos="100000">
+              <a:schemeClr val="phClr">
+                <a:tint val="50000"/>
+                <a:shade val="100000"/>
+                <a:satMod val="350000"/>
+              </a:schemeClr>
+            </a:gs>
+          </a:gsLst>
+          <a:lin ang="16200000" scaled="0"/>
+        </a:gradFill>
+      </a:fillStyleLst>
+      <a:lnStyleLst>
+        <a:ln w="9525" cap="flat" cmpd="sng" algn="ctr">
+          <a:solidFill>
+            <a:schemeClr val="phClr">
+              <a:shade val="95000"/>
+              <a:satMod val="105000"/>
+            </a:schemeClr>
+          </a:solidFill>
+          <a:prstDash val="solid"/>
+        </a:ln>
+        <a:ln w="25400" cap="flat" cmpd="sng" algn="ctr">
+          <a:solidFill>
+            <a:schemeClr val="phClr"/>
+          </a:solidFill>
+          <a:prstDash val="solid"/>
+        </a:ln>
+        <a:ln w="38100" cap="flat" cmpd="sng" algn="ctr">
+          <a:solidFill>
+            <a:schemeClr val="phClr"/>
+          </a:solidFill>
+          <a:prstDash val="solid"/>
+        </a:ln>
+      </a:lnStyleLst>
+      <a:effectStyleLst>
+        <a:effectStyle>
+          <a:effectLst>
+            <a:outerShdw blurRad="40000" dist="20000" dir="5400000" rotWithShape="0">
+              <a:srgbClr val="000000">
+                <a:alpha val="38000"/>
+              </a:srgbClr>
+            </a:outerShdw>
+          </a:effectLst>
+        </a:effectStyle>
+        <a:effectStyle>
+          <a:effectLst>
+            <a:outerShdw blurRad="40000" dist="23000" dir="5400000" rotWithShape="0">
+              <a:srgbClr val="000000">
+                <a:alpha val="35000"/>
+              </a:srgbClr>
+            </a:outerShdw>
+          </a:effectLst>
+        </a:effectStyle>
+        <a:effectStyle>
+          <a:effectLst>
+            <a:outerShdw blurRad="40000" dist="23000" dir="5400000" rotWithShape="0">
+              <a:srgbClr val="000000">
+                <a:alpha val="35000"/>
+              </a:srgbClr>
+            </a:outerShdw>
+          </a:effectLst>
+          <a:scene3d>
+            <a:camera prst="orthographicFront">
+              <a:rot lat="0" lon="0" rev="0"/>
+            </a:camera>
+            <a:lightRig rig="threePt" dir="t">
+              <a:rot lat="0" lon="0" rev="1200000"/>
+            </a:lightRig>
+          </a:scene3d>
+          <a:sp3d>
+            <a:bevelT w="63500" h="25400"/>
+          </a:sp3d>
+        </a:effectStyle>
+      </a:effectStyleLst>
+      <a:bgFillStyleLst>
+        <a:solidFill>
+          <a:schemeClr val="phClr"/>
+        </a:solidFill>
+        <a:gradFill rotWithShape="1">
+          <a:gsLst>
+            <a:gs pos="0">
+              <a:schemeClr val="phClr">
+                <a:tint val="40000"/>
+                <a:satMod val="350000"/>
+              </a:schemeClr>
+            </a:gs>
+            <a:gs pos="40000">
+              <a:schemeClr val="phClr">
+                <a:tint val="45000"/>
+                <a:shade val="99000"/>
+                <a:satMod val="350000"/>
+              </a:schemeClr>
+            </a:gs>
+            <a:gs pos="100000">
+              <a:schemeClr val="phClr">
+                <a:shade val="20000"/>
+                <a:satMod val="255000"/>
+              </a:schemeClr>
+            </a:gs>
+          </a:gsLst>
+          <a:path path="circle">
+            <a:fillToRect l="50000" t="-80000" r="50000" b="180000"/>
+          </a:path>
+        </a:gradFill>
+        <a:gradFill rotWithShape="1">
+          <a:gsLst>
+            <a:gs pos="0">
+              <a:schemeClr val="phClr">
+                <a:tint val="80000"/>
+                <a:satMod val="300000"/>
+              </a:schemeClr>
+            </a:gs>
+            <a:gs pos="100000">
+              <a:schemeClr val="phClr">
+                <a:shade val="30000"/>
+                <a:satMod val="200000"/>
+              </a:schemeClr>
+            </a:gs>
+          </a:gsLst>
+          <a:path path="circle">
+            <a:fillToRect l="50000" t="50000" r="50000" b="50000"/>
+          </a:path>
+        </a:gradFill>
+      </a:bgFillStyleLst>
+    </a:fmtScheme>
+  </a:themeElements>
+</a:theme>
+</file>
+
+<file path=ppt/theme/theme2.xml><?xml version="1.0" encoding="utf-8"?>
 <a:theme xmlns:a="http://schemas.openxmlformats.org/drawingml/2006/main" xmlns:r="http://schemas.openxmlformats.org/officeDocument/2006/relationships" name="Custom Theme">
   <a:themeElements>
     <a:clrScheme name="Default">
@@ -5904,283 +7351,4 @@
     </a:fmtScheme>
   </a:themeElements>
 </a:theme>
-</file>
-
-<file path=ppt/theme/theme2.xml><?xml version="1.0" encoding="utf-8"?>
-<a:theme xmlns:a="http://schemas.openxmlformats.org/drawingml/2006/main" xmlns:r="http://schemas.openxmlformats.org/officeDocument/2006/relationships" name="slate">
-  <a:themeElements>
-    <a:clrScheme name="Slate">
-      <a:dk1>
-        <a:srgbClr val="FFFFFF"/>
-      </a:dk1>
-      <a:lt1>
-        <a:srgbClr val="37474F"/>
-      </a:lt1>
-      <a:dk2>
-        <a:srgbClr val="9E9E9E"/>
-      </a:dk2>
-      <a:lt2>
-        <a:srgbClr val="E0E0E0"/>
-      </a:lt2>
-      <a:accent1>
-        <a:srgbClr val="616161"/>
-      </a:accent1>
-      <a:accent2>
-        <a:srgbClr val="78909C"/>
-      </a:accent2>
-      <a:accent3>
-        <a:srgbClr val="CACACA"/>
-      </a:accent3>
-      <a:accent4>
-        <a:srgbClr val="64FFDA"/>
-      </a:accent4>
-      <a:accent5>
-        <a:srgbClr val="FFD966"/>
-      </a:accent5>
-      <a:accent6>
-        <a:srgbClr val="F5F5F5"/>
-      </a:accent6>
-      <a:hlink>
-        <a:srgbClr val="FFD966"/>
-      </a:hlink>
-      <a:folHlink>
-        <a:srgbClr val="FFD966"/>
-      </a:folHlink>
-    </a:clrScheme>
-    <a:fontScheme name="Office">
-      <a:majorFont>
-        <a:latin typeface="Arial"/>
-        <a:ea typeface=""/>
-        <a:cs typeface=""/>
-        <a:font script="Jpan" typeface="ＭＳ Ｐゴシック"/>
-        <a:font script="Hang" typeface="맑은 고딕"/>
-        <a:font script="Hans" typeface="宋体"/>
-        <a:font script="Hant" typeface="新細明體"/>
-        <a:font script="Arab" typeface="Times New Roman"/>
-        <a:font script="Hebr" typeface="Times New Roman"/>
-        <a:font script="Thai" typeface="Angsana New"/>
-        <a:font script="Ethi" typeface="Nyala"/>
-        <a:font script="Beng" typeface="Vrinda"/>
-        <a:font script="Gujr" typeface="Shruti"/>
-        <a:font script="Khmr" typeface="MoolBoran"/>
-        <a:font script="Knda" typeface="Tunga"/>
-        <a:font script="Guru" typeface="Raavi"/>
-        <a:font script="Cans" typeface="Euphemia"/>
-        <a:font script="Cher" typeface="Plantagenet Cherokee"/>
-        <a:font script="Yiii" typeface="Microsoft Yi Baiti"/>
-        <a:font script="Tibt" typeface="Microsoft Himalaya"/>
-        <a:font script="Thaa" typeface="MV Boli"/>
-        <a:font script="Deva" typeface="Mangal"/>
-        <a:font script="Telu" typeface="Gautami"/>
-        <a:font script="Taml" typeface="Latha"/>
-        <a:font script="Syrc" typeface="Estrangelo Edessa"/>
-        <a:font script="Orya" typeface="Kalinga"/>
-        <a:font script="Mlym" typeface="Kartika"/>
-        <a:font script="Laoo" typeface="DokChampa"/>
-        <a:font script="Sinh" typeface="Iskoola Pota"/>
-        <a:font script="Mong" typeface="Mongolian Baiti"/>
-        <a:font script="Viet" typeface="Times New Roman"/>
-        <a:font script="Uigh" typeface="Microsoft Uighur"/>
-        <a:font script="Geor" typeface="Sylfaen"/>
-      </a:majorFont>
-      <a:minorFont>
-        <a:latin typeface="Arial"/>
-        <a:ea typeface=""/>
-        <a:cs typeface=""/>
-        <a:font script="Jpan" typeface="ＭＳ Ｐゴシック"/>
-        <a:font script="Hang" typeface="맑은 고딕"/>
-        <a:font script="Hans" typeface="宋体"/>
-        <a:font script="Hant" typeface="新細明體"/>
-        <a:font script="Arab" typeface="Arial"/>
-        <a:font script="Hebr" typeface="Arial"/>
-        <a:font script="Thai" typeface="Cordia New"/>
-        <a:font script="Ethi" typeface="Nyala"/>
-        <a:font script="Beng" typeface="Vrinda"/>
-        <a:font script="Gujr" typeface="Shruti"/>
-        <a:font script="Khmr" typeface="DaunPenh"/>
-        <a:font script="Knda" typeface="Tunga"/>
-        <a:font script="Guru" typeface="Raavi"/>
-        <a:font script="Cans" typeface="Euphemia"/>
-        <a:font script="Cher" typeface="Plantagenet Cherokee"/>
-        <a:font script="Yiii" typeface="Microsoft Yi Baiti"/>
-        <a:font script="Tibt" typeface="Microsoft Himalaya"/>
-        <a:font script="Thaa" typeface="MV Boli"/>
-        <a:font script="Deva" typeface="Mangal"/>
-        <a:font script="Telu" typeface="Gautami"/>
-        <a:font script="Taml" typeface="Latha"/>
-        <a:font script="Syrc" typeface="Estrangelo Edessa"/>
-        <a:font script="Orya" typeface="Kalinga"/>
-        <a:font script="Mlym" typeface="Kartika"/>
-        <a:font script="Laoo" typeface="DokChampa"/>
-        <a:font script="Sinh" typeface="Iskoola Pota"/>
-        <a:font script="Mong" typeface="Mongolian Baiti"/>
-        <a:font script="Viet" typeface="Arial"/>
-        <a:font script="Uigh" typeface="Microsoft Uighur"/>
-        <a:font script="Geor" typeface="Sylfaen"/>
-      </a:minorFont>
-    </a:fontScheme>
-    <a:fmtScheme name="Office">
-      <a:fillStyleLst>
-        <a:solidFill>
-          <a:schemeClr val="phClr"/>
-        </a:solidFill>
-        <a:gradFill rotWithShape="1">
-          <a:gsLst>
-            <a:gs pos="0">
-              <a:schemeClr val="phClr">
-                <a:tint val="50000"/>
-                <a:satMod val="300000"/>
-              </a:schemeClr>
-            </a:gs>
-            <a:gs pos="35000">
-              <a:schemeClr val="phClr">
-                <a:tint val="37000"/>
-                <a:satMod val="300000"/>
-              </a:schemeClr>
-            </a:gs>
-            <a:gs pos="100000">
-              <a:schemeClr val="phClr">
-                <a:tint val="15000"/>
-                <a:satMod val="350000"/>
-              </a:schemeClr>
-            </a:gs>
-          </a:gsLst>
-          <a:lin ang="16200000" scaled="1"/>
-        </a:gradFill>
-        <a:gradFill rotWithShape="1">
-          <a:gsLst>
-            <a:gs pos="0">
-              <a:schemeClr val="phClr">
-                <a:tint val="100000"/>
-                <a:shade val="100000"/>
-                <a:satMod val="130000"/>
-              </a:schemeClr>
-            </a:gs>
-            <a:gs pos="100000">
-              <a:schemeClr val="phClr">
-                <a:tint val="50000"/>
-                <a:shade val="100000"/>
-                <a:satMod val="350000"/>
-              </a:schemeClr>
-            </a:gs>
-          </a:gsLst>
-          <a:lin ang="16200000" scaled="0"/>
-        </a:gradFill>
-      </a:fillStyleLst>
-      <a:lnStyleLst>
-        <a:ln w="9525" cap="flat" cmpd="sng" algn="ctr">
-          <a:solidFill>
-            <a:schemeClr val="phClr">
-              <a:shade val="95000"/>
-              <a:satMod val="105000"/>
-            </a:schemeClr>
-          </a:solidFill>
-          <a:prstDash val="solid"/>
-        </a:ln>
-        <a:ln w="25400" cap="flat" cmpd="sng" algn="ctr">
-          <a:solidFill>
-            <a:schemeClr val="phClr"/>
-          </a:solidFill>
-          <a:prstDash val="solid"/>
-        </a:ln>
-        <a:ln w="38100" cap="flat" cmpd="sng" algn="ctr">
-          <a:solidFill>
-            <a:schemeClr val="phClr"/>
-          </a:solidFill>
-          <a:prstDash val="solid"/>
-        </a:ln>
-      </a:lnStyleLst>
-      <a:effectStyleLst>
-        <a:effectStyle>
-          <a:effectLst>
-            <a:outerShdw blurRad="40000" dist="20000" dir="5400000" rotWithShape="0">
-              <a:srgbClr val="000000">
-                <a:alpha val="38000"/>
-              </a:srgbClr>
-            </a:outerShdw>
-          </a:effectLst>
-        </a:effectStyle>
-        <a:effectStyle>
-          <a:effectLst>
-            <a:outerShdw blurRad="40000" dist="23000" dir="5400000" rotWithShape="0">
-              <a:srgbClr val="000000">
-                <a:alpha val="35000"/>
-              </a:srgbClr>
-            </a:outerShdw>
-          </a:effectLst>
-        </a:effectStyle>
-        <a:effectStyle>
-          <a:effectLst>
-            <a:outerShdw blurRad="40000" dist="23000" dir="5400000" rotWithShape="0">
-              <a:srgbClr val="000000">
-                <a:alpha val="35000"/>
-              </a:srgbClr>
-            </a:outerShdw>
-          </a:effectLst>
-          <a:scene3d>
-            <a:camera prst="orthographicFront">
-              <a:rot lat="0" lon="0" rev="0"/>
-            </a:camera>
-            <a:lightRig rig="threePt" dir="t">
-              <a:rot lat="0" lon="0" rev="1200000"/>
-            </a:lightRig>
-          </a:scene3d>
-          <a:sp3d>
-            <a:bevelT w="63500" h="25400"/>
-          </a:sp3d>
-        </a:effectStyle>
-      </a:effectStyleLst>
-      <a:bgFillStyleLst>
-        <a:solidFill>
-          <a:schemeClr val="phClr"/>
-        </a:solidFill>
-        <a:gradFill rotWithShape="1">
-          <a:gsLst>
-            <a:gs pos="0">
-              <a:schemeClr val="phClr">
-                <a:tint val="40000"/>
-                <a:satMod val="350000"/>
-              </a:schemeClr>
-            </a:gs>
-            <a:gs pos="40000">
-              <a:schemeClr val="phClr">
-                <a:tint val="45000"/>
-                <a:shade val="99000"/>
-                <a:satMod val="350000"/>
-              </a:schemeClr>
-            </a:gs>
-            <a:gs pos="100000">
-              <a:schemeClr val="phClr">
-                <a:shade val="20000"/>
-                <a:satMod val="255000"/>
-              </a:schemeClr>
-            </a:gs>
-          </a:gsLst>
-          <a:path path="circle">
-            <a:fillToRect l="50000" t="-80000" r="50000" b="180000"/>
-          </a:path>
-        </a:gradFill>
-        <a:gradFill rotWithShape="1">
-          <a:gsLst>
-            <a:gs pos="0">
-              <a:schemeClr val="phClr">
-                <a:tint val="80000"/>
-                <a:satMod val="300000"/>
-              </a:schemeClr>
-            </a:gs>
-            <a:gs pos="100000">
-              <a:schemeClr val="phClr">
-                <a:shade val="30000"/>
-                <a:satMod val="200000"/>
-              </a:schemeClr>
-            </a:gs>
-          </a:gsLst>
-          <a:path path="circle">
-            <a:fillToRect l="50000" t="50000" r="50000" b="50000"/>
-          </a:path>
-        </a:gradFill>
-      </a:bgFillStyleLst>
-    </a:fmtScheme>
-  </a:themeElements>
-</a:theme>
 </file>
--- a/NotiFree.pptx
+++ b/NotiFree.pptx
@@ -19,19 +19,18 @@
     <p:sldId id="264" r:id="rId13"/>
     <p:sldId id="265" r:id="rId14"/>
     <p:sldId id="266" r:id="rId15"/>
-    <p:sldId id="267" r:id="rId16"/>
   </p:sldIdLst>
   <p:sldSz cy="5143500" cx="9144000"/>
   <p:notesSz cx="6858000" cy="9144000"/>
   <p:embeddedFontLst>
     <p:embeddedFont>
       <p:font typeface="Average"/>
-      <p:regular r:id="rId17"/>
+      <p:regular r:id="rId16"/>
     </p:embeddedFont>
     <p:embeddedFont>
       <p:font typeface="Oswald"/>
-      <p:regular r:id="rId18"/>
-      <p:bold r:id="rId19"/>
+      <p:regular r:id="rId17"/>
+      <p:bold r:id="rId18"/>
     </p:embeddedFont>
   </p:embeddedFontLst>
   <p:defaultTextStyle>
@@ -488,7 +487,7 @@
   <p:cSld>
     <p:spTree>
       <p:nvGrpSpPr>
-        <p:cNvPr id="114" name="Shape 114"/>
+        <p:cNvPr id="119" name="Shape 119"/>
         <p:cNvGrpSpPr/>
         <p:nvPr/>
       </p:nvGrpSpPr>
@@ -502,7 +501,7 @@
       </p:grpSpPr>
       <p:sp>
         <p:nvSpPr>
-          <p:cNvPr id="115" name="Shape 115"/>
+          <p:cNvPr id="120" name="Shape 120"/>
           <p:cNvSpPr/>
           <p:nvPr>
             <p:ph idx="2" type="sldImg"/>
@@ -536,7 +535,7 @@
       </p:sp>
       <p:sp>
         <p:nvSpPr>
-          <p:cNvPr id="116" name="Shape 116"/>
+          <p:cNvPr id="121" name="Shape 121"/>
           <p:cNvSpPr txBox="1"/>
           <p:nvPr>
             <p:ph idx="1" type="body"/>
@@ -583,7 +582,7 @@
   <p:cSld>
     <p:spTree>
       <p:nvGrpSpPr>
-        <p:cNvPr id="121" name="Shape 121"/>
+        <p:cNvPr id="126" name="Shape 126"/>
         <p:cNvGrpSpPr/>
         <p:nvPr/>
       </p:nvGrpSpPr>
@@ -597,7 +596,7 @@
       </p:grpSpPr>
       <p:sp>
         <p:nvSpPr>
-          <p:cNvPr id="122" name="Shape 122"/>
+          <p:cNvPr id="127" name="Shape 127"/>
           <p:cNvSpPr/>
           <p:nvPr>
             <p:ph idx="2" type="sldImg"/>
@@ -631,7 +630,7 @@
       </p:sp>
       <p:sp>
         <p:nvSpPr>
-          <p:cNvPr id="123" name="Shape 123"/>
+          <p:cNvPr id="128" name="Shape 128"/>
           <p:cNvSpPr txBox="1"/>
           <p:nvPr>
             <p:ph idx="1" type="body"/>
@@ -673,12 +672,12 @@
 </p:notes>
 </file>
 
-<file path=ppt/notesSlides/notesSlide12.xml><?xml version="1.0" encoding="utf-8"?>
+<file path=ppt/notesSlides/notesSlide2.xml><?xml version="1.0" encoding="utf-8"?>
 <p:notes xmlns:a="http://schemas.openxmlformats.org/drawingml/2006/main" xmlns:r="http://schemas.openxmlformats.org/officeDocument/2006/relationships" xmlns:mc="http://schemas.openxmlformats.org/markup-compatibility/2006" xmlns:mv="urn:schemas-microsoft-com:mac:vml" xmlns:p="http://schemas.openxmlformats.org/presentationml/2006/main" xmlns:c="http://schemas.openxmlformats.org/drawingml/2006/chart" xmlns:dgm="http://schemas.openxmlformats.org/drawingml/2006/diagram" xmlns:o="urn:schemas-microsoft-com:office:office" xmlns:v="urn:schemas-microsoft-com:vml" xmlns:pvml="urn:schemas-microsoft-com:office:powerpoint" xmlns:com="http://schemas.openxmlformats.org/drawingml/2006/compatibility" xmlns:p14="http://schemas.microsoft.com/office/powerpoint/2010/main" showMasterPhAnim="0" showMasterSp="0">
   <p:cSld>
     <p:spTree>
       <p:nvGrpSpPr>
-        <p:cNvPr id="128" name="Shape 128"/>
+        <p:cNvPr id="63" name="Shape 63"/>
         <p:cNvGrpSpPr/>
         <p:nvPr/>
       </p:nvGrpSpPr>
@@ -692,7 +691,7 @@
       </p:grpSpPr>
       <p:sp>
         <p:nvSpPr>
-          <p:cNvPr id="129" name="Shape 129"/>
+          <p:cNvPr id="64" name="Shape 64"/>
           <p:cNvSpPr/>
           <p:nvPr>
             <p:ph idx="2" type="sldImg"/>
@@ -726,7 +725,7 @@
       </p:sp>
       <p:sp>
         <p:nvSpPr>
-          <p:cNvPr id="130" name="Shape 130"/>
+          <p:cNvPr id="65" name="Shape 65"/>
           <p:cNvSpPr txBox="1"/>
           <p:nvPr>
             <p:ph idx="1" type="body"/>
@@ -768,12 +767,12 @@
 </p:notes>
 </file>
 
-<file path=ppt/notesSlides/notesSlide2.xml><?xml version="1.0" encoding="utf-8"?>
+<file path=ppt/notesSlides/notesSlide3.xml><?xml version="1.0" encoding="utf-8"?>
 <p:notes xmlns:a="http://schemas.openxmlformats.org/drawingml/2006/main" xmlns:r="http://schemas.openxmlformats.org/officeDocument/2006/relationships" xmlns:mc="http://schemas.openxmlformats.org/markup-compatibility/2006" xmlns:mv="urn:schemas-microsoft-com:mac:vml" xmlns:p="http://schemas.openxmlformats.org/presentationml/2006/main" xmlns:c="http://schemas.openxmlformats.org/drawingml/2006/chart" xmlns:dgm="http://schemas.openxmlformats.org/drawingml/2006/diagram" xmlns:o="urn:schemas-microsoft-com:office:office" xmlns:v="urn:schemas-microsoft-com:vml" xmlns:pvml="urn:schemas-microsoft-com:office:powerpoint" xmlns:com="http://schemas.openxmlformats.org/drawingml/2006/compatibility" xmlns:p14="http://schemas.microsoft.com/office/powerpoint/2010/main" showMasterPhAnim="0" showMasterSp="0">
   <p:cSld>
     <p:spTree>
       <p:nvGrpSpPr>
-        <p:cNvPr id="62" name="Shape 62"/>
+        <p:cNvPr id="70" name="Shape 70"/>
         <p:cNvGrpSpPr/>
         <p:nvPr/>
       </p:nvGrpSpPr>
@@ -787,7 +786,7 @@
       </p:grpSpPr>
       <p:sp>
         <p:nvSpPr>
-          <p:cNvPr id="63" name="Shape 63"/>
+          <p:cNvPr id="71" name="Shape 71"/>
           <p:cNvSpPr/>
           <p:nvPr>
             <p:ph idx="2" type="sldImg"/>
@@ -821,7 +820,7 @@
       </p:sp>
       <p:sp>
         <p:nvSpPr>
-          <p:cNvPr id="64" name="Shape 64"/>
+          <p:cNvPr id="72" name="Shape 72"/>
           <p:cNvSpPr txBox="1"/>
           <p:nvPr>
             <p:ph idx="1" type="body"/>
@@ -863,12 +862,12 @@
 </p:notes>
 </file>
 
-<file path=ppt/notesSlides/notesSlide3.xml><?xml version="1.0" encoding="utf-8"?>
+<file path=ppt/notesSlides/notesSlide4.xml><?xml version="1.0" encoding="utf-8"?>
 <p:notes xmlns:a="http://schemas.openxmlformats.org/drawingml/2006/main" xmlns:r="http://schemas.openxmlformats.org/officeDocument/2006/relationships" xmlns:mc="http://schemas.openxmlformats.org/markup-compatibility/2006" xmlns:mv="urn:schemas-microsoft-com:mac:vml" xmlns:p="http://schemas.openxmlformats.org/presentationml/2006/main" xmlns:c="http://schemas.openxmlformats.org/drawingml/2006/chart" xmlns:dgm="http://schemas.openxmlformats.org/drawingml/2006/diagram" xmlns:o="urn:schemas-microsoft-com:office:office" xmlns:v="urn:schemas-microsoft-com:vml" xmlns:pvml="urn:schemas-microsoft-com:office:powerpoint" xmlns:com="http://schemas.openxmlformats.org/drawingml/2006/compatibility" xmlns:p14="http://schemas.microsoft.com/office/powerpoint/2010/main" showMasterPhAnim="0" showMasterSp="0">
   <p:cSld>
     <p:spTree>
       <p:nvGrpSpPr>
-        <p:cNvPr id="68" name="Shape 68"/>
+        <p:cNvPr id="78" name="Shape 78"/>
         <p:cNvGrpSpPr/>
         <p:nvPr/>
       </p:nvGrpSpPr>
@@ -882,7 +881,7 @@
       </p:grpSpPr>
       <p:sp>
         <p:nvSpPr>
-          <p:cNvPr id="69" name="Shape 69"/>
+          <p:cNvPr id="79" name="Shape 79"/>
           <p:cNvSpPr/>
           <p:nvPr>
             <p:ph idx="2" type="sldImg"/>
@@ -916,7 +915,7 @@
       </p:sp>
       <p:sp>
         <p:nvSpPr>
-          <p:cNvPr id="70" name="Shape 70"/>
+          <p:cNvPr id="80" name="Shape 80"/>
           <p:cNvSpPr txBox="1"/>
           <p:nvPr>
             <p:ph idx="1" type="body"/>
@@ -958,12 +957,12 @@
 </p:notes>
 </file>
 
-<file path=ppt/notesSlides/notesSlide4.xml><?xml version="1.0" encoding="utf-8"?>
+<file path=ppt/notesSlides/notesSlide5.xml><?xml version="1.0" encoding="utf-8"?>
 <p:notes xmlns:a="http://schemas.openxmlformats.org/drawingml/2006/main" xmlns:r="http://schemas.openxmlformats.org/officeDocument/2006/relationships" xmlns:mc="http://schemas.openxmlformats.org/markup-compatibility/2006" xmlns:mv="urn:schemas-microsoft-com:mac:vml" xmlns:p="http://schemas.openxmlformats.org/presentationml/2006/main" xmlns:c="http://schemas.openxmlformats.org/drawingml/2006/chart" xmlns:dgm="http://schemas.openxmlformats.org/drawingml/2006/diagram" xmlns:o="urn:schemas-microsoft-com:office:office" xmlns:v="urn:schemas-microsoft-com:vml" xmlns:pvml="urn:schemas-microsoft-com:office:powerpoint" xmlns:com="http://schemas.openxmlformats.org/drawingml/2006/compatibility" xmlns:p14="http://schemas.microsoft.com/office/powerpoint/2010/main" showMasterPhAnim="0" showMasterSp="0">
   <p:cSld>
     <p:spTree>
       <p:nvGrpSpPr>
-        <p:cNvPr id="75" name="Shape 75"/>
+        <p:cNvPr id="85" name="Shape 85"/>
         <p:cNvGrpSpPr/>
         <p:nvPr/>
       </p:nvGrpSpPr>
@@ -977,7 +976,7 @@
       </p:grpSpPr>
       <p:sp>
         <p:nvSpPr>
-          <p:cNvPr id="76" name="Shape 76"/>
+          <p:cNvPr id="86" name="Shape 86"/>
           <p:cNvSpPr/>
           <p:nvPr>
             <p:ph idx="2" type="sldImg"/>
@@ -1011,7 +1010,7 @@
       </p:sp>
       <p:sp>
         <p:nvSpPr>
-          <p:cNvPr id="77" name="Shape 77"/>
+          <p:cNvPr id="87" name="Shape 87"/>
           <p:cNvSpPr txBox="1"/>
           <p:nvPr>
             <p:ph idx="1" type="body"/>
@@ -1053,12 +1052,12 @@
 </p:notes>
 </file>
 
-<file path=ppt/notesSlides/notesSlide5.xml><?xml version="1.0" encoding="utf-8"?>
+<file path=ppt/notesSlides/notesSlide6.xml><?xml version="1.0" encoding="utf-8"?>
 <p:notes xmlns:a="http://schemas.openxmlformats.org/drawingml/2006/main" xmlns:r="http://schemas.openxmlformats.org/officeDocument/2006/relationships" xmlns:mc="http://schemas.openxmlformats.org/markup-compatibility/2006" xmlns:mv="urn:schemas-microsoft-com:mac:vml" xmlns:p="http://schemas.openxmlformats.org/presentationml/2006/main" xmlns:c="http://schemas.openxmlformats.org/drawingml/2006/chart" xmlns:dgm="http://schemas.openxmlformats.org/drawingml/2006/diagram" xmlns:o="urn:schemas-microsoft-com:office:office" xmlns:v="urn:schemas-microsoft-com:vml" xmlns:pvml="urn:schemas-microsoft-com:office:powerpoint" xmlns:com="http://schemas.openxmlformats.org/drawingml/2006/compatibility" xmlns:p14="http://schemas.microsoft.com/office/powerpoint/2010/main" showMasterPhAnim="0" showMasterSp="0">
   <p:cSld>
     <p:spTree>
       <p:nvGrpSpPr>
-        <p:cNvPr id="81" name="Shape 81"/>
+        <p:cNvPr id="92" name="Shape 92"/>
         <p:cNvGrpSpPr/>
         <p:nvPr/>
       </p:nvGrpSpPr>
@@ -1072,7 +1071,7 @@
       </p:grpSpPr>
       <p:sp>
         <p:nvSpPr>
-          <p:cNvPr id="82" name="Shape 82"/>
+          <p:cNvPr id="93" name="Shape 93"/>
           <p:cNvSpPr/>
           <p:nvPr>
             <p:ph idx="2" type="sldImg"/>
@@ -1106,7 +1105,7 @@
       </p:sp>
       <p:sp>
         <p:nvSpPr>
-          <p:cNvPr id="83" name="Shape 83"/>
+          <p:cNvPr id="94" name="Shape 94"/>
           <p:cNvSpPr txBox="1"/>
           <p:nvPr>
             <p:ph idx="1" type="body"/>
@@ -1148,12 +1147,12 @@
 </p:notes>
 </file>
 
-<file path=ppt/notesSlides/notesSlide6.xml><?xml version="1.0" encoding="utf-8"?>
+<file path=ppt/notesSlides/notesSlide7.xml><?xml version="1.0" encoding="utf-8"?>
 <p:notes xmlns:a="http://schemas.openxmlformats.org/drawingml/2006/main" xmlns:r="http://schemas.openxmlformats.org/officeDocument/2006/relationships" xmlns:mc="http://schemas.openxmlformats.org/markup-compatibility/2006" xmlns:mv="urn:schemas-microsoft-com:mac:vml" xmlns:p="http://schemas.openxmlformats.org/presentationml/2006/main" xmlns:c="http://schemas.openxmlformats.org/drawingml/2006/chart" xmlns:dgm="http://schemas.openxmlformats.org/drawingml/2006/diagram" xmlns:o="urn:schemas-microsoft-com:office:office" xmlns:v="urn:schemas-microsoft-com:vml" xmlns:pvml="urn:schemas-microsoft-com:office:powerpoint" xmlns:com="http://schemas.openxmlformats.org/drawingml/2006/compatibility" xmlns:p14="http://schemas.microsoft.com/office/powerpoint/2010/main" showMasterPhAnim="0" showMasterSp="0">
   <p:cSld>
     <p:spTree>
       <p:nvGrpSpPr>
-        <p:cNvPr id="87" name="Shape 87"/>
+        <p:cNvPr id="98" name="Shape 98"/>
         <p:cNvGrpSpPr/>
         <p:nvPr/>
       </p:nvGrpSpPr>
@@ -1167,7 +1166,7 @@
       </p:grpSpPr>
       <p:sp>
         <p:nvSpPr>
-          <p:cNvPr id="88" name="Shape 88"/>
+          <p:cNvPr id="99" name="Shape 99"/>
           <p:cNvSpPr/>
           <p:nvPr>
             <p:ph idx="2" type="sldImg"/>
@@ -1201,7 +1200,7 @@
       </p:sp>
       <p:sp>
         <p:nvSpPr>
-          <p:cNvPr id="89" name="Shape 89"/>
+          <p:cNvPr id="100" name="Shape 100"/>
           <p:cNvSpPr txBox="1"/>
           <p:nvPr>
             <p:ph idx="1" type="body"/>
@@ -1243,12 +1242,12 @@
 </p:notes>
 </file>
 
-<file path=ppt/notesSlides/notesSlide7.xml><?xml version="1.0" encoding="utf-8"?>
+<file path=ppt/notesSlides/notesSlide8.xml><?xml version="1.0" encoding="utf-8"?>
 <p:notes xmlns:a="http://schemas.openxmlformats.org/drawingml/2006/main" xmlns:r="http://schemas.openxmlformats.org/officeDocument/2006/relationships" xmlns:mc="http://schemas.openxmlformats.org/markup-compatibility/2006" xmlns:mv="urn:schemas-microsoft-com:mac:vml" xmlns:p="http://schemas.openxmlformats.org/presentationml/2006/main" xmlns:c="http://schemas.openxmlformats.org/drawingml/2006/chart" xmlns:dgm="http://schemas.openxmlformats.org/drawingml/2006/diagram" xmlns:o="urn:schemas-microsoft-com:office:office" xmlns:v="urn:schemas-microsoft-com:vml" xmlns:pvml="urn:schemas-microsoft-com:office:powerpoint" xmlns:com="http://schemas.openxmlformats.org/drawingml/2006/compatibility" xmlns:p14="http://schemas.microsoft.com/office/powerpoint/2010/main" showMasterPhAnim="0" showMasterSp="0">
   <p:cSld>
     <p:spTree>
       <p:nvGrpSpPr>
-        <p:cNvPr id="93" name="Shape 93"/>
+        <p:cNvPr id="105" name="Shape 105"/>
         <p:cNvGrpSpPr/>
         <p:nvPr/>
       </p:nvGrpSpPr>
@@ -1262,7 +1261,7 @@
       </p:grpSpPr>
       <p:sp>
         <p:nvSpPr>
-          <p:cNvPr id="94" name="Shape 94"/>
+          <p:cNvPr id="106" name="Shape 106"/>
           <p:cNvSpPr/>
           <p:nvPr>
             <p:ph idx="2" type="sldImg"/>
@@ -1296,7 +1295,7 @@
       </p:sp>
       <p:sp>
         <p:nvSpPr>
-          <p:cNvPr id="95" name="Shape 95"/>
+          <p:cNvPr id="107" name="Shape 107"/>
           <p:cNvSpPr txBox="1"/>
           <p:nvPr>
             <p:ph idx="1" type="body"/>
@@ -1338,12 +1337,12 @@
 </p:notes>
 </file>
 
-<file path=ppt/notesSlides/notesSlide8.xml><?xml version="1.0" encoding="utf-8"?>
+<file path=ppt/notesSlides/notesSlide9.xml><?xml version="1.0" encoding="utf-8"?>
 <p:notes xmlns:a="http://schemas.openxmlformats.org/drawingml/2006/main" xmlns:r="http://schemas.openxmlformats.org/officeDocument/2006/relationships" xmlns:mc="http://schemas.openxmlformats.org/markup-compatibility/2006" xmlns:mv="urn:schemas-microsoft-com:mac:vml" xmlns:p="http://schemas.openxmlformats.org/presentationml/2006/main" xmlns:c="http://schemas.openxmlformats.org/drawingml/2006/chart" xmlns:dgm="http://schemas.openxmlformats.org/drawingml/2006/diagram" xmlns:o="urn:schemas-microsoft-com:office:office" xmlns:v="urn:schemas-microsoft-com:vml" xmlns:pvml="urn:schemas-microsoft-com:office:powerpoint" xmlns:com="http://schemas.openxmlformats.org/drawingml/2006/compatibility" xmlns:p14="http://schemas.microsoft.com/office/powerpoint/2010/main" showMasterPhAnim="0" showMasterSp="0">
   <p:cSld>
     <p:spTree>
       <p:nvGrpSpPr>
-        <p:cNvPr id="100" name="Shape 100"/>
+        <p:cNvPr id="112" name="Shape 112"/>
         <p:cNvGrpSpPr/>
         <p:nvPr/>
       </p:nvGrpSpPr>
@@ -1357,7 +1356,7 @@
       </p:grpSpPr>
       <p:sp>
         <p:nvSpPr>
-          <p:cNvPr id="101" name="Shape 101"/>
+          <p:cNvPr id="113" name="Shape 113"/>
           <p:cNvSpPr/>
           <p:nvPr>
             <p:ph idx="2" type="sldImg"/>
@@ -1391,102 +1390,7 @@
       </p:sp>
       <p:sp>
         <p:nvSpPr>
-          <p:cNvPr id="102" name="Shape 102"/>
-          <p:cNvSpPr txBox="1"/>
-          <p:nvPr>
-            <p:ph idx="1" type="body"/>
-          </p:nvPr>
-        </p:nvSpPr>
-        <p:spPr>
-          <a:xfrm>
-            <a:off x="685800" y="4343400"/>
-            <a:ext cx="5486400" cy="4114800"/>
-          </a:xfrm>
-          <a:prstGeom prst="rect">
-            <a:avLst/>
-          </a:prstGeom>
-        </p:spPr>
-        <p:txBody>
-          <a:bodyPr anchorCtr="0" anchor="t" bIns="91425" lIns="91425" rIns="91425" tIns="91425">
-            <a:noAutofit/>
-          </a:bodyPr>
-          <a:lstStyle/>
-          <a:p>
-            <a:pPr lvl="0">
-              <a:spcBef>
-                <a:spcPts val="0"/>
-              </a:spcBef>
-              <a:buNone/>
-            </a:pPr>
-            <a:r>
-              <a:t/>
-            </a:r>
-            <a:endParaRPr/>
-          </a:p>
-        </p:txBody>
-      </p:sp>
-    </p:spTree>
-  </p:cSld>
-  <p:clrMapOvr>
-    <a:masterClrMapping/>
-  </p:clrMapOvr>
-</p:notes>
-</file>
-
-<file path=ppt/notesSlides/notesSlide9.xml><?xml version="1.0" encoding="utf-8"?>
-<p:notes xmlns:a="http://schemas.openxmlformats.org/drawingml/2006/main" xmlns:r="http://schemas.openxmlformats.org/officeDocument/2006/relationships" xmlns:mc="http://schemas.openxmlformats.org/markup-compatibility/2006" xmlns:mv="urn:schemas-microsoft-com:mac:vml" xmlns:p="http://schemas.openxmlformats.org/presentationml/2006/main" xmlns:c="http://schemas.openxmlformats.org/drawingml/2006/chart" xmlns:dgm="http://schemas.openxmlformats.org/drawingml/2006/diagram" xmlns:o="urn:schemas-microsoft-com:office:office" xmlns:v="urn:schemas-microsoft-com:vml" xmlns:pvml="urn:schemas-microsoft-com:office:powerpoint" xmlns:com="http://schemas.openxmlformats.org/drawingml/2006/compatibility" xmlns:p14="http://schemas.microsoft.com/office/powerpoint/2010/main" showMasterPhAnim="0" showMasterSp="0">
-  <p:cSld>
-    <p:spTree>
-      <p:nvGrpSpPr>
-        <p:cNvPr id="107" name="Shape 107"/>
-        <p:cNvGrpSpPr/>
-        <p:nvPr/>
-      </p:nvGrpSpPr>
-      <p:grpSpPr>
-        <a:xfrm>
-          <a:off x="0" y="0"/>
-          <a:ext cx="0" cy="0"/>
-          <a:chOff x="0" y="0"/>
-          <a:chExt cx="0" cy="0"/>
-        </a:xfrm>
-      </p:grpSpPr>
-      <p:sp>
-        <p:nvSpPr>
-          <p:cNvPr id="108" name="Shape 108"/>
-          <p:cNvSpPr/>
-          <p:nvPr>
-            <p:ph idx="2" type="sldImg"/>
-          </p:nvPr>
-        </p:nvSpPr>
-        <p:spPr>
-          <a:xfrm>
-            <a:off x="381300" y="685800"/>
-            <a:ext cx="6096000" cy="3429000"/>
-          </a:xfrm>
-          <a:custGeom>
-            <a:pathLst>
-              <a:path extrusionOk="0" h="120000" w="120000">
-                <a:moveTo>
-                  <a:pt x="0" y="0"/>
-                </a:moveTo>
-                <a:lnTo>
-                  <a:pt x="120000" y="0"/>
-                </a:lnTo>
-                <a:lnTo>
-                  <a:pt x="120000" y="120000"/>
-                </a:lnTo>
-                <a:lnTo>
-                  <a:pt x="0" y="120000"/>
-                </a:lnTo>
-                <a:close/>
-              </a:path>
-            </a:pathLst>
-          </a:custGeom>
-        </p:spPr>
-      </p:sp>
-      <p:sp>
-        <p:nvSpPr>
-          <p:cNvPr id="109" name="Shape 109"/>
+          <p:cNvPr id="114" name="Shape 114"/>
           <p:cNvSpPr txBox="1"/>
           <p:nvPr>
             <p:ph idx="1" type="body"/>
@@ -5324,6 +5228,46 @@
           </a:ln>
         </p:spPr>
       </p:pic>
+      <p:sp>
+        <p:nvSpPr>
+          <p:cNvPr id="62" name="Shape 62"/>
+          <p:cNvSpPr/>
+          <p:nvPr/>
+        </p:nvSpPr>
+        <p:spPr>
+          <a:xfrm>
+            <a:off x="8726150" y="4755900"/>
+            <a:ext cx="63000" cy="63000"/>
+          </a:xfrm>
+          <a:prstGeom prst="ellipse">
+            <a:avLst/>
+          </a:prstGeom>
+          <a:solidFill>
+            <a:srgbClr val="9900FF"/>
+          </a:solidFill>
+          <a:ln>
+            <a:noFill/>
+          </a:ln>
+        </p:spPr>
+        <p:txBody>
+          <a:bodyPr anchorCtr="0" anchor="ctr" bIns="91425" lIns="91425" rIns="91425" tIns="91425">
+            <a:noAutofit/>
+          </a:bodyPr>
+          <a:lstStyle/>
+          <a:p>
+            <a:pPr lvl="0">
+              <a:spcBef>
+                <a:spcPts val="0"/>
+              </a:spcBef>
+              <a:buNone/>
+            </a:pPr>
+            <a:r>
+              <a:t/>
+            </a:r>
+            <a:endParaRPr/>
+          </a:p>
+        </p:txBody>
+      </p:sp>
     </p:spTree>
   </p:cSld>
   <p:clrMapOvr>
@@ -5337,7 +5281,7 @@
   <p:cSld>
     <p:spTree>
       <p:nvGrpSpPr>
-        <p:cNvPr id="117" name="Shape 117"/>
+        <p:cNvPr id="122" name="Shape 122"/>
         <p:cNvGrpSpPr/>
         <p:nvPr/>
       </p:nvGrpSpPr>
@@ -5351,7 +5295,7 @@
       </p:grpSpPr>
       <p:sp>
         <p:nvSpPr>
-          <p:cNvPr id="118" name="Shape 118"/>
+          <p:cNvPr id="123" name="Shape 123"/>
           <p:cNvSpPr txBox="1"/>
           <p:nvPr>
             <p:ph type="title"/>
@@ -5387,7 +5331,7 @@
       </p:sp>
       <p:sp>
         <p:nvSpPr>
-          <p:cNvPr id="119" name="Shape 119"/>
+          <p:cNvPr id="124" name="Shape 124"/>
           <p:cNvSpPr txBox="1"/>
           <p:nvPr>
             <p:ph idx="1" type="body"/>
@@ -5423,7 +5367,7 @@
       </p:sp>
       <p:pic>
         <p:nvPicPr>
-          <p:cNvPr descr="upload2.png" id="120" name="Shape 120"/>
+          <p:cNvPr descr="upload2.png" id="125" name="Shape 125"/>
           <p:cNvPicPr preferRelativeResize="0"/>
           <p:nvPr/>
         </p:nvPicPr>
@@ -5462,7 +5406,7 @@
   <p:cSld>
     <p:spTree>
       <p:nvGrpSpPr>
-        <p:cNvPr id="124" name="Shape 124"/>
+        <p:cNvPr id="129" name="Shape 129"/>
         <p:cNvGrpSpPr/>
         <p:nvPr/>
       </p:nvGrpSpPr>
@@ -5476,7 +5420,7 @@
       </p:grpSpPr>
       <p:sp>
         <p:nvSpPr>
-          <p:cNvPr id="125" name="Shape 125"/>
+          <p:cNvPr id="130" name="Shape 130"/>
           <p:cNvSpPr txBox="1"/>
           <p:nvPr>
             <p:ph type="title"/>
@@ -5512,7 +5456,7 @@
       </p:sp>
       <p:sp>
         <p:nvSpPr>
-          <p:cNvPr id="126" name="Shape 126"/>
+          <p:cNvPr id="131" name="Shape 131"/>
           <p:cNvSpPr txBox="1"/>
           <p:nvPr>
             <p:ph idx="1" type="body"/>
@@ -5548,7 +5492,7 @@
       </p:sp>
       <p:pic>
         <p:nvPicPr>
-          <p:cNvPr descr="upload5.png" id="127" name="Shape 127"/>
+          <p:cNvPr descr="upload6.png" id="132" name="Shape 132"/>
           <p:cNvPicPr preferRelativeResize="0"/>
           <p:nvPr/>
         </p:nvPicPr>
@@ -5562,8 +5506,8 @@
         </p:blipFill>
         <p:spPr>
           <a:xfrm>
-            <a:off x="6608" y="0"/>
-            <a:ext cx="9130784" cy="5143500"/>
+            <a:off x="10827" y="0"/>
+            <a:ext cx="9122345" cy="5143500"/>
           </a:xfrm>
           <a:prstGeom prst="rect">
             <a:avLst/>
@@ -5574,139 +5518,6 @@
           </a:ln>
         </p:spPr>
       </p:pic>
-    </p:spTree>
-  </p:cSld>
-  <p:clrMapOvr>
-    <a:masterClrMapping/>
-  </p:clrMapOvr>
-</p:sld>
-</file>
-
-<file path=ppt/slides/slide12.xml><?xml version="1.0" encoding="utf-8"?>
-<p:sld xmlns:a="http://schemas.openxmlformats.org/drawingml/2006/main" xmlns:r="http://schemas.openxmlformats.org/officeDocument/2006/relationships" xmlns:mc="http://schemas.openxmlformats.org/markup-compatibility/2006" xmlns:mv="urn:schemas-microsoft-com:mac:vml" xmlns:p="http://schemas.openxmlformats.org/presentationml/2006/main" xmlns:c="http://schemas.openxmlformats.org/drawingml/2006/chart" xmlns:dgm="http://schemas.openxmlformats.org/drawingml/2006/diagram" xmlns:o="urn:schemas-microsoft-com:office:office" xmlns:v="urn:schemas-microsoft-com:vml" xmlns:pvml="urn:schemas-microsoft-com:office:powerpoint" xmlns:com="http://schemas.openxmlformats.org/drawingml/2006/compatibility" xmlns:p14="http://schemas.microsoft.com/office/powerpoint/2010/main">
-  <p:cSld>
-    <p:spTree>
-      <p:nvGrpSpPr>
-        <p:cNvPr id="131" name="Shape 131"/>
-        <p:cNvGrpSpPr/>
-        <p:nvPr/>
-      </p:nvGrpSpPr>
-      <p:grpSpPr>
-        <a:xfrm>
-          <a:off x="0" y="0"/>
-          <a:ext cx="0" cy="0"/>
-          <a:chOff x="0" y="0"/>
-          <a:chExt cx="0" cy="0"/>
-        </a:xfrm>
-      </p:grpSpPr>
-      <p:sp>
-        <p:nvSpPr>
-          <p:cNvPr id="132" name="Shape 132"/>
-          <p:cNvSpPr txBox="1"/>
-          <p:nvPr>
-            <p:ph type="title"/>
-          </p:nvPr>
-        </p:nvSpPr>
-        <p:spPr>
-          <a:xfrm>
-            <a:off x="311700" y="445025"/>
-            <a:ext cx="8520600" cy="572700"/>
-          </a:xfrm>
-          <a:prstGeom prst="rect">
-            <a:avLst/>
-          </a:prstGeom>
-        </p:spPr>
-        <p:txBody>
-          <a:bodyPr anchorCtr="0" anchor="t" bIns="91425" lIns="91425" rIns="91425" tIns="91425">
-            <a:noAutofit/>
-          </a:bodyPr>
-          <a:lstStyle/>
-          <a:p>
-            <a:pPr lvl="0">
-              <a:spcBef>
-                <a:spcPts val="0"/>
-              </a:spcBef>
-              <a:buNone/>
-            </a:pPr>
-            <a:r>
-              <a:t/>
-            </a:r>
-            <a:endParaRPr/>
-          </a:p>
-        </p:txBody>
-      </p:sp>
-      <p:sp>
-        <p:nvSpPr>
-          <p:cNvPr id="133" name="Shape 133"/>
-          <p:cNvSpPr txBox="1"/>
-          <p:nvPr>
-            <p:ph idx="1" type="body"/>
-          </p:nvPr>
-        </p:nvSpPr>
-        <p:spPr>
-          <a:xfrm>
-            <a:off x="311700" y="1152475"/>
-            <a:ext cx="8520600" cy="3416400"/>
-          </a:xfrm>
-          <a:prstGeom prst="rect">
-            <a:avLst/>
-          </a:prstGeom>
-        </p:spPr>
-        <p:txBody>
-          <a:bodyPr anchorCtr="0" anchor="t" bIns="91425" lIns="91425" rIns="91425" tIns="91425">
-            <a:noAutofit/>
-          </a:bodyPr>
-          <a:lstStyle/>
-          <a:p>
-            <a:pPr lvl="0">
-              <a:spcBef>
-                <a:spcPts val="0"/>
-              </a:spcBef>
-              <a:buNone/>
-            </a:pPr>
-            <a:r>
-              <a:rPr lang="en"/>
-              <a:t>Home - Harry</a:t>
-            </a:r>
-          </a:p>
-          <a:p>
-            <a:pPr lvl="0">
-              <a:spcBef>
-                <a:spcPts val="0"/>
-              </a:spcBef>
-              <a:buNone/>
-            </a:pPr>
-            <a:r>
-              <a:rPr lang="en"/>
-              <a:t>Sign up - Christina</a:t>
-            </a:r>
-          </a:p>
-          <a:p>
-            <a:pPr lvl="0">
-              <a:spcBef>
-                <a:spcPts val="0"/>
-              </a:spcBef>
-              <a:buNone/>
-            </a:pPr>
-            <a:r>
-              <a:rPr lang="en"/>
-              <a:t>Sign in + Results - David</a:t>
-            </a:r>
-          </a:p>
-          <a:p>
-            <a:pPr lvl="0" rtl="0">
-              <a:spcBef>
-                <a:spcPts val="0"/>
-              </a:spcBef>
-              <a:buNone/>
-            </a:pPr>
-            <a:r>
-              <a:rPr lang="en"/>
-              <a:t>Settings - Lewis</a:t>
-            </a:r>
-          </a:p>
-        </p:txBody>
-      </p:sp>
     </p:spTree>
   </p:cSld>
   <p:clrMapOvr>
@@ -5720,7 +5531,7 @@
   <p:cSld>
     <p:spTree>
       <p:nvGrpSpPr>
-        <p:cNvPr id="65" name="Shape 65"/>
+        <p:cNvPr id="66" name="Shape 66"/>
         <p:cNvGrpSpPr/>
         <p:nvPr/>
       </p:nvGrpSpPr>
@@ -5734,7 +5545,7 @@
       </p:grpSpPr>
       <p:sp>
         <p:nvSpPr>
-          <p:cNvPr id="66" name="Shape 66"/>
+          <p:cNvPr id="67" name="Shape 67"/>
           <p:cNvSpPr txBox="1"/>
           <p:nvPr>
             <p:ph type="title"/>
@@ -5770,7 +5581,7 @@
       </p:sp>
       <p:sp>
         <p:nvSpPr>
-          <p:cNvPr id="67" name="Shape 67"/>
+          <p:cNvPr id="68" name="Shape 68"/>
           <p:cNvSpPr txBox="1"/>
           <p:nvPr>
             <p:ph idx="1" type="body"/>
@@ -5822,6 +5633,46 @@
               <a:rPr lang="en"/>
               <a:t>Sends notifications to user</a:t>
             </a:r>
+          </a:p>
+        </p:txBody>
+      </p:sp>
+      <p:sp>
+        <p:nvSpPr>
+          <p:cNvPr id="69" name="Shape 69"/>
+          <p:cNvSpPr/>
+          <p:nvPr/>
+        </p:nvSpPr>
+        <p:spPr>
+          <a:xfrm>
+            <a:off x="8726150" y="4755900"/>
+            <a:ext cx="63000" cy="63000"/>
+          </a:xfrm>
+          <a:prstGeom prst="ellipse">
+            <a:avLst/>
+          </a:prstGeom>
+          <a:solidFill>
+            <a:srgbClr val="9900FF"/>
+          </a:solidFill>
+          <a:ln>
+            <a:noFill/>
+          </a:ln>
+        </p:spPr>
+        <p:txBody>
+          <a:bodyPr anchorCtr="0" anchor="ctr" bIns="91425" lIns="91425" rIns="91425" tIns="91425">
+            <a:noAutofit/>
+          </a:bodyPr>
+          <a:lstStyle/>
+          <a:p>
+            <a:pPr lvl="0">
+              <a:spcBef>
+                <a:spcPts val="0"/>
+              </a:spcBef>
+              <a:buNone/>
+            </a:pPr>
+            <a:r>
+              <a:t/>
+            </a:r>
+            <a:endParaRPr/>
           </a:p>
         </p:txBody>
       </p:sp>
@@ -5838,7 +5689,7 @@
   <p:cSld>
     <p:spTree>
       <p:nvGrpSpPr>
-        <p:cNvPr id="71" name="Shape 71"/>
+        <p:cNvPr id="73" name="Shape 73"/>
         <p:cNvGrpSpPr/>
         <p:nvPr/>
       </p:nvGrpSpPr>
@@ -5852,7 +5703,7 @@
       </p:grpSpPr>
       <p:sp>
         <p:nvSpPr>
-          <p:cNvPr id="72" name="Shape 72"/>
+          <p:cNvPr id="74" name="Shape 74"/>
           <p:cNvSpPr txBox="1"/>
           <p:nvPr>
             <p:ph type="title"/>
@@ -5888,7 +5739,7 @@
       </p:sp>
       <p:sp>
         <p:nvSpPr>
-          <p:cNvPr id="73" name="Shape 73"/>
+          <p:cNvPr id="75" name="Shape 75"/>
           <p:cNvSpPr txBox="1"/>
           <p:nvPr>
             <p:ph idx="1" type="body"/>
@@ -5934,7 +5785,7 @@
       </p:sp>
       <p:pic>
         <p:nvPicPr>
-          <p:cNvPr descr="Screen Shot 2016-08-11 at 15.06.01.png" id="74" name="Shape 74"/>
+          <p:cNvPr descr="Screen Shot 2016-08-11 at 15.06.01.png" id="76" name="Shape 76"/>
           <p:cNvPicPr preferRelativeResize="0"/>
           <p:nvPr/>
         </p:nvPicPr>
@@ -5960,6 +5811,46 @@
           </a:ln>
         </p:spPr>
       </p:pic>
+      <p:sp>
+        <p:nvSpPr>
+          <p:cNvPr id="77" name="Shape 77"/>
+          <p:cNvSpPr/>
+          <p:nvPr/>
+        </p:nvSpPr>
+        <p:spPr>
+          <a:xfrm>
+            <a:off x="8726150" y="4755900"/>
+            <a:ext cx="63000" cy="63000"/>
+          </a:xfrm>
+          <a:prstGeom prst="ellipse">
+            <a:avLst/>
+          </a:prstGeom>
+          <a:solidFill>
+            <a:srgbClr val="00FF00"/>
+          </a:solidFill>
+          <a:ln>
+            <a:noFill/>
+          </a:ln>
+        </p:spPr>
+        <p:txBody>
+          <a:bodyPr anchorCtr="0" anchor="ctr" bIns="91425" lIns="91425" rIns="91425" tIns="91425">
+            <a:noAutofit/>
+          </a:bodyPr>
+          <a:lstStyle/>
+          <a:p>
+            <a:pPr lvl="0">
+              <a:spcBef>
+                <a:spcPts val="0"/>
+              </a:spcBef>
+              <a:buNone/>
+            </a:pPr>
+            <a:r>
+              <a:t/>
+            </a:r>
+            <a:endParaRPr/>
+          </a:p>
+        </p:txBody>
+      </p:sp>
     </p:spTree>
   </p:cSld>
   <p:clrMapOvr>
@@ -5973,7 +5864,7 @@
   <p:cSld>
     <p:spTree>
       <p:nvGrpSpPr>
-        <p:cNvPr id="78" name="Shape 78"/>
+        <p:cNvPr id="81" name="Shape 81"/>
         <p:cNvGrpSpPr/>
         <p:nvPr/>
       </p:nvGrpSpPr>
@@ -5987,7 +5878,7 @@
       </p:grpSpPr>
       <p:sp>
         <p:nvSpPr>
-          <p:cNvPr id="79" name="Shape 79"/>
+          <p:cNvPr id="82" name="Shape 82"/>
           <p:cNvSpPr txBox="1"/>
           <p:nvPr>
             <p:ph type="title"/>
@@ -6023,7 +5914,7 @@
       </p:sp>
       <p:sp>
         <p:nvSpPr>
-          <p:cNvPr id="80" name="Shape 80"/>
+          <p:cNvPr id="83" name="Shape 83"/>
           <p:cNvSpPr txBox="1"/>
           <p:nvPr>
             <p:ph idx="1" type="body"/>
@@ -6088,6 +5979,46 @@
               <a:rPr lang="en"/>
               <a:t>They would want quick and easy access, but they wouldn’t want to enter too many details or receive too many notifications.</a:t>
             </a:r>
+          </a:p>
+        </p:txBody>
+      </p:sp>
+      <p:sp>
+        <p:nvSpPr>
+          <p:cNvPr id="84" name="Shape 84"/>
+          <p:cNvSpPr/>
+          <p:nvPr/>
+        </p:nvSpPr>
+        <p:spPr>
+          <a:xfrm>
+            <a:off x="8726150" y="4755900"/>
+            <a:ext cx="63000" cy="63000"/>
+          </a:xfrm>
+          <a:prstGeom prst="ellipse">
+            <a:avLst/>
+          </a:prstGeom>
+          <a:solidFill>
+            <a:srgbClr val="FF9900"/>
+          </a:solidFill>
+          <a:ln>
+            <a:noFill/>
+          </a:ln>
+        </p:spPr>
+        <p:txBody>
+          <a:bodyPr anchorCtr="0" anchor="ctr" bIns="91425" lIns="91425" rIns="91425" tIns="91425">
+            <a:noAutofit/>
+          </a:bodyPr>
+          <a:lstStyle/>
+          <a:p>
+            <a:pPr lvl="0">
+              <a:spcBef>
+                <a:spcPts val="0"/>
+              </a:spcBef>
+              <a:buNone/>
+            </a:pPr>
+            <a:r>
+              <a:t/>
+            </a:r>
+            <a:endParaRPr/>
           </a:p>
         </p:txBody>
       </p:sp>
@@ -6104,7 +6035,7 @@
   <p:cSld>
     <p:spTree>
       <p:nvGrpSpPr>
-        <p:cNvPr id="84" name="Shape 84"/>
+        <p:cNvPr id="88" name="Shape 88"/>
         <p:cNvGrpSpPr/>
         <p:nvPr/>
       </p:nvGrpSpPr>
@@ -6118,7 +6049,7 @@
       </p:grpSpPr>
       <p:sp>
         <p:nvSpPr>
-          <p:cNvPr id="85" name="Shape 85"/>
+          <p:cNvPr id="89" name="Shape 89"/>
           <p:cNvSpPr txBox="1"/>
           <p:nvPr>
             <p:ph type="title"/>
@@ -6154,7 +6085,7 @@
       </p:sp>
       <p:sp>
         <p:nvSpPr>
-          <p:cNvPr id="86" name="Shape 86"/>
+          <p:cNvPr id="90" name="Shape 90"/>
           <p:cNvSpPr txBox="1"/>
           <p:nvPr>
             <p:ph idx="1" type="body"/>
@@ -6240,6 +6171,46 @@
               <a:rPr lang="en"/>
               <a:t>CSS3</a:t>
             </a:r>
+          </a:p>
+        </p:txBody>
+      </p:sp>
+      <p:sp>
+        <p:nvSpPr>
+          <p:cNvPr id="91" name="Shape 91"/>
+          <p:cNvSpPr/>
+          <p:nvPr/>
+        </p:nvSpPr>
+        <p:spPr>
+          <a:xfrm>
+            <a:off x="8726150" y="4755900"/>
+            <a:ext cx="63000" cy="63000"/>
+          </a:xfrm>
+          <a:prstGeom prst="ellipse">
+            <a:avLst/>
+          </a:prstGeom>
+          <a:solidFill>
+            <a:srgbClr val="FF0000"/>
+          </a:solidFill>
+          <a:ln>
+            <a:noFill/>
+          </a:ln>
+        </p:spPr>
+        <p:txBody>
+          <a:bodyPr anchorCtr="0" anchor="ctr" bIns="91425" lIns="91425" rIns="91425" tIns="91425">
+            <a:noAutofit/>
+          </a:bodyPr>
+          <a:lstStyle/>
+          <a:p>
+            <a:pPr lvl="0">
+              <a:spcBef>
+                <a:spcPts val="0"/>
+              </a:spcBef>
+              <a:buNone/>
+            </a:pPr>
+            <a:r>
+              <a:t/>
+            </a:r>
+            <a:endParaRPr/>
           </a:p>
         </p:txBody>
       </p:sp>
@@ -6256,7 +6227,7 @@
   <p:cSld>
     <p:spTree>
       <p:nvGrpSpPr>
-        <p:cNvPr id="90" name="Shape 90"/>
+        <p:cNvPr id="95" name="Shape 95"/>
         <p:cNvGrpSpPr/>
         <p:nvPr/>
       </p:nvGrpSpPr>
@@ -6270,7 +6241,7 @@
       </p:grpSpPr>
       <p:sp>
         <p:nvSpPr>
-          <p:cNvPr id="91" name="Shape 91"/>
+          <p:cNvPr id="96" name="Shape 96"/>
           <p:cNvSpPr txBox="1"/>
           <p:nvPr>
             <p:ph type="title"/>
@@ -6306,7 +6277,7 @@
       </p:sp>
       <p:sp>
         <p:nvSpPr>
-          <p:cNvPr id="92" name="Shape 92"/>
+          <p:cNvPr id="97" name="Shape 97"/>
           <p:cNvSpPr txBox="1"/>
           <p:nvPr>
             <p:ph idx="1" type="body"/>
@@ -6425,7 +6396,7 @@
   <p:cSld>
     <p:spTree>
       <p:nvGrpSpPr>
-        <p:cNvPr id="96" name="Shape 96"/>
+        <p:cNvPr id="101" name="Shape 101"/>
         <p:cNvGrpSpPr/>
         <p:nvPr/>
       </p:nvGrpSpPr>
@@ -6439,7 +6410,7 @@
       </p:grpSpPr>
       <p:sp>
         <p:nvSpPr>
-          <p:cNvPr id="97" name="Shape 97"/>
+          <p:cNvPr id="102" name="Shape 102"/>
           <p:cNvSpPr txBox="1"/>
           <p:nvPr>
             <p:ph type="title"/>
@@ -6475,7 +6446,7 @@
       </p:sp>
       <p:sp>
         <p:nvSpPr>
-          <p:cNvPr id="98" name="Shape 98"/>
+          <p:cNvPr id="103" name="Shape 103"/>
           <p:cNvSpPr txBox="1"/>
           <p:nvPr>
             <p:ph idx="1" type="body"/>
@@ -6511,7 +6482,7 @@
       </p:sp>
       <p:pic>
         <p:nvPicPr>
-          <p:cNvPr descr="upload.png" id="99" name="Shape 99"/>
+          <p:cNvPr descr="upload.png" id="104" name="Shape 104"/>
           <p:cNvPicPr preferRelativeResize="0"/>
           <p:nvPr/>
         </p:nvPicPr>
@@ -6550,7 +6521,7 @@
   <p:cSld>
     <p:spTree>
       <p:nvGrpSpPr>
-        <p:cNvPr id="103" name="Shape 103"/>
+        <p:cNvPr id="108" name="Shape 108"/>
         <p:cNvGrpSpPr/>
         <p:nvPr/>
       </p:nvGrpSpPr>
@@ -6564,7 +6535,7 @@
       </p:grpSpPr>
       <p:sp>
         <p:nvSpPr>
-          <p:cNvPr id="104" name="Shape 104"/>
+          <p:cNvPr id="109" name="Shape 109"/>
           <p:cNvSpPr txBox="1"/>
           <p:nvPr>
             <p:ph type="title"/>
@@ -6600,7 +6571,7 @@
       </p:sp>
       <p:sp>
         <p:nvSpPr>
-          <p:cNvPr id="105" name="Shape 105"/>
+          <p:cNvPr id="110" name="Shape 110"/>
           <p:cNvSpPr txBox="1"/>
           <p:nvPr>
             <p:ph idx="1" type="body"/>
@@ -6636,7 +6607,7 @@
       </p:sp>
       <p:pic>
         <p:nvPicPr>
-          <p:cNvPr descr="upload4.png" id="106" name="Shape 106"/>
+          <p:cNvPr descr="upload4.png" id="111" name="Shape 111"/>
           <p:cNvPicPr preferRelativeResize="0"/>
           <p:nvPr/>
         </p:nvPicPr>
@@ -6675,7 +6646,7 @@
   <p:cSld>
     <p:spTree>
       <p:nvGrpSpPr>
-        <p:cNvPr id="110" name="Shape 110"/>
+        <p:cNvPr id="115" name="Shape 115"/>
         <p:cNvGrpSpPr/>
         <p:nvPr/>
       </p:nvGrpSpPr>
@@ -6689,7 +6660,7 @@
       </p:grpSpPr>
       <p:sp>
         <p:nvSpPr>
-          <p:cNvPr id="111" name="Shape 111"/>
+          <p:cNvPr id="116" name="Shape 116"/>
           <p:cNvSpPr txBox="1"/>
           <p:nvPr>
             <p:ph type="title"/>
@@ -6725,7 +6696,7 @@
       </p:sp>
       <p:sp>
         <p:nvSpPr>
-          <p:cNvPr id="112" name="Shape 112"/>
+          <p:cNvPr id="117" name="Shape 117"/>
           <p:cNvSpPr txBox="1"/>
           <p:nvPr>
             <p:ph idx="1" type="body"/>
@@ -6761,7 +6732,7 @@
       </p:sp>
       <p:pic>
         <p:nvPicPr>
-          <p:cNvPr descr="upload3.png" id="113" name="Shape 113"/>
+          <p:cNvPr descr="upload3.png" id="118" name="Shape 118"/>
           <p:cNvPicPr preferRelativeResize="0"/>
           <p:nvPr/>
         </p:nvPicPr>
@@ -6796,6 +6767,285 @@
 </file>
 
 <file path=ppt/theme/theme1.xml><?xml version="1.0" encoding="utf-8"?>
+<a:theme xmlns:a="http://schemas.openxmlformats.org/drawingml/2006/main" xmlns:r="http://schemas.openxmlformats.org/officeDocument/2006/relationships" name="Custom Theme">
+  <a:themeElements>
+    <a:clrScheme name="Default">
+      <a:dk1>
+        <a:srgbClr val="000000"/>
+      </a:dk1>
+      <a:lt1>
+        <a:srgbClr val="FFFFFF"/>
+      </a:lt1>
+      <a:dk2>
+        <a:srgbClr val="158158"/>
+      </a:dk2>
+      <a:lt2>
+        <a:srgbClr val="F3F3F3"/>
+      </a:lt2>
+      <a:accent1>
+        <a:srgbClr val="058DC7"/>
+      </a:accent1>
+      <a:accent2>
+        <a:srgbClr val="50B432"/>
+      </a:accent2>
+      <a:accent3>
+        <a:srgbClr val="ED561B"/>
+      </a:accent3>
+      <a:accent4>
+        <a:srgbClr val="EDEF00"/>
+      </a:accent4>
+      <a:accent5>
+        <a:srgbClr val="24CBE5"/>
+      </a:accent5>
+      <a:accent6>
+        <a:srgbClr val="64E572"/>
+      </a:accent6>
+      <a:hlink>
+        <a:srgbClr val="2200CC"/>
+      </a:hlink>
+      <a:folHlink>
+        <a:srgbClr val="551A8B"/>
+      </a:folHlink>
+    </a:clrScheme>
+    <a:fontScheme name="Office">
+      <a:majorFont>
+        <a:latin typeface="Arial"/>
+        <a:ea typeface=""/>
+        <a:cs typeface=""/>
+        <a:font script="Jpan" typeface="ＭＳ Ｐゴシック"/>
+        <a:font script="Hang" typeface="맑은 고딕"/>
+        <a:font script="Hans" typeface="宋体"/>
+        <a:font script="Hant" typeface="新細明體"/>
+        <a:font script="Arab" typeface="Times New Roman"/>
+        <a:font script="Hebr" typeface="Times New Roman"/>
+        <a:font script="Thai" typeface="Angsana New"/>
+        <a:font script="Ethi" typeface="Nyala"/>
+        <a:font script="Beng" typeface="Vrinda"/>
+        <a:font script="Gujr" typeface="Shruti"/>
+        <a:font script="Khmr" typeface="MoolBoran"/>
+        <a:font script="Knda" typeface="Tunga"/>
+        <a:font script="Guru" typeface="Raavi"/>
+        <a:font script="Cans" typeface="Euphemia"/>
+        <a:font script="Cher" typeface="Plantagenet Cherokee"/>
+        <a:font script="Yiii" typeface="Microsoft Yi Baiti"/>
+        <a:font script="Tibt" typeface="Microsoft Himalaya"/>
+        <a:font script="Thaa" typeface="MV Boli"/>
+        <a:font script="Deva" typeface="Mangal"/>
+        <a:font script="Telu" typeface="Gautami"/>
+        <a:font script="Taml" typeface="Latha"/>
+        <a:font script="Syrc" typeface="Estrangelo Edessa"/>
+        <a:font script="Orya" typeface="Kalinga"/>
+        <a:font script="Mlym" typeface="Kartika"/>
+        <a:font script="Laoo" typeface="DokChampa"/>
+        <a:font script="Sinh" typeface="Iskoola Pota"/>
+        <a:font script="Mong" typeface="Mongolian Baiti"/>
+        <a:font script="Viet" typeface="Times New Roman"/>
+        <a:font script="Uigh" typeface="Microsoft Uighur"/>
+        <a:font script="Geor" typeface="Sylfaen"/>
+      </a:majorFont>
+      <a:minorFont>
+        <a:latin typeface="Arial"/>
+        <a:ea typeface=""/>
+        <a:cs typeface=""/>
+        <a:font script="Jpan" typeface="ＭＳ Ｐゴシック"/>
+        <a:font script="Hang" typeface="맑은 고딕"/>
+        <a:font script="Hans" typeface="宋体"/>
+        <a:font script="Hant" typeface="新細明體"/>
+        <a:font script="Arab" typeface="Arial"/>
+        <a:font script="Hebr" typeface="Arial"/>
+        <a:font script="Thai" typeface="Cordia New"/>
+        <a:font script="Ethi" typeface="Nyala"/>
+        <a:font script="Beng" typeface="Vrinda"/>
+        <a:font script="Gujr" typeface="Shruti"/>
+        <a:font script="Khmr" typeface="DaunPenh"/>
+        <a:font script="Knda" typeface="Tunga"/>
+        <a:font script="Guru" typeface="Raavi"/>
+        <a:font script="Cans" typeface="Euphemia"/>
+        <a:font script="Cher" typeface="Plantagenet Cherokee"/>
+        <a:font script="Yiii" typeface="Microsoft Yi Baiti"/>
+        <a:font script="Tibt" typeface="Microsoft Himalaya"/>
+        <a:font script="Thaa" typeface="MV Boli"/>
+        <a:font script="Deva" typeface="Mangal"/>
+        <a:font script="Telu" typeface="Gautami"/>
+        <a:font script="Taml" typeface="Latha"/>
+        <a:font script="Syrc" typeface="Estrangelo Edessa"/>
+        <a:font script="Orya" typeface="Kalinga"/>
+        <a:font script="Mlym" typeface="Kartika"/>
+        <a:font script="Laoo" typeface="DokChampa"/>
+        <a:font script="Sinh" typeface="Iskoola Pota"/>
+        <a:font script="Mong" typeface="Mongolian Baiti"/>
+        <a:font script="Viet" typeface="Arial"/>
+        <a:font script="Uigh" typeface="Microsoft Uighur"/>
+        <a:font script="Geor" typeface="Sylfaen"/>
+      </a:minorFont>
+    </a:fontScheme>
+    <a:fmtScheme name="Office">
+      <a:fillStyleLst>
+        <a:solidFill>
+          <a:schemeClr val="phClr"/>
+        </a:solidFill>
+        <a:gradFill rotWithShape="1">
+          <a:gsLst>
+            <a:gs pos="0">
+              <a:schemeClr val="phClr">
+                <a:tint val="50000"/>
+                <a:satMod val="300000"/>
+              </a:schemeClr>
+            </a:gs>
+            <a:gs pos="35000">
+              <a:schemeClr val="phClr">
+                <a:tint val="37000"/>
+                <a:satMod val="300000"/>
+              </a:schemeClr>
+            </a:gs>
+            <a:gs pos="100000">
+              <a:schemeClr val="phClr">
+                <a:tint val="15000"/>
+                <a:satMod val="350000"/>
+              </a:schemeClr>
+            </a:gs>
+          </a:gsLst>
+          <a:lin ang="16200000" scaled="1"/>
+        </a:gradFill>
+        <a:gradFill rotWithShape="1">
+          <a:gsLst>
+            <a:gs pos="0">
+              <a:schemeClr val="phClr">
+                <a:tint val="100000"/>
+                <a:shade val="100000"/>
+                <a:satMod val="130000"/>
+              </a:schemeClr>
+            </a:gs>
+            <a:gs pos="100000">
+              <a:schemeClr val="phClr">
+                <a:tint val="50000"/>
+                <a:shade val="100000"/>
+                <a:satMod val="350000"/>
+              </a:schemeClr>
+            </a:gs>
+          </a:gsLst>
+          <a:lin ang="16200000" scaled="0"/>
+        </a:gradFill>
+      </a:fillStyleLst>
+      <a:lnStyleLst>
+        <a:ln w="9525" cap="flat" cmpd="sng" algn="ctr">
+          <a:solidFill>
+            <a:schemeClr val="phClr">
+              <a:shade val="95000"/>
+              <a:satMod val="105000"/>
+            </a:schemeClr>
+          </a:solidFill>
+          <a:prstDash val="solid"/>
+        </a:ln>
+        <a:ln w="25400" cap="flat" cmpd="sng" algn="ctr">
+          <a:solidFill>
+            <a:schemeClr val="phClr"/>
+          </a:solidFill>
+          <a:prstDash val="solid"/>
+        </a:ln>
+        <a:ln w="38100" cap="flat" cmpd="sng" algn="ctr">
+          <a:solidFill>
+            <a:schemeClr val="phClr"/>
+          </a:solidFill>
+          <a:prstDash val="solid"/>
+        </a:ln>
+      </a:lnStyleLst>
+      <a:effectStyleLst>
+        <a:effectStyle>
+          <a:effectLst>
+            <a:outerShdw blurRad="40000" dist="20000" dir="5400000" rotWithShape="0">
+              <a:srgbClr val="000000">
+                <a:alpha val="38000"/>
+              </a:srgbClr>
+            </a:outerShdw>
+          </a:effectLst>
+        </a:effectStyle>
+        <a:effectStyle>
+          <a:effectLst>
+            <a:outerShdw blurRad="40000" dist="23000" dir="5400000" rotWithShape="0">
+              <a:srgbClr val="000000">
+                <a:alpha val="35000"/>
+              </a:srgbClr>
+            </a:outerShdw>
+          </a:effectLst>
+        </a:effectStyle>
+        <a:effectStyle>
+          <a:effectLst>
+            <a:outerShdw blurRad="40000" dist="23000" dir="5400000" rotWithShape="0">
+              <a:srgbClr val="000000">
+                <a:alpha val="35000"/>
+              </a:srgbClr>
+            </a:outerShdw>
+          </a:effectLst>
+          <a:scene3d>
+            <a:camera prst="orthographicFront">
+              <a:rot lat="0" lon="0" rev="0"/>
+            </a:camera>
+            <a:lightRig rig="threePt" dir="t">
+              <a:rot lat="0" lon="0" rev="1200000"/>
+            </a:lightRig>
+          </a:scene3d>
+          <a:sp3d>
+            <a:bevelT w="63500" h="25400"/>
+          </a:sp3d>
+        </a:effectStyle>
+      </a:effectStyleLst>
+      <a:bgFillStyleLst>
+        <a:solidFill>
+          <a:schemeClr val="phClr"/>
+        </a:solidFill>
+        <a:gradFill rotWithShape="1">
+          <a:gsLst>
+            <a:gs pos="0">
+              <a:schemeClr val="phClr">
+                <a:tint val="40000"/>
+                <a:satMod val="350000"/>
+              </a:schemeClr>
+            </a:gs>
+            <a:gs pos="40000">
+              <a:schemeClr val="phClr">
+                <a:tint val="45000"/>
+                <a:shade val="99000"/>
+                <a:satMod val="350000"/>
+              </a:schemeClr>
+            </a:gs>
+            <a:gs pos="100000">
+              <a:schemeClr val="phClr">
+                <a:shade val="20000"/>
+                <a:satMod val="255000"/>
+              </a:schemeClr>
+            </a:gs>
+          </a:gsLst>
+          <a:path path="circle">
+            <a:fillToRect l="50000" t="-80000" r="50000" b="180000"/>
+          </a:path>
+        </a:gradFill>
+        <a:gradFill rotWithShape="1">
+          <a:gsLst>
+            <a:gs pos="0">
+              <a:schemeClr val="phClr">
+                <a:tint val="80000"/>
+                <a:satMod val="300000"/>
+              </a:schemeClr>
+            </a:gs>
+            <a:gs pos="100000">
+              <a:schemeClr val="phClr">
+                <a:shade val="30000"/>
+                <a:satMod val="200000"/>
+              </a:schemeClr>
+            </a:gs>
+          </a:gsLst>
+          <a:path path="circle">
+            <a:fillToRect l="50000" t="50000" r="50000" b="50000"/>
+          </a:path>
+        </a:gradFill>
+      </a:bgFillStyleLst>
+    </a:fmtScheme>
+  </a:themeElements>
+</a:theme>
+</file>
+
+<file path=ppt/theme/theme2.xml><?xml version="1.0" encoding="utf-8"?>
 <a:theme xmlns:a="http://schemas.openxmlformats.org/drawingml/2006/main" xmlns:r="http://schemas.openxmlformats.org/officeDocument/2006/relationships" name="slate">
   <a:themeElements>
     <a:clrScheme name="Slate">
@@ -7072,283 +7322,4 @@
     </a:fmtScheme>
   </a:themeElements>
 </a:theme>
-</file>
-
-<file path=ppt/theme/theme2.xml><?xml version="1.0" encoding="utf-8"?>
-<a:theme xmlns:a="http://schemas.openxmlformats.org/drawingml/2006/main" xmlns:r="http://schemas.openxmlformats.org/officeDocument/2006/relationships" name="Custom Theme">
-  <a:themeElements>
-    <a:clrScheme name="Default">
-      <a:dk1>
-        <a:srgbClr val="000000"/>
-      </a:dk1>
-      <a:lt1>
-        <a:srgbClr val="FFFFFF"/>
-      </a:lt1>
-      <a:dk2>
-        <a:srgbClr val="158158"/>
-      </a:dk2>
-      <a:lt2>
-        <a:srgbClr val="F3F3F3"/>
-      </a:lt2>
-      <a:accent1>
-        <a:srgbClr val="058DC7"/>
-      </a:accent1>
-      <a:accent2>
-        <a:srgbClr val="50B432"/>
-      </a:accent2>
-      <a:accent3>
-        <a:srgbClr val="ED561B"/>
-      </a:accent3>
-      <a:accent4>
-        <a:srgbClr val="EDEF00"/>
-      </a:accent4>
-      <a:accent5>
-        <a:srgbClr val="24CBE5"/>
-      </a:accent5>
-      <a:accent6>
-        <a:srgbClr val="64E572"/>
-      </a:accent6>
-      <a:hlink>
-        <a:srgbClr val="2200CC"/>
-      </a:hlink>
-      <a:folHlink>
-        <a:srgbClr val="551A8B"/>
-      </a:folHlink>
-    </a:clrScheme>
-    <a:fontScheme name="Office">
-      <a:majorFont>
-        <a:latin typeface="Arial"/>
-        <a:ea typeface=""/>
-        <a:cs typeface=""/>
-        <a:font script="Jpan" typeface="ＭＳ Ｐゴシック"/>
-        <a:font script="Hang" typeface="맑은 고딕"/>
-        <a:font script="Hans" typeface="宋体"/>
-        <a:font script="Hant" typeface="新細明體"/>
-        <a:font script="Arab" typeface="Times New Roman"/>
-        <a:font script="Hebr" typeface="Times New Roman"/>
-        <a:font script="Thai" typeface="Angsana New"/>
-        <a:font script="Ethi" typeface="Nyala"/>
-        <a:font script="Beng" typeface="Vrinda"/>
-        <a:font script="Gujr" typeface="Shruti"/>
-        <a:font script="Khmr" typeface="MoolBoran"/>
-        <a:font script="Knda" typeface="Tunga"/>
-        <a:font script="Guru" typeface="Raavi"/>
-        <a:font script="Cans" typeface="Euphemia"/>
-        <a:font script="Cher" typeface="Plantagenet Cherokee"/>
-        <a:font script="Yiii" typeface="Microsoft Yi Baiti"/>
-        <a:font script="Tibt" typeface="Microsoft Himalaya"/>
-        <a:font script="Thaa" typeface="MV Boli"/>
-        <a:font script="Deva" typeface="Mangal"/>
-        <a:font script="Telu" typeface="Gautami"/>
-        <a:font script="Taml" typeface="Latha"/>
-        <a:font script="Syrc" typeface="Estrangelo Edessa"/>
-        <a:font script="Orya" typeface="Kalinga"/>
-        <a:font script="Mlym" typeface="Kartika"/>
-        <a:font script="Laoo" typeface="DokChampa"/>
-        <a:font script="Sinh" typeface="Iskoola Pota"/>
-        <a:font script="Mong" typeface="Mongolian Baiti"/>
-        <a:font script="Viet" typeface="Times New Roman"/>
-        <a:font script="Uigh" typeface="Microsoft Uighur"/>
-        <a:font script="Geor" typeface="Sylfaen"/>
-      </a:majorFont>
-      <a:minorFont>
-        <a:latin typeface="Arial"/>
-        <a:ea typeface=""/>
-        <a:cs typeface=""/>
-        <a:font script="Jpan" typeface="ＭＳ Ｐゴシック"/>
-        <a:font script="Hang" typeface="맑은 고딕"/>
-        <a:font script="Hans" typeface="宋体"/>
-        <a:font script="Hant" typeface="新細明體"/>
-        <a:font script="Arab" typeface="Arial"/>
-        <a:font script="Hebr" typeface="Arial"/>
-        <a:font script="Thai" typeface="Cordia New"/>
-        <a:font script="Ethi" typeface="Nyala"/>
-        <a:font script="Beng" typeface="Vrinda"/>
-        <a:font script="Gujr" typeface="Shruti"/>
-        <a:font script="Khmr" typeface="DaunPenh"/>
-        <a:font script="Knda" typeface="Tunga"/>
-        <a:font script="Guru" typeface="Raavi"/>
-        <a:font script="Cans" typeface="Euphemia"/>
-        <a:font script="Cher" typeface="Plantagenet Cherokee"/>
-        <a:font script="Yiii" typeface="Microsoft Yi Baiti"/>
-        <a:font script="Tibt" typeface="Microsoft Himalaya"/>
-        <a:font script="Thaa" typeface="MV Boli"/>
-        <a:font script="Deva" typeface="Mangal"/>
-        <a:font script="Telu" typeface="Gautami"/>
-        <a:font script="Taml" typeface="Latha"/>
-        <a:font script="Syrc" typeface="Estrangelo Edessa"/>
-        <a:font script="Orya" typeface="Kalinga"/>
-        <a:font script="Mlym" typeface="Kartika"/>
-        <a:font script="Laoo" typeface="DokChampa"/>
-        <a:font script="Sinh" typeface="Iskoola Pota"/>
-        <a:font script="Mong" typeface="Mongolian Baiti"/>
-        <a:font script="Viet" typeface="Arial"/>
-        <a:font script="Uigh" typeface="Microsoft Uighur"/>
-        <a:font script="Geor" typeface="Sylfaen"/>
-      </a:minorFont>
-    </a:fontScheme>
-    <a:fmtScheme name="Office">
-      <a:fillStyleLst>
-        <a:solidFill>
-          <a:schemeClr val="phClr"/>
-        </a:solidFill>
-        <a:gradFill rotWithShape="1">
-          <a:gsLst>
-            <a:gs pos="0">
-              <a:schemeClr val="phClr">
-                <a:tint val="50000"/>
-                <a:satMod val="300000"/>
-              </a:schemeClr>
-            </a:gs>
-            <a:gs pos="35000">
-              <a:schemeClr val="phClr">
-                <a:tint val="37000"/>
-                <a:satMod val="300000"/>
-              </a:schemeClr>
-            </a:gs>
-            <a:gs pos="100000">
-              <a:schemeClr val="phClr">
-                <a:tint val="15000"/>
-                <a:satMod val="350000"/>
-              </a:schemeClr>
-            </a:gs>
-          </a:gsLst>
-          <a:lin ang="16200000" scaled="1"/>
-        </a:gradFill>
-        <a:gradFill rotWithShape="1">
-          <a:gsLst>
-            <a:gs pos="0">
-              <a:schemeClr val="phClr">
-                <a:tint val="100000"/>
-                <a:shade val="100000"/>
-                <a:satMod val="130000"/>
-              </a:schemeClr>
-            </a:gs>
-            <a:gs pos="100000">
-              <a:schemeClr val="phClr">
-                <a:tint val="50000"/>
-                <a:shade val="100000"/>
-                <a:satMod val="350000"/>
-              </a:schemeClr>
-            </a:gs>
-          </a:gsLst>
-          <a:lin ang="16200000" scaled="0"/>
-        </a:gradFill>
-      </a:fillStyleLst>
-      <a:lnStyleLst>
-        <a:ln w="9525" cap="flat" cmpd="sng" algn="ctr">
-          <a:solidFill>
-            <a:schemeClr val="phClr">
-              <a:shade val="95000"/>
-              <a:satMod val="105000"/>
-            </a:schemeClr>
-          </a:solidFill>
-          <a:prstDash val="solid"/>
-        </a:ln>
-        <a:ln w="25400" cap="flat" cmpd="sng" algn="ctr">
-          <a:solidFill>
-            <a:schemeClr val="phClr"/>
-          </a:solidFill>
-          <a:prstDash val="solid"/>
-        </a:ln>
-        <a:ln w="38100" cap="flat" cmpd="sng" algn="ctr">
-          <a:solidFill>
-            <a:schemeClr val="phClr"/>
-          </a:solidFill>
-          <a:prstDash val="solid"/>
-        </a:ln>
-      </a:lnStyleLst>
-      <a:effectStyleLst>
-        <a:effectStyle>
-          <a:effectLst>
-            <a:outerShdw blurRad="40000" dist="20000" dir="5400000" rotWithShape="0">
-              <a:srgbClr val="000000">
-                <a:alpha val="38000"/>
-              </a:srgbClr>
-            </a:outerShdw>
-          </a:effectLst>
-        </a:effectStyle>
-        <a:effectStyle>
-          <a:effectLst>
-            <a:outerShdw blurRad="40000" dist="23000" dir="5400000" rotWithShape="0">
-              <a:srgbClr val="000000">
-                <a:alpha val="35000"/>
-              </a:srgbClr>
-            </a:outerShdw>
-          </a:effectLst>
-        </a:effectStyle>
-        <a:effectStyle>
-          <a:effectLst>
-            <a:outerShdw blurRad="40000" dist="23000" dir="5400000" rotWithShape="0">
-              <a:srgbClr val="000000">
-                <a:alpha val="35000"/>
-              </a:srgbClr>
-            </a:outerShdw>
-          </a:effectLst>
-          <a:scene3d>
-            <a:camera prst="orthographicFront">
-              <a:rot lat="0" lon="0" rev="0"/>
-            </a:camera>
-            <a:lightRig rig="threePt" dir="t">
-              <a:rot lat="0" lon="0" rev="1200000"/>
-            </a:lightRig>
-          </a:scene3d>
-          <a:sp3d>
-            <a:bevelT w="63500" h="25400"/>
-          </a:sp3d>
-        </a:effectStyle>
-      </a:effectStyleLst>
-      <a:bgFillStyleLst>
-        <a:solidFill>
-          <a:schemeClr val="phClr"/>
-        </a:solidFill>
-        <a:gradFill rotWithShape="1">
-          <a:gsLst>
-            <a:gs pos="0">
-              <a:schemeClr val="phClr">
-                <a:tint val="40000"/>
-                <a:satMod val="350000"/>
-              </a:schemeClr>
-            </a:gs>
-            <a:gs pos="40000">
-              <a:schemeClr val="phClr">
-                <a:tint val="45000"/>
-                <a:shade val="99000"/>
-                <a:satMod val="350000"/>
-              </a:schemeClr>
-            </a:gs>
-            <a:gs pos="100000">
-              <a:schemeClr val="phClr">
-                <a:shade val="20000"/>
-                <a:satMod val="255000"/>
-              </a:schemeClr>
-            </a:gs>
-          </a:gsLst>
-          <a:path path="circle">
-            <a:fillToRect l="50000" t="-80000" r="50000" b="180000"/>
-          </a:path>
-        </a:gradFill>
-        <a:gradFill rotWithShape="1">
-          <a:gsLst>
-            <a:gs pos="0">
-              <a:schemeClr val="phClr">
-                <a:tint val="80000"/>
-                <a:satMod val="300000"/>
-              </a:schemeClr>
-            </a:gs>
-            <a:gs pos="100000">
-              <a:schemeClr val="phClr">
-                <a:shade val="30000"/>
-                <a:satMod val="200000"/>
-              </a:schemeClr>
-            </a:gs>
-          </a:gsLst>
-          <a:path path="circle">
-            <a:fillToRect l="50000" t="50000" r="50000" b="50000"/>
-          </a:path>
-        </a:gradFill>
-      </a:bgFillStyleLst>
-    </a:fmtScheme>
-  </a:themeElements>
-</a:theme>
 </file>
--- a/NotiFree.pptx
+++ b/NotiFree.pptx
@@ -6482,7 +6482,7 @@
       </p:sp>
       <p:pic>
         <p:nvPicPr>
-          <p:cNvPr descr="upload.png" id="104" name="Shape 104"/>
+          <p:cNvPr descr="upload8.png" id="104" name="Shape 104"/>
           <p:cNvPicPr preferRelativeResize="0"/>
           <p:nvPr/>
         </p:nvPicPr>
@@ -6496,8 +6496,8 @@
         </p:blipFill>
         <p:spPr>
           <a:xfrm>
-            <a:off x="0" y="0"/>
-            <a:ext cx="9144000" cy="5198389"/>
+            <a:off x="6608" y="0"/>
+            <a:ext cx="9130784" cy="5143500"/>
           </a:xfrm>
           <a:prstGeom prst="rect">
             <a:avLst/>
@@ -6607,7 +6607,7 @@
       </p:sp>
       <p:pic>
         <p:nvPicPr>
-          <p:cNvPr descr="upload4.png" id="111" name="Shape 111"/>
+          <p:cNvPr descr="upload7.png" id="111" name="Shape 111"/>
           <p:cNvPicPr preferRelativeResize="0"/>
           <p:nvPr/>
         </p:nvPicPr>
@@ -6621,8 +6621,8 @@
         </p:blipFill>
         <p:spPr>
           <a:xfrm>
-            <a:off x="0" y="0"/>
-            <a:ext cx="9143998" cy="5201779"/>
+            <a:off x="0" y="1042"/>
+            <a:ext cx="9144001" cy="5141416"/>
           </a:xfrm>
           <a:prstGeom prst="rect">
             <a:avLst/>

--- a/NotiFree.pptx
+++ b/NotiFree.pptx
@@ -19,18 +19,19 @@
     <p:sldId id="264" r:id="rId13"/>
     <p:sldId id="265" r:id="rId14"/>
     <p:sldId id="266" r:id="rId15"/>
+    <p:sldId id="267" r:id="rId16"/>
   </p:sldIdLst>
   <p:sldSz cy="5143500" cx="9144000"/>
   <p:notesSz cx="6858000" cy="9144000"/>
   <p:embeddedFontLst>
     <p:embeddedFont>
       <p:font typeface="Average"/>
-      <p:regular r:id="rId16"/>
+      <p:regular r:id="rId17"/>
     </p:embeddedFont>
     <p:embeddedFont>
       <p:font typeface="Oswald"/>
-      <p:regular r:id="rId17"/>
-      <p:bold r:id="rId18"/>
+      <p:regular r:id="rId18"/>
+      <p:bold r:id="rId19"/>
     </p:embeddedFont>
   </p:embeddedFontLst>
   <p:defaultTextStyle>
@@ -487,7 +488,7 @@
   <p:cSld>
     <p:spTree>
       <p:nvGrpSpPr>
-        <p:cNvPr id="119" name="Shape 119"/>
+        <p:cNvPr id="125" name="Shape 125"/>
         <p:cNvGrpSpPr/>
         <p:nvPr/>
       </p:nvGrpSpPr>
@@ -501,7 +502,7 @@
       </p:grpSpPr>
       <p:sp>
         <p:nvSpPr>
-          <p:cNvPr id="120" name="Shape 120"/>
+          <p:cNvPr id="126" name="Shape 126"/>
           <p:cNvSpPr/>
           <p:nvPr>
             <p:ph idx="2" type="sldImg"/>
@@ -535,7 +536,7 @@
       </p:sp>
       <p:sp>
         <p:nvSpPr>
-          <p:cNvPr id="121" name="Shape 121"/>
+          <p:cNvPr id="127" name="Shape 127"/>
           <p:cNvSpPr txBox="1"/>
           <p:nvPr>
             <p:ph idx="1" type="body"/>
@@ -582,7 +583,7 @@
   <p:cSld>
     <p:spTree>
       <p:nvGrpSpPr>
-        <p:cNvPr id="126" name="Shape 126"/>
+        <p:cNvPr id="132" name="Shape 132"/>
         <p:cNvGrpSpPr/>
         <p:nvPr/>
       </p:nvGrpSpPr>
@@ -596,7 +597,7 @@
       </p:grpSpPr>
       <p:sp>
         <p:nvSpPr>
-          <p:cNvPr id="127" name="Shape 127"/>
+          <p:cNvPr id="133" name="Shape 133"/>
           <p:cNvSpPr/>
           <p:nvPr>
             <p:ph idx="2" type="sldImg"/>
@@ -630,7 +631,102 @@
       </p:sp>
       <p:sp>
         <p:nvSpPr>
-          <p:cNvPr id="128" name="Shape 128"/>
+          <p:cNvPr id="134" name="Shape 134"/>
+          <p:cNvSpPr txBox="1"/>
+          <p:nvPr>
+            <p:ph idx="1" type="body"/>
+          </p:nvPr>
+        </p:nvSpPr>
+        <p:spPr>
+          <a:xfrm>
+            <a:off x="685800" y="4343400"/>
+            <a:ext cx="5486400" cy="4114800"/>
+          </a:xfrm>
+          <a:prstGeom prst="rect">
+            <a:avLst/>
+          </a:prstGeom>
+        </p:spPr>
+        <p:txBody>
+          <a:bodyPr anchorCtr="0" anchor="t" bIns="91425" lIns="91425" rIns="91425" tIns="91425">
+            <a:noAutofit/>
+          </a:bodyPr>
+          <a:lstStyle/>
+          <a:p>
+            <a:pPr lvl="0">
+              <a:spcBef>
+                <a:spcPts val="0"/>
+              </a:spcBef>
+              <a:buNone/>
+            </a:pPr>
+            <a:r>
+              <a:t/>
+            </a:r>
+            <a:endParaRPr/>
+          </a:p>
+        </p:txBody>
+      </p:sp>
+    </p:spTree>
+  </p:cSld>
+  <p:clrMapOvr>
+    <a:masterClrMapping/>
+  </p:clrMapOvr>
+</p:notes>
+</file>
+
+<file path=ppt/notesSlides/notesSlide12.xml><?xml version="1.0" encoding="utf-8"?>
+<p:notes xmlns:a="http://schemas.openxmlformats.org/drawingml/2006/main" xmlns:r="http://schemas.openxmlformats.org/officeDocument/2006/relationships" xmlns:mc="http://schemas.openxmlformats.org/markup-compatibility/2006" xmlns:mv="urn:schemas-microsoft-com:mac:vml" xmlns:p="http://schemas.openxmlformats.org/presentationml/2006/main" xmlns:c="http://schemas.openxmlformats.org/drawingml/2006/chart" xmlns:dgm="http://schemas.openxmlformats.org/drawingml/2006/diagram" xmlns:o="urn:schemas-microsoft-com:office:office" xmlns:v="urn:schemas-microsoft-com:vml" xmlns:pvml="urn:schemas-microsoft-com:office:powerpoint" xmlns:com="http://schemas.openxmlformats.org/drawingml/2006/compatibility" xmlns:p14="http://schemas.microsoft.com/office/powerpoint/2010/main" showMasterPhAnim="0" showMasterSp="0">
+  <p:cSld>
+    <p:spTree>
+      <p:nvGrpSpPr>
+        <p:cNvPr id="139" name="Shape 139"/>
+        <p:cNvGrpSpPr/>
+        <p:nvPr/>
+      </p:nvGrpSpPr>
+      <p:grpSpPr>
+        <a:xfrm>
+          <a:off x="0" y="0"/>
+          <a:ext cx="0" cy="0"/>
+          <a:chOff x="0" y="0"/>
+          <a:chExt cx="0" cy="0"/>
+        </a:xfrm>
+      </p:grpSpPr>
+      <p:sp>
+        <p:nvSpPr>
+          <p:cNvPr id="140" name="Shape 140"/>
+          <p:cNvSpPr/>
+          <p:nvPr>
+            <p:ph idx="2" type="sldImg"/>
+          </p:nvPr>
+        </p:nvSpPr>
+        <p:spPr>
+          <a:xfrm>
+            <a:off x="381300" y="685800"/>
+            <a:ext cx="6096000" cy="3429000"/>
+          </a:xfrm>
+          <a:custGeom>
+            <a:pathLst>
+              <a:path extrusionOk="0" h="120000" w="120000">
+                <a:moveTo>
+                  <a:pt x="0" y="0"/>
+                </a:moveTo>
+                <a:lnTo>
+                  <a:pt x="120000" y="0"/>
+                </a:lnTo>
+                <a:lnTo>
+                  <a:pt x="120000" y="120000"/>
+                </a:lnTo>
+                <a:lnTo>
+                  <a:pt x="0" y="120000"/>
+                </a:lnTo>
+                <a:close/>
+              </a:path>
+            </a:pathLst>
+          </a:custGeom>
+        </p:spPr>
+      </p:sp>
+      <p:sp>
+        <p:nvSpPr>
+          <p:cNvPr id="141" name="Shape 141"/>
           <p:cNvSpPr txBox="1"/>
           <p:nvPr>
             <p:ph idx="1" type="body"/>
@@ -772,7 +868,7 @@
   <p:cSld>
     <p:spTree>
       <p:nvGrpSpPr>
-        <p:cNvPr id="70" name="Shape 70"/>
+        <p:cNvPr id="71" name="Shape 71"/>
         <p:cNvGrpSpPr/>
         <p:nvPr/>
       </p:nvGrpSpPr>
@@ -786,7 +882,7 @@
       </p:grpSpPr>
       <p:sp>
         <p:nvSpPr>
-          <p:cNvPr id="71" name="Shape 71"/>
+          <p:cNvPr id="72" name="Shape 72"/>
           <p:cNvSpPr/>
           <p:nvPr>
             <p:ph idx="2" type="sldImg"/>
@@ -820,7 +916,7 @@
       </p:sp>
       <p:sp>
         <p:nvSpPr>
-          <p:cNvPr id="72" name="Shape 72"/>
+          <p:cNvPr id="73" name="Shape 73"/>
           <p:cNvSpPr txBox="1"/>
           <p:nvPr>
             <p:ph idx="1" type="body"/>
@@ -867,7 +963,7 @@
   <p:cSld>
     <p:spTree>
       <p:nvGrpSpPr>
-        <p:cNvPr id="78" name="Shape 78"/>
+        <p:cNvPr id="80" name="Shape 80"/>
         <p:cNvGrpSpPr/>
         <p:nvPr/>
       </p:nvGrpSpPr>
@@ -881,7 +977,7 @@
       </p:grpSpPr>
       <p:sp>
         <p:nvSpPr>
-          <p:cNvPr id="79" name="Shape 79"/>
+          <p:cNvPr id="81" name="Shape 81"/>
           <p:cNvSpPr/>
           <p:nvPr>
             <p:ph idx="2" type="sldImg"/>
@@ -915,7 +1011,7 @@
       </p:sp>
       <p:sp>
         <p:nvSpPr>
-          <p:cNvPr id="80" name="Shape 80"/>
+          <p:cNvPr id="82" name="Shape 82"/>
           <p:cNvSpPr txBox="1"/>
           <p:nvPr>
             <p:ph idx="1" type="body"/>
@@ -962,7 +1058,7 @@
   <p:cSld>
     <p:spTree>
       <p:nvGrpSpPr>
-        <p:cNvPr id="85" name="Shape 85"/>
+        <p:cNvPr id="88" name="Shape 88"/>
         <p:cNvGrpSpPr/>
         <p:nvPr/>
       </p:nvGrpSpPr>
@@ -976,7 +1072,7 @@
       </p:grpSpPr>
       <p:sp>
         <p:nvSpPr>
-          <p:cNvPr id="86" name="Shape 86"/>
+          <p:cNvPr id="89" name="Shape 89"/>
           <p:cNvSpPr/>
           <p:nvPr>
             <p:ph idx="2" type="sldImg"/>
@@ -1010,7 +1106,7 @@
       </p:sp>
       <p:sp>
         <p:nvSpPr>
-          <p:cNvPr id="87" name="Shape 87"/>
+          <p:cNvPr id="90" name="Shape 90"/>
           <p:cNvSpPr txBox="1"/>
           <p:nvPr>
             <p:ph idx="1" type="body"/>
@@ -1057,7 +1153,7 @@
   <p:cSld>
     <p:spTree>
       <p:nvGrpSpPr>
-        <p:cNvPr id="92" name="Shape 92"/>
+        <p:cNvPr id="97" name="Shape 97"/>
         <p:cNvGrpSpPr/>
         <p:nvPr/>
       </p:nvGrpSpPr>
@@ -1071,7 +1167,7 @@
       </p:grpSpPr>
       <p:sp>
         <p:nvSpPr>
-          <p:cNvPr id="93" name="Shape 93"/>
+          <p:cNvPr id="98" name="Shape 98"/>
           <p:cNvSpPr/>
           <p:nvPr>
             <p:ph idx="2" type="sldImg"/>
@@ -1105,7 +1201,7 @@
       </p:sp>
       <p:sp>
         <p:nvSpPr>
-          <p:cNvPr id="94" name="Shape 94"/>
+          <p:cNvPr id="99" name="Shape 99"/>
           <p:cNvSpPr txBox="1"/>
           <p:nvPr>
             <p:ph idx="1" type="body"/>
@@ -1152,7 +1248,7 @@
   <p:cSld>
     <p:spTree>
       <p:nvGrpSpPr>
-        <p:cNvPr id="98" name="Shape 98"/>
+        <p:cNvPr id="104" name="Shape 104"/>
         <p:cNvGrpSpPr/>
         <p:nvPr/>
       </p:nvGrpSpPr>
@@ -1166,7 +1262,7 @@
       </p:grpSpPr>
       <p:sp>
         <p:nvSpPr>
-          <p:cNvPr id="99" name="Shape 99"/>
+          <p:cNvPr id="105" name="Shape 105"/>
           <p:cNvSpPr/>
           <p:nvPr>
             <p:ph idx="2" type="sldImg"/>
@@ -1200,7 +1296,7 @@
       </p:sp>
       <p:sp>
         <p:nvSpPr>
-          <p:cNvPr id="100" name="Shape 100"/>
+          <p:cNvPr id="106" name="Shape 106"/>
           <p:cNvSpPr txBox="1"/>
           <p:nvPr>
             <p:ph idx="1" type="body"/>
@@ -1221,7 +1317,7 @@
           </a:bodyPr>
           <a:lstStyle/>
           <a:p>
-            <a:pPr lvl="0">
+            <a:pPr lvl="0" rtl="0">
               <a:spcBef>
                 <a:spcPts val="0"/>
               </a:spcBef>
@@ -1247,7 +1343,7 @@
   <p:cSld>
     <p:spTree>
       <p:nvGrpSpPr>
-        <p:cNvPr id="105" name="Shape 105"/>
+        <p:cNvPr id="111" name="Shape 111"/>
         <p:cNvGrpSpPr/>
         <p:nvPr/>
       </p:nvGrpSpPr>
@@ -1261,7 +1357,7 @@
       </p:grpSpPr>
       <p:sp>
         <p:nvSpPr>
-          <p:cNvPr id="106" name="Shape 106"/>
+          <p:cNvPr id="112" name="Shape 112"/>
           <p:cNvSpPr/>
           <p:nvPr>
             <p:ph idx="2" type="sldImg"/>
@@ -1295,7 +1391,7 @@
       </p:sp>
       <p:sp>
         <p:nvSpPr>
-          <p:cNvPr id="107" name="Shape 107"/>
+          <p:cNvPr id="113" name="Shape 113"/>
           <p:cNvSpPr txBox="1"/>
           <p:nvPr>
             <p:ph idx="1" type="body"/>
@@ -1342,7 +1438,7 @@
   <p:cSld>
     <p:spTree>
       <p:nvGrpSpPr>
-        <p:cNvPr id="112" name="Shape 112"/>
+        <p:cNvPr id="118" name="Shape 118"/>
         <p:cNvGrpSpPr/>
         <p:nvPr/>
       </p:nvGrpSpPr>
@@ -1356,7 +1452,7 @@
       </p:grpSpPr>
       <p:sp>
         <p:nvSpPr>
-          <p:cNvPr id="113" name="Shape 113"/>
+          <p:cNvPr id="119" name="Shape 119"/>
           <p:cNvSpPr/>
           <p:nvPr>
             <p:ph idx="2" type="sldImg"/>
@@ -1390,7 +1486,7 @@
       </p:sp>
       <p:sp>
         <p:nvSpPr>
-          <p:cNvPr id="114" name="Shape 114"/>
+          <p:cNvPr id="120" name="Shape 120"/>
           <p:cNvSpPr txBox="1"/>
           <p:nvPr>
             <p:ph idx="1" type="body"/>
@@ -5134,7 +5230,7 @@
           </a:bodyPr>
           <a:lstStyle/>
           <a:p>
-            <a:pPr indent="457200" lvl="0" marL="1828800" algn="l">
+            <a:pPr indent="0" lvl="0" marL="0">
               <a:spcBef>
                 <a:spcPts val="0"/>
               </a:spcBef>
@@ -5157,8 +5253,8 @@
         </p:nvSpPr>
         <p:spPr>
           <a:xfrm>
-            <a:off x="671250" y="3174875"/>
-            <a:ext cx="7801500" cy="792600"/>
+            <a:off x="671250" y="3174874"/>
+            <a:ext cx="7801500" cy="1317000"/>
           </a:xfrm>
           <a:prstGeom prst="rect">
             <a:avLst/>
@@ -5185,6 +5281,18 @@
               </a:rPr>
               <a:t>www.notifree.ml</a:t>
             </a:r>
+          </a:p>
+          <a:p>
+            <a:pPr lvl="0">
+              <a:spcBef>
+                <a:spcPts val="0"/>
+              </a:spcBef>
+              <a:buNone/>
+            </a:pPr>
+            <a:r>
+              <a:t/>
+            </a:r>
+            <a:endParaRPr/>
           </a:p>
           <a:p>
             <a:pPr lvl="0">
@@ -5216,7 +5324,7 @@
         </p:blipFill>
         <p:spPr>
           <a:xfrm>
-            <a:off x="5455100" y="1136126"/>
+            <a:off x="6557525" y="273851"/>
             <a:ext cx="2168624" cy="1536724"/>
           </a:xfrm>
           <a:prstGeom prst="rect">
@@ -5281,7 +5389,7 @@
   <p:cSld>
     <p:spTree>
       <p:nvGrpSpPr>
-        <p:cNvPr id="122" name="Shape 122"/>
+        <p:cNvPr id="128" name="Shape 128"/>
         <p:cNvGrpSpPr/>
         <p:nvPr/>
       </p:nvGrpSpPr>
@@ -5295,7 +5403,7 @@
       </p:grpSpPr>
       <p:sp>
         <p:nvSpPr>
-          <p:cNvPr id="123" name="Shape 123"/>
+          <p:cNvPr id="129" name="Shape 129"/>
           <p:cNvSpPr txBox="1"/>
           <p:nvPr>
             <p:ph type="title"/>
@@ -5331,7 +5439,7 @@
       </p:sp>
       <p:sp>
         <p:nvSpPr>
-          <p:cNvPr id="124" name="Shape 124"/>
+          <p:cNvPr id="130" name="Shape 130"/>
           <p:cNvSpPr txBox="1"/>
           <p:nvPr>
             <p:ph idx="1" type="body"/>
@@ -5367,7 +5475,7 @@
       </p:sp>
       <p:pic>
         <p:nvPicPr>
-          <p:cNvPr descr="upload2.png" id="125" name="Shape 125"/>
+          <p:cNvPr descr="upload3.png" id="131" name="Shape 131"/>
           <p:cNvPicPr preferRelativeResize="0"/>
           <p:nvPr/>
         </p:nvPicPr>
@@ -5381,8 +5489,8 @@
         </p:blipFill>
         <p:spPr>
           <a:xfrm>
-            <a:off x="0" y="1042"/>
-            <a:ext cx="9144001" cy="5141416"/>
+            <a:off x="0" y="16526"/>
+            <a:ext cx="9143998" cy="5110446"/>
           </a:xfrm>
           <a:prstGeom prst="rect">
             <a:avLst/>
@@ -5406,7 +5514,7 @@
   <p:cSld>
     <p:spTree>
       <p:nvGrpSpPr>
-        <p:cNvPr id="129" name="Shape 129"/>
+        <p:cNvPr id="135" name="Shape 135"/>
         <p:cNvGrpSpPr/>
         <p:nvPr/>
       </p:nvGrpSpPr>
@@ -5420,7 +5528,7 @@
       </p:grpSpPr>
       <p:sp>
         <p:nvSpPr>
-          <p:cNvPr id="130" name="Shape 130"/>
+          <p:cNvPr id="136" name="Shape 136"/>
           <p:cNvSpPr txBox="1"/>
           <p:nvPr>
             <p:ph type="title"/>
@@ -5456,7 +5564,7 @@
       </p:sp>
       <p:sp>
         <p:nvSpPr>
-          <p:cNvPr id="131" name="Shape 131"/>
+          <p:cNvPr id="137" name="Shape 137"/>
           <p:cNvSpPr txBox="1"/>
           <p:nvPr>
             <p:ph idx="1" type="body"/>
@@ -5492,7 +5600,132 @@
       </p:sp>
       <p:pic>
         <p:nvPicPr>
-          <p:cNvPr descr="upload6.png" id="132" name="Shape 132"/>
+          <p:cNvPr descr="upload2.png" id="138" name="Shape 138"/>
+          <p:cNvPicPr preferRelativeResize="0"/>
+          <p:nvPr/>
+        </p:nvPicPr>
+        <p:blipFill>
+          <a:blip r:embed="rId3">
+            <a:alphaModFix/>
+          </a:blip>
+          <a:stretch>
+            <a:fillRect/>
+          </a:stretch>
+        </p:blipFill>
+        <p:spPr>
+          <a:xfrm>
+            <a:off x="0" y="1042"/>
+            <a:ext cx="9144001" cy="5141416"/>
+          </a:xfrm>
+          <a:prstGeom prst="rect">
+            <a:avLst/>
+          </a:prstGeom>
+          <a:noFill/>
+          <a:ln>
+            <a:noFill/>
+          </a:ln>
+        </p:spPr>
+      </p:pic>
+    </p:spTree>
+  </p:cSld>
+  <p:clrMapOvr>
+    <a:masterClrMapping/>
+  </p:clrMapOvr>
+</p:sld>
+</file>
+
+<file path=ppt/slides/slide12.xml><?xml version="1.0" encoding="utf-8"?>
+<p:sld xmlns:a="http://schemas.openxmlformats.org/drawingml/2006/main" xmlns:r="http://schemas.openxmlformats.org/officeDocument/2006/relationships" xmlns:mc="http://schemas.openxmlformats.org/markup-compatibility/2006" xmlns:mv="urn:schemas-microsoft-com:mac:vml" xmlns:p="http://schemas.openxmlformats.org/presentationml/2006/main" xmlns:c="http://schemas.openxmlformats.org/drawingml/2006/chart" xmlns:dgm="http://schemas.openxmlformats.org/drawingml/2006/diagram" xmlns:o="urn:schemas-microsoft-com:office:office" xmlns:v="urn:schemas-microsoft-com:vml" xmlns:pvml="urn:schemas-microsoft-com:office:powerpoint" xmlns:com="http://schemas.openxmlformats.org/drawingml/2006/compatibility" xmlns:p14="http://schemas.microsoft.com/office/powerpoint/2010/main">
+  <p:cSld>
+    <p:spTree>
+      <p:nvGrpSpPr>
+        <p:cNvPr id="142" name="Shape 142"/>
+        <p:cNvGrpSpPr/>
+        <p:nvPr/>
+      </p:nvGrpSpPr>
+      <p:grpSpPr>
+        <a:xfrm>
+          <a:off x="0" y="0"/>
+          <a:ext cx="0" cy="0"/>
+          <a:chOff x="0" y="0"/>
+          <a:chExt cx="0" cy="0"/>
+        </a:xfrm>
+      </p:grpSpPr>
+      <p:sp>
+        <p:nvSpPr>
+          <p:cNvPr id="143" name="Shape 143"/>
+          <p:cNvSpPr txBox="1"/>
+          <p:nvPr>
+            <p:ph type="title"/>
+          </p:nvPr>
+        </p:nvSpPr>
+        <p:spPr>
+          <a:xfrm>
+            <a:off x="311700" y="445025"/>
+            <a:ext cx="8520600" cy="572700"/>
+          </a:xfrm>
+          <a:prstGeom prst="rect">
+            <a:avLst/>
+          </a:prstGeom>
+        </p:spPr>
+        <p:txBody>
+          <a:bodyPr anchorCtr="0" anchor="t" bIns="91425" lIns="91425" rIns="91425" tIns="91425">
+            <a:noAutofit/>
+          </a:bodyPr>
+          <a:lstStyle/>
+          <a:p>
+            <a:pPr lvl="0">
+              <a:spcBef>
+                <a:spcPts val="0"/>
+              </a:spcBef>
+              <a:buNone/>
+            </a:pPr>
+            <a:r>
+              <a:t/>
+            </a:r>
+            <a:endParaRPr/>
+          </a:p>
+        </p:txBody>
+      </p:sp>
+      <p:sp>
+        <p:nvSpPr>
+          <p:cNvPr id="144" name="Shape 144"/>
+          <p:cNvSpPr txBox="1"/>
+          <p:nvPr>
+            <p:ph idx="1" type="body"/>
+          </p:nvPr>
+        </p:nvSpPr>
+        <p:spPr>
+          <a:xfrm>
+            <a:off x="311700" y="1152475"/>
+            <a:ext cx="8520600" cy="3416400"/>
+          </a:xfrm>
+          <a:prstGeom prst="rect">
+            <a:avLst/>
+          </a:prstGeom>
+        </p:spPr>
+        <p:txBody>
+          <a:bodyPr anchorCtr="0" anchor="t" bIns="91425" lIns="91425" rIns="91425" tIns="91425">
+            <a:noAutofit/>
+          </a:bodyPr>
+          <a:lstStyle/>
+          <a:p>
+            <a:pPr lvl="0">
+              <a:spcBef>
+                <a:spcPts val="0"/>
+              </a:spcBef>
+              <a:buNone/>
+            </a:pPr>
+            <a:r>
+              <a:t/>
+            </a:r>
+            <a:endParaRPr/>
+          </a:p>
+        </p:txBody>
+      </p:sp>
+      <p:pic>
+        <p:nvPicPr>
+          <p:cNvPr descr="upload6.png" id="145" name="Shape 145"/>
           <p:cNvPicPr preferRelativeResize="0"/>
           <p:nvPr/>
         </p:nvPicPr>
@@ -5589,7 +5822,7 @@
         </p:nvSpPr>
         <p:spPr>
           <a:xfrm>
-            <a:off x="311700" y="1152475"/>
+            <a:off x="311700" y="1402500"/>
             <a:ext cx="8520600" cy="3416400"/>
           </a:xfrm>
           <a:prstGeom prst="rect">
@@ -5602,35 +5835,38 @@
           </a:bodyPr>
           <a:lstStyle/>
           <a:p>
-            <a:pPr indent="-228600" lvl="0" marL="457200" rtl="0" algn="just">
-              <a:spcBef>
-                <a:spcPts val="0"/>
-              </a:spcBef>
+            <a:pPr indent="-381000" lvl="0" marL="457200" rtl="0" algn="just">
+              <a:spcBef>
+                <a:spcPts val="0"/>
+              </a:spcBef>
+              <a:buSzPct val="100000"/>
             </a:pPr>
             <a:r>
-              <a:rPr lang="en"/>
-              <a:t>It is a search engine</a:t>
+              <a:rPr lang="en" sz="2400"/>
+              <a:t>Search engine for free items in your area</a:t>
             </a:r>
           </a:p>
           <a:p>
-            <a:pPr indent="-228600" lvl="0" marL="457200" rtl="0" algn="just">
-              <a:spcBef>
-                <a:spcPts val="0"/>
-              </a:spcBef>
+            <a:pPr indent="-381000" lvl="0" marL="457200" rtl="0" algn="just">
+              <a:spcBef>
+                <a:spcPts val="0"/>
+              </a:spcBef>
+              <a:buSzPct val="100000"/>
             </a:pPr>
             <a:r>
-              <a:rPr lang="en"/>
+              <a:rPr lang="en" sz="2400"/>
               <a:t>It pulls together results from different sites</a:t>
             </a:r>
           </a:p>
           <a:p>
-            <a:pPr indent="-228600" lvl="0" marL="457200" rtl="0" algn="just">
-              <a:spcBef>
-                <a:spcPts val="0"/>
-              </a:spcBef>
+            <a:pPr indent="-381000" lvl="0" marL="457200" rtl="0" algn="just">
+              <a:spcBef>
+                <a:spcPts val="0"/>
+              </a:spcBef>
+              <a:buSzPct val="100000"/>
             </a:pPr>
             <a:r>
-              <a:rPr lang="en"/>
+              <a:rPr lang="en" sz="2400"/>
               <a:t>Sends notifications to user</a:t>
             </a:r>
           </a:p>
@@ -5676,6 +5912,34 @@
           </a:p>
         </p:txBody>
       </p:sp>
+      <p:pic>
+        <p:nvPicPr>
+          <p:cNvPr descr="ntfr-logo.png" id="70" name="Shape 70"/>
+          <p:cNvPicPr preferRelativeResize="0"/>
+          <p:nvPr/>
+        </p:nvPicPr>
+        <p:blipFill>
+          <a:blip r:embed="rId3">
+            <a:alphaModFix/>
+          </a:blip>
+          <a:stretch>
+            <a:fillRect/>
+          </a:stretch>
+        </p:blipFill>
+        <p:spPr>
+          <a:xfrm>
+            <a:off x="6557525" y="273851"/>
+            <a:ext cx="2168624" cy="1536724"/>
+          </a:xfrm>
+          <a:prstGeom prst="rect">
+            <a:avLst/>
+          </a:prstGeom>
+          <a:noFill/>
+          <a:ln>
+            <a:noFill/>
+          </a:ln>
+        </p:spPr>
+      </p:pic>
     </p:spTree>
   </p:cSld>
   <p:clrMapOvr>
@@ -5689,7 +5953,7 @@
   <p:cSld>
     <p:spTree>
       <p:nvGrpSpPr>
-        <p:cNvPr id="73" name="Shape 73"/>
+        <p:cNvPr id="74" name="Shape 74"/>
         <p:cNvGrpSpPr/>
         <p:nvPr/>
       </p:nvGrpSpPr>
@@ -5703,7 +5967,7 @@
       </p:grpSpPr>
       <p:sp>
         <p:nvSpPr>
-          <p:cNvPr id="74" name="Shape 74"/>
+          <p:cNvPr id="75" name="Shape 75"/>
           <p:cNvSpPr txBox="1"/>
           <p:nvPr>
             <p:ph type="title"/>
@@ -5739,7 +6003,7 @@
       </p:sp>
       <p:sp>
         <p:nvSpPr>
-          <p:cNvPr id="75" name="Shape 75"/>
+          <p:cNvPr id="76" name="Shape 76"/>
           <p:cNvSpPr txBox="1"/>
           <p:nvPr>
             <p:ph idx="1" type="body"/>
@@ -5747,7 +6011,7 @@
         </p:nvSpPr>
         <p:spPr>
           <a:xfrm>
-            <a:off x="311700" y="1152475"/>
+            <a:off x="311700" y="1402500"/>
             <a:ext cx="8520600" cy="3416400"/>
           </a:xfrm>
           <a:prstGeom prst="rect">
@@ -5760,32 +6024,34 @@
           </a:bodyPr>
           <a:lstStyle/>
           <a:p>
-            <a:pPr indent="-228600" lvl="0" marL="457200" rtl="0" algn="just">
-              <a:spcBef>
-                <a:spcPts val="0"/>
-              </a:spcBef>
+            <a:pPr indent="-381000" lvl="0" marL="457200" rtl="0" algn="just">
+              <a:spcBef>
+                <a:spcPts val="0"/>
+              </a:spcBef>
+              <a:buSzPct val="100000"/>
             </a:pPr>
             <a:r>
-              <a:rPr lang="en"/>
-              <a:t>It saves the trouble of searching through multiple sites</a:t>
+              <a:rPr lang="en" sz="2400"/>
+              <a:t>No need to search multiple sites</a:t>
             </a:r>
           </a:p>
           <a:p>
-            <a:pPr indent="-228600" lvl="0" marL="457200" rtl="0" algn="just">
-              <a:spcBef>
-                <a:spcPts val="0"/>
-              </a:spcBef>
+            <a:pPr indent="-381000" lvl="0" marL="457200" rtl="0" algn="just">
+              <a:spcBef>
+                <a:spcPts val="0"/>
+              </a:spcBef>
+              <a:buSzPct val="100000"/>
             </a:pPr>
             <a:r>
-              <a:rPr lang="en"/>
-              <a:t>The user doesn’t have to be constantly checking the site for new items</a:t>
+              <a:rPr lang="en" sz="2400"/>
+              <a:t>No need to constantly check for items you want</a:t>
             </a:r>
           </a:p>
         </p:txBody>
       </p:sp>
       <p:pic>
         <p:nvPicPr>
-          <p:cNvPr descr="Screen Shot 2016-08-11 at 15.06.01.png" id="76" name="Shape 76"/>
+          <p:cNvPr descr="Screen Shot 2016-08-11 at 15.06.01.png" id="77" name="Shape 77"/>
           <p:cNvPicPr preferRelativeResize="0"/>
           <p:nvPr/>
         </p:nvPicPr>
@@ -5799,7 +6065,7 @@
         </p:blipFill>
         <p:spPr>
           <a:xfrm>
-            <a:off x="776275" y="2530525"/>
+            <a:off x="776287" y="2831325"/>
             <a:ext cx="7591425" cy="2038350"/>
           </a:xfrm>
           <a:prstGeom prst="rect">
@@ -5813,7 +6079,7 @@
       </p:pic>
       <p:sp>
         <p:nvSpPr>
-          <p:cNvPr id="77" name="Shape 77"/>
+          <p:cNvPr id="78" name="Shape 78"/>
           <p:cNvSpPr/>
           <p:nvPr/>
         </p:nvSpPr>
@@ -5851,6 +6117,34 @@
           </a:p>
         </p:txBody>
       </p:sp>
+      <p:pic>
+        <p:nvPicPr>
+          <p:cNvPr descr="ntfr-logo.png" id="79" name="Shape 79"/>
+          <p:cNvPicPr preferRelativeResize="0"/>
+          <p:nvPr/>
+        </p:nvPicPr>
+        <p:blipFill>
+          <a:blip r:embed="rId4">
+            <a:alphaModFix/>
+          </a:blip>
+          <a:stretch>
+            <a:fillRect/>
+          </a:stretch>
+        </p:blipFill>
+        <p:spPr>
+          <a:xfrm>
+            <a:off x="6557525" y="273851"/>
+            <a:ext cx="2168624" cy="1536724"/>
+          </a:xfrm>
+          <a:prstGeom prst="rect">
+            <a:avLst/>
+          </a:prstGeom>
+          <a:noFill/>
+          <a:ln>
+            <a:noFill/>
+          </a:ln>
+        </p:spPr>
+      </p:pic>
     </p:spTree>
   </p:cSld>
   <p:clrMapOvr>
@@ -5864,7 +6158,7 @@
   <p:cSld>
     <p:spTree>
       <p:nvGrpSpPr>
-        <p:cNvPr id="81" name="Shape 81"/>
+        <p:cNvPr id="83" name="Shape 83"/>
         <p:cNvGrpSpPr/>
         <p:nvPr/>
       </p:nvGrpSpPr>
@@ -5878,7 +6172,103 @@
       </p:grpSpPr>
       <p:sp>
         <p:nvSpPr>
-          <p:cNvPr id="82" name="Shape 82"/>
+          <p:cNvPr id="84" name="Shape 84"/>
+          <p:cNvSpPr txBox="1"/>
+          <p:nvPr>
+            <p:ph idx="1" type="body"/>
+          </p:nvPr>
+        </p:nvSpPr>
+        <p:spPr>
+          <a:xfrm>
+            <a:off x="311700" y="1402500"/>
+            <a:ext cx="8520600" cy="3416400"/>
+          </a:xfrm>
+          <a:prstGeom prst="rect">
+            <a:avLst/>
+          </a:prstGeom>
+        </p:spPr>
+        <p:txBody>
+          <a:bodyPr anchorCtr="0" anchor="t" bIns="91425" lIns="91425" rIns="91425" tIns="91425">
+            <a:noAutofit/>
+          </a:bodyPr>
+          <a:lstStyle/>
+          <a:p>
+            <a:pPr lvl="0" rtl="0" algn="just">
+              <a:spcBef>
+                <a:spcPts val="0"/>
+              </a:spcBef>
+              <a:buNone/>
+            </a:pPr>
+            <a:r>
+              <a:rPr lang="en" sz="2400"/>
+              <a:t>Targeted towards someone who:</a:t>
+            </a:r>
+          </a:p>
+          <a:p>
+            <a:pPr indent="-381000" lvl="0" marL="457200" rtl="0" algn="just">
+              <a:spcBef>
+                <a:spcPts val="0"/>
+              </a:spcBef>
+              <a:buSzPct val="100000"/>
+            </a:pPr>
+            <a:r>
+              <a:rPr lang="en" sz="2400"/>
+              <a:t>has just moved into a new home</a:t>
+            </a:r>
+          </a:p>
+          <a:p>
+            <a:pPr indent="-381000" lvl="0" marL="457200" rtl="0" algn="just">
+              <a:spcBef>
+                <a:spcPts val="0"/>
+              </a:spcBef>
+              <a:buSzPct val="100000"/>
+            </a:pPr>
+            <a:r>
+              <a:rPr lang="en" sz="2400"/>
+              <a:t>is struggling for money</a:t>
+            </a:r>
+          </a:p>
+          <a:p>
+            <a:pPr lvl="0" rtl="0" algn="just">
+              <a:spcBef>
+                <a:spcPts val="0"/>
+              </a:spcBef>
+              <a:buNone/>
+            </a:pPr>
+            <a:r>
+              <a:rPr lang="en" sz="2400"/>
+              <a:t>Who would want:</a:t>
+            </a:r>
+          </a:p>
+          <a:p>
+            <a:pPr indent="-381000" lvl="0" marL="457200" rtl="0" algn="just">
+              <a:spcBef>
+                <a:spcPts val="0"/>
+              </a:spcBef>
+              <a:buSzPct val="100000"/>
+            </a:pPr>
+            <a:r>
+              <a:rPr lang="en" sz="2400"/>
+              <a:t>Quick and easy access</a:t>
+            </a:r>
+          </a:p>
+          <a:p>
+            <a:pPr indent="-381000" lvl="0" marL="457200" rtl="0" algn="just">
+              <a:spcBef>
+                <a:spcPts val="0"/>
+              </a:spcBef>
+              <a:buSzPct val="100000"/>
+            </a:pPr>
+            <a:r>
+              <a:rPr lang="en" sz="2400"/>
+              <a:t>Not to be bombarded with notifications</a:t>
+            </a:r>
+          </a:p>
+        </p:txBody>
+      </p:sp>
+      <p:sp>
+        <p:nvSpPr>
+          <p:cNvPr id="85" name="Shape 85"/>
           <p:cNvSpPr txBox="1"/>
           <p:nvPr>
             <p:ph type="title"/>
@@ -5914,77 +6304,7 @@
       </p:sp>
       <p:sp>
         <p:nvSpPr>
-          <p:cNvPr id="83" name="Shape 83"/>
-          <p:cNvSpPr txBox="1"/>
-          <p:nvPr>
-            <p:ph idx="1" type="body"/>
-          </p:nvPr>
-        </p:nvSpPr>
-        <p:spPr>
-          <a:xfrm>
-            <a:off x="311700" y="1152475"/>
-            <a:ext cx="8520600" cy="3416400"/>
-          </a:xfrm>
-          <a:prstGeom prst="rect">
-            <a:avLst/>
-          </a:prstGeom>
-        </p:spPr>
-        <p:txBody>
-          <a:bodyPr anchorCtr="0" anchor="t" bIns="91425" lIns="91425" rIns="91425" tIns="91425">
-            <a:noAutofit/>
-          </a:bodyPr>
-          <a:lstStyle/>
-          <a:p>
-            <a:pPr lvl="0" rtl="0" algn="just">
-              <a:spcBef>
-                <a:spcPts val="0"/>
-              </a:spcBef>
-              <a:buNone/>
-            </a:pPr>
-            <a:r>
-              <a:rPr lang="en"/>
-              <a:t>Targeted towards someone who:</a:t>
-            </a:r>
-          </a:p>
-          <a:p>
-            <a:pPr indent="-228600" lvl="0" marL="457200" rtl="0" algn="just">
-              <a:spcBef>
-                <a:spcPts val="0"/>
-              </a:spcBef>
-            </a:pPr>
-            <a:r>
-              <a:rPr lang="en"/>
-              <a:t>has just moved into a new home</a:t>
-            </a:r>
-          </a:p>
-          <a:p>
-            <a:pPr indent="-228600" lvl="0" marL="457200" rtl="0" algn="just">
-              <a:spcBef>
-                <a:spcPts val="0"/>
-              </a:spcBef>
-            </a:pPr>
-            <a:r>
-              <a:rPr lang="en"/>
-              <a:t>is struggling for money</a:t>
-            </a:r>
-          </a:p>
-          <a:p>
-            <a:pPr lvl="0" rtl="0" algn="just">
-              <a:spcBef>
-                <a:spcPts val="0"/>
-              </a:spcBef>
-              <a:buNone/>
-            </a:pPr>
-            <a:r>
-              <a:rPr lang="en"/>
-              <a:t>They would want quick and easy access, but they wouldn’t want to enter too many details or receive too many notifications.</a:t>
-            </a:r>
-          </a:p>
-        </p:txBody>
-      </p:sp>
-      <p:sp>
-        <p:nvSpPr>
-          <p:cNvPr id="84" name="Shape 84"/>
+          <p:cNvPr id="86" name="Shape 86"/>
           <p:cNvSpPr/>
           <p:nvPr/>
         </p:nvSpPr>
@@ -6022,6 +6342,34 @@
           </a:p>
         </p:txBody>
       </p:sp>
+      <p:pic>
+        <p:nvPicPr>
+          <p:cNvPr descr="ntfr-logo.png" id="87" name="Shape 87"/>
+          <p:cNvPicPr preferRelativeResize="0"/>
+          <p:nvPr/>
+        </p:nvPicPr>
+        <p:blipFill>
+          <a:blip r:embed="rId3">
+            <a:alphaModFix/>
+          </a:blip>
+          <a:stretch>
+            <a:fillRect/>
+          </a:stretch>
+        </p:blipFill>
+        <p:spPr>
+          <a:xfrm>
+            <a:off x="6557525" y="273851"/>
+            <a:ext cx="2168624" cy="1536724"/>
+          </a:xfrm>
+          <a:prstGeom prst="rect">
+            <a:avLst/>
+          </a:prstGeom>
+          <a:noFill/>
+          <a:ln>
+            <a:noFill/>
+          </a:ln>
+        </p:spPr>
+      </p:pic>
     </p:spTree>
   </p:cSld>
   <p:clrMapOvr>
@@ -6035,7 +6383,7 @@
   <p:cSld>
     <p:spTree>
       <p:nvGrpSpPr>
-        <p:cNvPr id="88" name="Shape 88"/>
+        <p:cNvPr id="91" name="Shape 91"/>
         <p:cNvGrpSpPr/>
         <p:nvPr/>
       </p:nvGrpSpPr>
@@ -6049,7 +6397,7 @@
       </p:grpSpPr>
       <p:sp>
         <p:nvSpPr>
-          <p:cNvPr id="89" name="Shape 89"/>
+          <p:cNvPr id="92" name="Shape 92"/>
           <p:cNvSpPr txBox="1"/>
           <p:nvPr>
             <p:ph type="title"/>
@@ -6085,7 +6433,7 @@
       </p:sp>
       <p:sp>
         <p:nvSpPr>
-          <p:cNvPr id="90" name="Shape 90"/>
+          <p:cNvPr id="93" name="Shape 93"/>
           <p:cNvSpPr txBox="1"/>
           <p:nvPr>
             <p:ph idx="1" type="body"/>
@@ -6093,8 +6441,8 @@
         </p:nvSpPr>
         <p:spPr>
           <a:xfrm>
-            <a:off x="311700" y="1152475"/>
-            <a:ext cx="8520600" cy="3416400"/>
+            <a:off x="311700" y="1402500"/>
+            <a:ext cx="3959400" cy="3416400"/>
           </a:xfrm>
           <a:prstGeom prst="rect">
             <a:avLst/>
@@ -6113,70 +6461,55 @@
               <a:buNone/>
             </a:pPr>
             <a:r>
-              <a:rPr lang="en"/>
-              <a:t>Languages we used:</a:t>
+              <a:rPr lang="en" sz="2400" u="sng"/>
+              <a:t>Frontend</a:t>
+            </a:r>
+            <a:r>
+              <a:rPr lang="en" sz="2400"/>
+              <a:t>:</a:t>
             </a:r>
           </a:p>
           <a:p>
-            <a:pPr indent="-228600" lvl="0" marL="457200" rtl="0" algn="just">
-              <a:spcBef>
-                <a:spcPts val="0"/>
-              </a:spcBef>
+            <a:pPr indent="-381000" lvl="0" marL="457200" rtl="0" algn="just">
+              <a:spcBef>
+                <a:spcPts val="0"/>
+              </a:spcBef>
+              <a:buSzPct val="100000"/>
             </a:pPr>
             <a:r>
-              <a:rPr lang="en"/>
+              <a:rPr lang="en" sz="2400"/>
               <a:t>HTML</a:t>
             </a:r>
           </a:p>
           <a:p>
-            <a:pPr indent="-228600" lvl="0" marL="457200" rtl="0" algn="just">
-              <a:spcBef>
-                <a:spcPts val="0"/>
-              </a:spcBef>
+            <a:pPr indent="-381000" lvl="0" marL="457200" rtl="0" algn="just">
+              <a:spcBef>
+                <a:spcPts val="0"/>
+              </a:spcBef>
+              <a:buSzPct val="100000"/>
             </a:pPr>
             <a:r>
-              <a:rPr lang="en"/>
-              <a:t>PHP</a:t>
+              <a:rPr lang="en" sz="2400"/>
+              <a:t>CSS3</a:t>
             </a:r>
           </a:p>
           <a:p>
-            <a:pPr indent="-228600" lvl="0" marL="457200" rtl="0" algn="just">
-              <a:spcBef>
-                <a:spcPts val="0"/>
-              </a:spcBef>
+            <a:pPr indent="-381000" lvl="0" marL="457200" rtl="0" algn="just">
+              <a:spcBef>
+                <a:spcPts val="0"/>
+              </a:spcBef>
+              <a:buSzPct val="100000"/>
             </a:pPr>
             <a:r>
-              <a:rPr lang="en"/>
+              <a:rPr lang="en" sz="2400"/>
               <a:t>Javascript</a:t>
             </a:r>
           </a:p>
-          <a:p>
-            <a:pPr indent="-228600" lvl="0" marL="457200" rtl="0" algn="just">
-              <a:spcBef>
-                <a:spcPts val="0"/>
-              </a:spcBef>
-            </a:pPr>
-            <a:r>
-              <a:rPr lang="en"/>
-              <a:t>Python</a:t>
-            </a:r>
-          </a:p>
-          <a:p>
-            <a:pPr indent="-228600" lvl="0" marL="457200" rtl="0" algn="just">
-              <a:spcBef>
-                <a:spcPts val="0"/>
-              </a:spcBef>
-            </a:pPr>
-            <a:r>
-              <a:rPr lang="en"/>
-              <a:t>CSS3</a:t>
-            </a:r>
-          </a:p>
         </p:txBody>
       </p:sp>
       <p:sp>
         <p:nvSpPr>
-          <p:cNvPr id="91" name="Shape 91"/>
+          <p:cNvPr id="94" name="Shape 94"/>
           <p:cNvSpPr/>
           <p:nvPr/>
         </p:nvSpPr>
@@ -6214,6 +6547,110 @@
           </a:p>
         </p:txBody>
       </p:sp>
+      <p:sp>
+        <p:nvSpPr>
+          <p:cNvPr id="95" name="Shape 95"/>
+          <p:cNvSpPr txBox="1"/>
+          <p:nvPr>
+            <p:ph idx="1" type="body"/>
+          </p:nvPr>
+        </p:nvSpPr>
+        <p:spPr>
+          <a:xfrm>
+            <a:off x="4829750" y="1402487"/>
+            <a:ext cx="3959400" cy="3416400"/>
+          </a:xfrm>
+          <a:prstGeom prst="rect">
+            <a:avLst/>
+          </a:prstGeom>
+        </p:spPr>
+        <p:txBody>
+          <a:bodyPr anchorCtr="0" anchor="t" bIns="91425" lIns="91425" rIns="91425" tIns="91425">
+            <a:noAutofit/>
+          </a:bodyPr>
+          <a:lstStyle/>
+          <a:p>
+            <a:pPr lvl="0" rtl="0" algn="just">
+              <a:spcBef>
+                <a:spcPts val="0"/>
+              </a:spcBef>
+              <a:buNone/>
+            </a:pPr>
+            <a:r>
+              <a:rPr lang="en" sz="2400" u="sng"/>
+              <a:t>Backend</a:t>
+            </a:r>
+            <a:r>
+              <a:rPr lang="en" sz="2400"/>
+              <a:t>:</a:t>
+            </a:r>
+          </a:p>
+          <a:p>
+            <a:pPr indent="-381000" lvl="0" marL="457200" rtl="0" algn="just">
+              <a:spcBef>
+                <a:spcPts val="0"/>
+              </a:spcBef>
+              <a:buSzPct val="100000"/>
+            </a:pPr>
+            <a:r>
+              <a:rPr lang="en" sz="2400"/>
+              <a:t>PHP for accounts</a:t>
+            </a:r>
+          </a:p>
+          <a:p>
+            <a:pPr indent="-381000" lvl="0" marL="457200" rtl="0" algn="just">
+              <a:spcBef>
+                <a:spcPts val="0"/>
+              </a:spcBef>
+              <a:buSzPct val="100000"/>
+            </a:pPr>
+            <a:r>
+              <a:rPr lang="en" sz="2400"/>
+              <a:t>Python for getting results</a:t>
+            </a:r>
+          </a:p>
+          <a:p>
+            <a:pPr indent="-381000" lvl="0" marL="457200" rtl="0" algn="just">
+              <a:spcBef>
+                <a:spcPts val="0"/>
+              </a:spcBef>
+              <a:buSzPct val="100000"/>
+            </a:pPr>
+            <a:r>
+              <a:rPr lang="en" sz="2400"/>
+              <a:t>Postfix for mail server</a:t>
+            </a:r>
+          </a:p>
+        </p:txBody>
+      </p:sp>
+      <p:pic>
+        <p:nvPicPr>
+          <p:cNvPr descr="ntfr-logo.png" id="96" name="Shape 96"/>
+          <p:cNvPicPr preferRelativeResize="0"/>
+          <p:nvPr/>
+        </p:nvPicPr>
+        <p:blipFill>
+          <a:blip r:embed="rId3">
+            <a:alphaModFix/>
+          </a:blip>
+          <a:stretch>
+            <a:fillRect/>
+          </a:stretch>
+        </p:blipFill>
+        <p:spPr>
+          <a:xfrm>
+            <a:off x="6557525" y="273851"/>
+            <a:ext cx="2168624" cy="1536724"/>
+          </a:xfrm>
+          <a:prstGeom prst="rect">
+            <a:avLst/>
+          </a:prstGeom>
+          <a:noFill/>
+          <a:ln>
+            <a:noFill/>
+          </a:ln>
+        </p:spPr>
+      </p:pic>
     </p:spTree>
   </p:cSld>
   <p:clrMapOvr>
@@ -6227,7 +6664,7 @@
   <p:cSld>
     <p:spTree>
       <p:nvGrpSpPr>
-        <p:cNvPr id="95" name="Shape 95"/>
+        <p:cNvPr id="100" name="Shape 100"/>
         <p:cNvGrpSpPr/>
         <p:nvPr/>
       </p:nvGrpSpPr>
@@ -6241,7 +6678,7 @@
       </p:grpSpPr>
       <p:sp>
         <p:nvSpPr>
-          <p:cNvPr id="96" name="Shape 96"/>
+          <p:cNvPr id="101" name="Shape 101"/>
           <p:cNvSpPr txBox="1"/>
           <p:nvPr>
             <p:ph type="title"/>
@@ -6277,7 +6714,7 @@
       </p:sp>
       <p:sp>
         <p:nvSpPr>
-          <p:cNvPr id="97" name="Shape 97"/>
+          <p:cNvPr id="102" name="Shape 102"/>
           <p:cNvSpPr txBox="1"/>
           <p:nvPr>
             <p:ph idx="1" type="body"/>
@@ -6285,7 +6722,7 @@
         </p:nvSpPr>
         <p:spPr>
           <a:xfrm>
-            <a:off x="311700" y="1152475"/>
+            <a:off x="311700" y="1402500"/>
             <a:ext cx="8520600" cy="3416400"/>
           </a:xfrm>
           <a:prstGeom prst="rect">
@@ -6305,8 +6742,12 @@
               <a:buNone/>
             </a:pPr>
             <a:r>
-              <a:rPr lang="en"/>
-              <a:t>Harry - CSS3 keyframes + gradients + HTML5 forms</a:t>
+              <a:rPr lang="en" sz="2400" u="sng"/>
+              <a:t>David</a:t>
+            </a:r>
+            <a:r>
+              <a:rPr lang="en" sz="2400"/>
+              <a:t> - Git + BeautifulSoup</a:t>
             </a:r>
           </a:p>
           <a:p>
@@ -6317,8 +6758,12 @@
               <a:buNone/>
             </a:pPr>
             <a:r>
-              <a:rPr lang="en"/>
-              <a:t>Christina - a lot about HTML + CSS including input types + transitions</a:t>
+              <a:rPr lang="en" sz="2400" u="sng"/>
+              <a:t>Lewis</a:t>
+            </a:r>
+            <a:r>
+              <a:rPr lang="en" sz="2400"/>
+              <a:t> - MySQL + PHP, sessions + cookies</a:t>
             </a:r>
           </a:p>
           <a:p>
@@ -6329,8 +6774,12 @@
               <a:buNone/>
             </a:pPr>
             <a:r>
-              <a:rPr lang="en"/>
-              <a:t>David - POST and GET requests + BeautifulSoup</a:t>
+              <a:rPr lang="en" sz="2400" u="sng"/>
+              <a:t>Harry</a:t>
+            </a:r>
+            <a:r>
+              <a:rPr lang="en" sz="2400"/>
+              <a:t> - CSS3 keyframes + gradients + HTML5 forms</a:t>
             </a:r>
           </a:p>
           <a:p>
@@ -6341,48 +6790,44 @@
               <a:buNone/>
             </a:pPr>
             <a:r>
-              <a:rPr lang="en"/>
-              <a:t>Lewis - using GitHub, SQL + PHP</a:t>
+              <a:rPr lang="en" sz="2400" u="sng"/>
+              <a:t>Christina</a:t>
+            </a:r>
+            <a:r>
+              <a:rPr lang="en" sz="2400"/>
+              <a:t> - HTML + CSS including input types + transitions</a:t>
             </a:r>
           </a:p>
-          <a:p>
-            <a:pPr lvl="0">
-              <a:spcBef>
-                <a:spcPts val="0"/>
-              </a:spcBef>
-              <a:buNone/>
-            </a:pPr>
-            <a:r>
-              <a:t/>
-            </a:r>
-            <a:endParaRPr/>
-          </a:p>
-          <a:p>
-            <a:pPr lvl="0">
-              <a:spcBef>
-                <a:spcPts val="0"/>
-              </a:spcBef>
-              <a:buNone/>
-            </a:pPr>
-            <a:r>
-              <a:t/>
-            </a:r>
-            <a:endParaRPr/>
-          </a:p>
-          <a:p>
-            <a:pPr lvl="0">
-              <a:spcBef>
-                <a:spcPts val="0"/>
-              </a:spcBef>
-              <a:buNone/>
-            </a:pPr>
-            <a:r>
-              <a:t/>
-            </a:r>
-            <a:endParaRPr/>
-          </a:p>
         </p:txBody>
       </p:sp>
+      <p:pic>
+        <p:nvPicPr>
+          <p:cNvPr descr="ntfr-logo.png" id="103" name="Shape 103"/>
+          <p:cNvPicPr preferRelativeResize="0"/>
+          <p:nvPr/>
+        </p:nvPicPr>
+        <p:blipFill>
+          <a:blip r:embed="rId3">
+            <a:alphaModFix/>
+          </a:blip>
+          <a:stretch>
+            <a:fillRect/>
+          </a:stretch>
+        </p:blipFill>
+        <p:spPr>
+          <a:xfrm>
+            <a:off x="6557525" y="273851"/>
+            <a:ext cx="2168624" cy="1536724"/>
+          </a:xfrm>
+          <a:prstGeom prst="rect">
+            <a:avLst/>
+          </a:prstGeom>
+          <a:noFill/>
+          <a:ln>
+            <a:noFill/>
+          </a:ln>
+        </p:spPr>
+      </p:pic>
     </p:spTree>
   </p:cSld>
   <p:clrMapOvr>
@@ -6396,7 +6841,7 @@
   <p:cSld>
     <p:spTree>
       <p:nvGrpSpPr>
-        <p:cNvPr id="101" name="Shape 101"/>
+        <p:cNvPr id="107" name="Shape 107"/>
         <p:cNvGrpSpPr/>
         <p:nvPr/>
       </p:nvGrpSpPr>
@@ -6410,16 +6855,52 @@
       </p:grpSpPr>
       <p:sp>
         <p:nvSpPr>
-          <p:cNvPr id="102" name="Shape 102"/>
+          <p:cNvPr id="108" name="Shape 108"/>
           <p:cNvSpPr txBox="1"/>
           <p:nvPr>
-            <p:ph type="title"/>
-          </p:nvPr>
-        </p:nvSpPr>
-        <p:spPr>
-          <a:xfrm>
-            <a:off x="311700" y="445025"/>
-            <a:ext cx="8520600" cy="572700"/>
+            <p:ph type="ctrTitle"/>
+          </p:nvPr>
+        </p:nvSpPr>
+        <p:spPr>
+          <a:xfrm>
+            <a:off x="671257" y="990800"/>
+            <a:ext cx="7801500" cy="1730100"/>
+          </a:xfrm>
+          <a:prstGeom prst="rect">
+            <a:avLst/>
+          </a:prstGeom>
+        </p:spPr>
+        <p:txBody>
+          <a:bodyPr anchorCtr="0" anchor="b" bIns="91425" lIns="91425" rIns="91425" tIns="91425">
+            <a:noAutofit/>
+          </a:bodyPr>
+          <a:lstStyle/>
+          <a:p>
+            <a:pPr indent="0" lvl="0" marL="0" rtl="0">
+              <a:spcBef>
+                <a:spcPts val="0"/>
+              </a:spcBef>
+              <a:buNone/>
+            </a:pPr>
+            <a:r>
+              <a:rPr lang="en"/>
+              <a:t>NotiFree</a:t>
+            </a:r>
+          </a:p>
+        </p:txBody>
+      </p:sp>
+      <p:sp>
+        <p:nvSpPr>
+          <p:cNvPr id="109" name="Shape 109"/>
+          <p:cNvSpPr txBox="1"/>
+          <p:nvPr>
+            <p:ph idx="1" type="subTitle"/>
+          </p:nvPr>
+        </p:nvSpPr>
+        <p:spPr>
+          <a:xfrm>
+            <a:off x="671250" y="3174874"/>
+            <a:ext cx="7801500" cy="1317000"/>
           </a:xfrm>
           <a:prstGeom prst="rect">
             <a:avLst/>
@@ -6431,7 +6912,24 @@
           </a:bodyPr>
           <a:lstStyle/>
           <a:p>
-            <a:pPr lvl="0">
+            <a:pPr lvl="0" rtl="0">
+              <a:spcBef>
+                <a:spcPts val="0"/>
+              </a:spcBef>
+              <a:buNone/>
+            </a:pPr>
+            <a:r>
+              <a:rPr lang="en" u="sng">
+                <a:solidFill>
+                  <a:schemeClr val="hlink"/>
+                </a:solidFill>
+                <a:hlinkClick r:id="rId3"/>
+              </a:rPr>
+              <a:t>www.notifree.ml</a:t>
+            </a:r>
+          </a:p>
+          <a:p>
+            <a:pPr lvl="0" rtl="0">
               <a:spcBef>
                 <a:spcPts val="0"/>
               </a:spcBef>
@@ -6442,52 +6940,28 @@
             </a:r>
             <a:endParaRPr/>
           </a:p>
-        </p:txBody>
-      </p:sp>
-      <p:sp>
-        <p:nvSpPr>
-          <p:cNvPr id="103" name="Shape 103"/>
-          <p:cNvSpPr txBox="1"/>
-          <p:nvPr>
-            <p:ph idx="1" type="body"/>
-          </p:nvPr>
-        </p:nvSpPr>
-        <p:spPr>
-          <a:xfrm>
-            <a:off x="311700" y="1152475"/>
-            <a:ext cx="8520600" cy="3416400"/>
-          </a:xfrm>
-          <a:prstGeom prst="rect">
-            <a:avLst/>
-          </a:prstGeom>
-        </p:spPr>
-        <p:txBody>
-          <a:bodyPr anchorCtr="0" anchor="t" bIns="91425" lIns="91425" rIns="91425" tIns="91425">
-            <a:noAutofit/>
-          </a:bodyPr>
-          <a:lstStyle/>
           <a:p>
-            <a:pPr lvl="0">
+            <a:pPr lvl="0" rtl="0">
               <a:spcBef>
                 <a:spcPts val="0"/>
               </a:spcBef>
               <a:buNone/>
             </a:pPr>
             <a:r>
-              <a:t/>
+              <a:rPr lang="en"/>
+              <a:t>The search engine for free items in your area</a:t>
             </a:r>
-            <a:endParaRPr/>
           </a:p>
         </p:txBody>
       </p:sp>
       <p:pic>
         <p:nvPicPr>
-          <p:cNvPr descr="upload8.png" id="104" name="Shape 104"/>
+          <p:cNvPr descr="ntfr-logo.png" id="110" name="Shape 110"/>
           <p:cNvPicPr preferRelativeResize="0"/>
           <p:nvPr/>
         </p:nvPicPr>
         <p:blipFill>
-          <a:blip r:embed="rId3">
+          <a:blip r:embed="rId4">
             <a:alphaModFix/>
           </a:blip>
           <a:stretch>
@@ -6496,8 +6970,8 @@
         </p:blipFill>
         <p:spPr>
           <a:xfrm>
-            <a:off x="6608" y="0"/>
-            <a:ext cx="9130784" cy="5143500"/>
+            <a:off x="6557525" y="273851"/>
+            <a:ext cx="2168624" cy="1536724"/>
           </a:xfrm>
           <a:prstGeom prst="rect">
             <a:avLst/>
@@ -6521,7 +6995,7 @@
   <p:cSld>
     <p:spTree>
       <p:nvGrpSpPr>
-        <p:cNvPr id="108" name="Shape 108"/>
+        <p:cNvPr id="114" name="Shape 114"/>
         <p:cNvGrpSpPr/>
         <p:nvPr/>
       </p:nvGrpSpPr>
@@ -6535,7 +7009,7 @@
       </p:grpSpPr>
       <p:sp>
         <p:nvSpPr>
-          <p:cNvPr id="109" name="Shape 109"/>
+          <p:cNvPr id="115" name="Shape 115"/>
           <p:cNvSpPr txBox="1"/>
           <p:nvPr>
             <p:ph type="title"/>
@@ -6571,7 +7045,7 @@
       </p:sp>
       <p:sp>
         <p:nvSpPr>
-          <p:cNvPr id="110" name="Shape 110"/>
+          <p:cNvPr id="116" name="Shape 116"/>
           <p:cNvSpPr txBox="1"/>
           <p:nvPr>
             <p:ph idx="1" type="body"/>
@@ -6607,7 +7081,7 @@
       </p:sp>
       <p:pic>
         <p:nvPicPr>
-          <p:cNvPr descr="upload7.png" id="111" name="Shape 111"/>
+          <p:cNvPr descr="upload8.png" id="117" name="Shape 117"/>
           <p:cNvPicPr preferRelativeResize="0"/>
           <p:nvPr/>
         </p:nvPicPr>
@@ -6621,8 +7095,8 @@
         </p:blipFill>
         <p:spPr>
           <a:xfrm>
-            <a:off x="0" y="1042"/>
-            <a:ext cx="9144001" cy="5141416"/>
+            <a:off x="6608" y="0"/>
+            <a:ext cx="9130784" cy="5143500"/>
           </a:xfrm>
           <a:prstGeom prst="rect">
             <a:avLst/>
@@ -6646,7 +7120,7 @@
   <p:cSld>
     <p:spTree>
       <p:nvGrpSpPr>
-        <p:cNvPr id="115" name="Shape 115"/>
+        <p:cNvPr id="121" name="Shape 121"/>
         <p:cNvGrpSpPr/>
         <p:nvPr/>
       </p:nvGrpSpPr>
@@ -6660,7 +7134,7 @@
       </p:grpSpPr>
       <p:sp>
         <p:nvSpPr>
-          <p:cNvPr id="116" name="Shape 116"/>
+          <p:cNvPr id="122" name="Shape 122"/>
           <p:cNvSpPr txBox="1"/>
           <p:nvPr>
             <p:ph type="title"/>
@@ -6696,7 +7170,7 @@
       </p:sp>
       <p:sp>
         <p:nvSpPr>
-          <p:cNvPr id="117" name="Shape 117"/>
+          <p:cNvPr id="123" name="Shape 123"/>
           <p:cNvSpPr txBox="1"/>
           <p:nvPr>
             <p:ph idx="1" type="body"/>
@@ -6732,7 +7206,7 @@
       </p:sp>
       <p:pic>
         <p:nvPicPr>
-          <p:cNvPr descr="upload3.png" id="118" name="Shape 118"/>
+          <p:cNvPr descr="upload7.png" id="124" name="Shape 124"/>
           <p:cNvPicPr preferRelativeResize="0"/>
           <p:nvPr/>
         </p:nvPicPr>
@@ -6746,8 +7220,8 @@
         </p:blipFill>
         <p:spPr>
           <a:xfrm>
-            <a:off x="0" y="16526"/>
-            <a:ext cx="9143998" cy="5110446"/>
+            <a:off x="0" y="1042"/>
+            <a:ext cx="9144001" cy="5141416"/>
           </a:xfrm>
           <a:prstGeom prst="rect">
             <a:avLst/>

--- a/NotiFree.pptx
+++ b/NotiFree.pptx
@@ -6557,8 +6557,8 @@
         </p:nvSpPr>
         <p:spPr>
           <a:xfrm>
-            <a:off x="4829750" y="1402487"/>
-            <a:ext cx="3959400" cy="3416400"/>
+            <a:off x="3719775" y="1402500"/>
+            <a:ext cx="5069400" cy="3416400"/>
           </a:xfrm>
           <a:prstGeom prst="rect">
             <a:avLst/>
@@ -6607,6 +6607,30 @@
             <a:r>
               <a:rPr lang="en" sz="2400"/>
               <a:t>Python for getting results</a:t>
+            </a:r>
+          </a:p>
+          <a:p>
+            <a:pPr indent="-381000" lvl="0" marL="457200" rtl="0" algn="just">
+              <a:spcBef>
+                <a:spcPts val="0"/>
+              </a:spcBef>
+              <a:buSzPct val="100000"/>
+            </a:pPr>
+            <a:r>
+              <a:rPr lang="en" sz="2400"/>
+              <a:t>Apache WSGI to link to Python</a:t>
+            </a:r>
+          </a:p>
+          <a:p>
+            <a:pPr indent="-381000" lvl="0" marL="457200" rtl="0" algn="just">
+              <a:spcBef>
+                <a:spcPts val="0"/>
+              </a:spcBef>
+              <a:buSzPct val="100000"/>
+            </a:pPr>
+            <a:r>
+              <a:rPr lang="en" sz="2400"/>
+              <a:t>Cron to check for new posts</a:t>
             </a:r>
           </a:p>
           <a:p>
@@ -7241,6 +7265,285 @@
 </file>
 
 <file path=ppt/theme/theme1.xml><?xml version="1.0" encoding="utf-8"?>
+<a:theme xmlns:a="http://schemas.openxmlformats.org/drawingml/2006/main" xmlns:r="http://schemas.openxmlformats.org/officeDocument/2006/relationships" name="slate">
+  <a:themeElements>
+    <a:clrScheme name="Slate">
+      <a:dk1>
+        <a:srgbClr val="FFFFFF"/>
+      </a:dk1>
+      <a:lt1>
+        <a:srgbClr val="37474F"/>
+      </a:lt1>
+      <a:dk2>
+        <a:srgbClr val="9E9E9E"/>
+      </a:dk2>
+      <a:lt2>
+        <a:srgbClr val="E0E0E0"/>
+      </a:lt2>
+      <a:accent1>
+        <a:srgbClr val="616161"/>
+      </a:accent1>
+      <a:accent2>
+        <a:srgbClr val="78909C"/>
+      </a:accent2>
+      <a:accent3>
+        <a:srgbClr val="CACACA"/>
+      </a:accent3>
+      <a:accent4>
+        <a:srgbClr val="64FFDA"/>
+      </a:accent4>
+      <a:accent5>
+        <a:srgbClr val="FFD966"/>
+      </a:accent5>
+      <a:accent6>
+        <a:srgbClr val="F5F5F5"/>
+      </a:accent6>
+      <a:hlink>
+        <a:srgbClr val="FFD966"/>
+      </a:hlink>
+      <a:folHlink>
+        <a:srgbClr val="FFD966"/>
+      </a:folHlink>
+    </a:clrScheme>
+    <a:fontScheme name="Office">
+      <a:majorFont>
+        <a:latin typeface="Arial"/>
+        <a:ea typeface=""/>
+        <a:cs typeface=""/>
+        <a:font script="Jpan" typeface="ＭＳ Ｐゴシック"/>
+        <a:font script="Hang" typeface="맑은 고딕"/>
+        <a:font script="Hans" typeface="宋体"/>
+        <a:font script="Hant" typeface="新細明體"/>
+        <a:font script="Arab" typeface="Times New Roman"/>
+        <a:font script="Hebr" typeface="Times New Roman"/>
+        <a:font script="Thai" typeface="Angsana New"/>
+        <a:font script="Ethi" typeface="Nyala"/>
+        <a:font script="Beng" typeface="Vrinda"/>
+        <a:font script="Gujr" typeface="Shruti"/>
+        <a:font script="Khmr" typeface="MoolBoran"/>
+        <a:font script="Knda" typeface="Tunga"/>
+        <a:font script="Guru" typeface="Raavi"/>
+        <a:font script="Cans" typeface="Euphemia"/>
+        <a:font script="Cher" typeface="Plantagenet Cherokee"/>
+        <a:font script="Yiii" typeface="Microsoft Yi Baiti"/>
+        <a:font script="Tibt" typeface="Microsoft Himalaya"/>
+        <a:font script="Thaa" typeface="MV Boli"/>
+        <a:font script="Deva" typeface="Mangal"/>
+        <a:font script="Telu" typeface="Gautami"/>
+        <a:font script="Taml" typeface="Latha"/>
+        <a:font script="Syrc" typeface="Estrangelo Edessa"/>
+        <a:font script="Orya" typeface="Kalinga"/>
+        <a:font script="Mlym" typeface="Kartika"/>
+        <a:font script="Laoo" typeface="DokChampa"/>
+        <a:font script="Sinh" typeface="Iskoola Pota"/>
+        <a:font script="Mong" typeface="Mongolian Baiti"/>
+        <a:font script="Viet" typeface="Times New Roman"/>
+        <a:font script="Uigh" typeface="Microsoft Uighur"/>
+        <a:font script="Geor" typeface="Sylfaen"/>
+      </a:majorFont>
+      <a:minorFont>
+        <a:latin typeface="Arial"/>
+        <a:ea typeface=""/>
+        <a:cs typeface=""/>
+        <a:font script="Jpan" typeface="ＭＳ Ｐゴシック"/>
+        <a:font script="Hang" typeface="맑은 고딕"/>
+        <a:font script="Hans" typeface="宋体"/>
+        <a:font script="Hant" typeface="新細明體"/>
+        <a:font script="Arab" typeface="Arial"/>
+        <a:font script="Hebr" typeface="Arial"/>
+        <a:font script="Thai" typeface="Cordia New"/>
+        <a:font script="Ethi" typeface="Nyala"/>
+        <a:font script="Beng" typeface="Vrinda"/>
+        <a:font script="Gujr" typeface="Shruti"/>
+        <a:font script="Khmr" typeface="DaunPenh"/>
+        <a:font script="Knda" typeface="Tunga"/>
+        <a:font script="Guru" typeface="Raavi"/>
+        <a:font script="Cans" typeface="Euphemia"/>
+        <a:font script="Cher" typeface="Plantagenet Cherokee"/>
+        <a:font script="Yiii" typeface="Microsoft Yi Baiti"/>
+        <a:font script="Tibt" typeface="Microsoft Himalaya"/>
+        <a:font script="Thaa" typeface="MV Boli"/>
+        <a:font script="Deva" typeface="Mangal"/>
+        <a:font script="Telu" typeface="Gautami"/>
+        <a:font script="Taml" typeface="Latha"/>
+        <a:font script="Syrc" typeface="Estrangelo Edessa"/>
+        <a:font script="Orya" typeface="Kalinga"/>
+        <a:font script="Mlym" typeface="Kartika"/>
+        <a:font script="Laoo" typeface="DokChampa"/>
+        <a:font script="Sinh" typeface="Iskoola Pota"/>
+        <a:font script="Mong" typeface="Mongolian Baiti"/>
+        <a:font script="Viet" typeface="Arial"/>
+        <a:font script="Uigh" typeface="Microsoft Uighur"/>
+        <a:font script="Geor" typeface="Sylfaen"/>
+      </a:minorFont>
+    </a:fontScheme>
+    <a:fmtScheme name="Office">
+      <a:fillStyleLst>
+        <a:solidFill>
+          <a:schemeClr val="phClr"/>
+        </a:solidFill>
+        <a:gradFill rotWithShape="1">
+          <a:gsLst>
+            <a:gs pos="0">
+              <a:schemeClr val="phClr">
+                <a:tint val="50000"/>
+                <a:satMod val="300000"/>
+              </a:schemeClr>
+            </a:gs>
+            <a:gs pos="35000">
+              <a:schemeClr val="phClr">
+                <a:tint val="37000"/>
+                <a:satMod val="300000"/>
+              </a:schemeClr>
+            </a:gs>
+            <a:gs pos="100000">
+              <a:schemeClr val="phClr">
+                <a:tint val="15000"/>
+                <a:satMod val="350000"/>
+              </a:schemeClr>
+            </a:gs>
+          </a:gsLst>
+          <a:lin ang="16200000" scaled="1"/>
+        </a:gradFill>
+        <a:gradFill rotWithShape="1">
+          <a:gsLst>
+            <a:gs pos="0">
+              <a:schemeClr val="phClr">
+                <a:tint val="100000"/>
+                <a:shade val="100000"/>
+                <a:satMod val="130000"/>
+              </a:schemeClr>
+            </a:gs>
+            <a:gs pos="100000">
+              <a:schemeClr val="phClr">
+                <a:tint val="50000"/>
+                <a:shade val="100000"/>
+                <a:satMod val="350000"/>
+              </a:schemeClr>
+            </a:gs>
+          </a:gsLst>
+          <a:lin ang="16200000" scaled="0"/>
+        </a:gradFill>
+      </a:fillStyleLst>
+      <a:lnStyleLst>
+        <a:ln w="9525" cap="flat" cmpd="sng" algn="ctr">
+          <a:solidFill>
+            <a:schemeClr val="phClr">
+              <a:shade val="95000"/>
+              <a:satMod val="105000"/>
+            </a:schemeClr>
+          </a:solidFill>
+          <a:prstDash val="solid"/>
+        </a:ln>
+        <a:ln w="25400" cap="flat" cmpd="sng" algn="ctr">
+          <a:solidFill>
+            <a:schemeClr val="phClr"/>
+          </a:solidFill>
+          <a:prstDash val="solid"/>
+        </a:ln>
+        <a:ln w="38100" cap="flat" cmpd="sng" algn="ctr">
+          <a:solidFill>
+            <a:schemeClr val="phClr"/>
+          </a:solidFill>
+          <a:prstDash val="solid"/>
+        </a:ln>
+      </a:lnStyleLst>
+      <a:effectStyleLst>
+        <a:effectStyle>
+          <a:effectLst>
+            <a:outerShdw blurRad="40000" dist="20000" dir="5400000" rotWithShape="0">
+              <a:srgbClr val="000000">
+                <a:alpha val="38000"/>
+              </a:srgbClr>
+            </a:outerShdw>
+          </a:effectLst>
+        </a:effectStyle>
+        <a:effectStyle>
+          <a:effectLst>
+            <a:outerShdw blurRad="40000" dist="23000" dir="5400000" rotWithShape="0">
+              <a:srgbClr val="000000">
+                <a:alpha val="35000"/>
+              </a:srgbClr>
+            </a:outerShdw>
+          </a:effectLst>
+        </a:effectStyle>
+        <a:effectStyle>
+          <a:effectLst>
+            <a:outerShdw blurRad="40000" dist="23000" dir="5400000" rotWithShape="0">
+              <a:srgbClr val="000000">
+                <a:alpha val="35000"/>
+              </a:srgbClr>
+            </a:outerShdw>
+          </a:effectLst>
+          <a:scene3d>
+            <a:camera prst="orthographicFront">
+              <a:rot lat="0" lon="0" rev="0"/>
+            </a:camera>
+            <a:lightRig rig="threePt" dir="t">
+              <a:rot lat="0" lon="0" rev="1200000"/>
+            </a:lightRig>
+          </a:scene3d>
+          <a:sp3d>
+            <a:bevelT w="63500" h="25400"/>
+          </a:sp3d>
+        </a:effectStyle>
+      </a:effectStyleLst>
+      <a:bgFillStyleLst>
+        <a:solidFill>
+          <a:schemeClr val="phClr"/>
+        </a:solidFill>
+        <a:gradFill rotWithShape="1">
+          <a:gsLst>
+            <a:gs pos="0">
+              <a:schemeClr val="phClr">
+                <a:tint val="40000"/>
+                <a:satMod val="350000"/>
+              </a:schemeClr>
+            </a:gs>
+            <a:gs pos="40000">
+              <a:schemeClr val="phClr">
+                <a:tint val="45000"/>
+                <a:shade val="99000"/>
+                <a:satMod val="350000"/>
+              </a:schemeClr>
+            </a:gs>
+            <a:gs pos="100000">
+              <a:schemeClr val="phClr">
+                <a:shade val="20000"/>
+                <a:satMod val="255000"/>
+              </a:schemeClr>
+            </a:gs>
+          </a:gsLst>
+          <a:path path="circle">
+            <a:fillToRect l="50000" t="-80000" r="50000" b="180000"/>
+          </a:path>
+        </a:gradFill>
+        <a:gradFill rotWithShape="1">
+          <a:gsLst>
+            <a:gs pos="0">
+              <a:schemeClr val="phClr">
+                <a:tint val="80000"/>
+                <a:satMod val="300000"/>
+              </a:schemeClr>
+            </a:gs>
+            <a:gs pos="100000">
+              <a:schemeClr val="phClr">
+                <a:shade val="30000"/>
+                <a:satMod val="200000"/>
+              </a:schemeClr>
+            </a:gs>
+          </a:gsLst>
+          <a:path path="circle">
+            <a:fillToRect l="50000" t="50000" r="50000" b="50000"/>
+          </a:path>
+        </a:gradFill>
+      </a:bgFillStyleLst>
+    </a:fmtScheme>
+  </a:themeElements>
+</a:theme>
+</file>
+
+<file path=ppt/theme/theme2.xml><?xml version="1.0" encoding="utf-8"?>
 <a:theme xmlns:a="http://schemas.openxmlformats.org/drawingml/2006/main" xmlns:r="http://schemas.openxmlformats.org/officeDocument/2006/relationships" name="Custom Theme">
   <a:themeElements>
     <a:clrScheme name="Default">
@@ -7517,283 +7820,4 @@
     </a:fmtScheme>
   </a:themeElements>
 </a:theme>
-</file>
-
-<file path=ppt/theme/theme2.xml><?xml version="1.0" encoding="utf-8"?>
-<a:theme xmlns:a="http://schemas.openxmlformats.org/drawingml/2006/main" xmlns:r="http://schemas.openxmlformats.org/officeDocument/2006/relationships" name="slate">
-  <a:themeElements>
-    <a:clrScheme name="Slate">
-      <a:dk1>
-        <a:srgbClr val="FFFFFF"/>
-      </a:dk1>
-      <a:lt1>
-        <a:srgbClr val="37474F"/>
-      </a:lt1>
-      <a:dk2>
-        <a:srgbClr val="9E9E9E"/>
-      </a:dk2>
-      <a:lt2>
-        <a:srgbClr val="E0E0E0"/>
-      </a:lt2>
-      <a:accent1>
-        <a:srgbClr val="616161"/>
-      </a:accent1>
-      <a:accent2>
-        <a:srgbClr val="78909C"/>
-      </a:accent2>
-      <a:accent3>
-        <a:srgbClr val="CACACA"/>
-      </a:accent3>
-      <a:accent4>
-        <a:srgbClr val="64FFDA"/>
-      </a:accent4>
-      <a:accent5>
-        <a:srgbClr val="FFD966"/>
-      </a:accent5>
-      <a:accent6>
-        <a:srgbClr val="F5F5F5"/>
-      </a:accent6>
-      <a:hlink>
-        <a:srgbClr val="FFD966"/>
-      </a:hlink>
-      <a:folHlink>
-        <a:srgbClr val="FFD966"/>
-      </a:folHlink>
-    </a:clrScheme>
-    <a:fontScheme name="Office">
-      <a:majorFont>
-        <a:latin typeface="Arial"/>
-        <a:ea typeface=""/>
-        <a:cs typeface=""/>
-        <a:font script="Jpan" typeface="ＭＳ Ｐゴシック"/>
-        <a:font script="Hang" typeface="맑은 고딕"/>
-        <a:font script="Hans" typeface="宋体"/>
-        <a:font script="Hant" typeface="新細明體"/>
-        <a:font script="Arab" typeface="Times New Roman"/>
-        <a:font script="Hebr" typeface="Times New Roman"/>
-        <a:font script="Thai" typeface="Angsana New"/>
-        <a:font script="Ethi" typeface="Nyala"/>
-        <a:font script="Beng" typeface="Vrinda"/>
-        <a:font script="Gujr" typeface="Shruti"/>
-        <a:font script="Khmr" typeface="MoolBoran"/>
-        <a:font script="Knda" typeface="Tunga"/>
-        <a:font script="Guru" typeface="Raavi"/>
-        <a:font script="Cans" typeface="Euphemia"/>
-        <a:font script="Cher" typeface="Plantagenet Cherokee"/>
-        <a:font script="Yiii" typeface="Microsoft Yi Baiti"/>
-        <a:font script="Tibt" typeface="Microsoft Himalaya"/>
-        <a:font script="Thaa" typeface="MV Boli"/>
-        <a:font script="Deva" typeface="Mangal"/>
-        <a:font script="Telu" typeface="Gautami"/>
-        <a:font script="Taml" typeface="Latha"/>
-        <a:font script="Syrc" typeface="Estrangelo Edessa"/>
-        <a:font script="Orya" typeface="Kalinga"/>
-        <a:font script="Mlym" typeface="Kartika"/>
-        <a:font script="Laoo" typeface="DokChampa"/>
-        <a:font script="Sinh" typeface="Iskoola Pota"/>
-        <a:font script="Mong" typeface="Mongolian Baiti"/>
-        <a:font script="Viet" typeface="Times New Roman"/>
-        <a:font script="Uigh" typeface="Microsoft Uighur"/>
-        <a:font script="Geor" typeface="Sylfaen"/>
-      </a:majorFont>
-      <a:minorFont>
-        <a:latin typeface="Arial"/>
-        <a:ea typeface=""/>
-        <a:cs typeface=""/>
-        <a:font script="Jpan" typeface="ＭＳ Ｐゴシック"/>
-        <a:font script="Hang" typeface="맑은 고딕"/>
-        <a:font script="Hans" typeface="宋体"/>
-        <a:font script="Hant" typeface="新細明體"/>
-        <a:font script="Arab" typeface="Arial"/>
-        <a:font script="Hebr" typeface="Arial"/>
-        <a:font script="Thai" typeface="Cordia New"/>
-        <a:font script="Ethi" typeface="Nyala"/>
-        <a:font script="Beng" typeface="Vrinda"/>
-        <a:font script="Gujr" typeface="Shruti"/>
-        <a:font script="Khmr" typeface="DaunPenh"/>
-        <a:font script="Knda" typeface="Tunga"/>
-        <a:font script="Guru" typeface="Raavi"/>
-        <a:font script="Cans" typeface="Euphemia"/>
-        <a:font script="Cher" typeface="Plantagenet Cherokee"/>
-        <a:font script="Yiii" typeface="Microsoft Yi Baiti"/>
-        <a:font script="Tibt" typeface="Microsoft Himalaya"/>
-        <a:font script="Thaa" typeface="MV Boli"/>
-        <a:font script="Deva" typeface="Mangal"/>
-        <a:font script="Telu" typeface="Gautami"/>
-        <a:font script="Taml" typeface="Latha"/>
-        <a:font script="Syrc" typeface="Estrangelo Edessa"/>
-        <a:font script="Orya" typeface="Kalinga"/>
-        <a:font script="Mlym" typeface="Kartika"/>
-        <a:font script="Laoo" typeface="DokChampa"/>
-        <a:font script="Sinh" typeface="Iskoola Pota"/>
-        <a:font script="Mong" typeface="Mongolian Baiti"/>
-        <a:font script="Viet" typeface="Arial"/>
-        <a:font script="Uigh" typeface="Microsoft Uighur"/>
-        <a:font script="Geor" typeface="Sylfaen"/>
-      </a:minorFont>
-    </a:fontScheme>
-    <a:fmtScheme name="Office">
-      <a:fillStyleLst>
-        <a:solidFill>
-          <a:schemeClr val="phClr"/>
-        </a:solidFill>
-        <a:gradFill rotWithShape="1">
-          <a:gsLst>
-            <a:gs pos="0">
-              <a:schemeClr val="phClr">
-                <a:tint val="50000"/>
-                <a:satMod val="300000"/>
-              </a:schemeClr>
-            </a:gs>
-            <a:gs pos="35000">
-              <a:schemeClr val="phClr">
-                <a:tint val="37000"/>
-                <a:satMod val="300000"/>
-              </a:schemeClr>
-            </a:gs>
-            <a:gs pos="100000">
-              <a:schemeClr val="phClr">
-                <a:tint val="15000"/>
-                <a:satMod val="350000"/>
-              </a:schemeClr>
-            </a:gs>
-          </a:gsLst>
-          <a:lin ang="16200000" scaled="1"/>
-        </a:gradFill>
-        <a:gradFill rotWithShape="1">
-          <a:gsLst>
-            <a:gs pos="0">
-              <a:schemeClr val="phClr">
-                <a:tint val="100000"/>
-                <a:shade val="100000"/>
-                <a:satMod val="130000"/>
-              </a:schemeClr>
-            </a:gs>
-            <a:gs pos="100000">
-              <a:schemeClr val="phClr">
-                <a:tint val="50000"/>
-                <a:shade val="100000"/>
-                <a:satMod val="350000"/>
-              </a:schemeClr>
-            </a:gs>
-          </a:gsLst>
-          <a:lin ang="16200000" scaled="0"/>
-        </a:gradFill>
-      </a:fillStyleLst>
-      <a:lnStyleLst>
-        <a:ln w="9525" cap="flat" cmpd="sng" algn="ctr">
-          <a:solidFill>
-            <a:schemeClr val="phClr">
-              <a:shade val="95000"/>
-              <a:satMod val="105000"/>
-            </a:schemeClr>
-          </a:solidFill>
-          <a:prstDash val="solid"/>
-        </a:ln>
-        <a:ln w="25400" cap="flat" cmpd="sng" algn="ctr">
-          <a:solidFill>
-            <a:schemeClr val="phClr"/>
-          </a:solidFill>
-          <a:prstDash val="solid"/>
-        </a:ln>
-        <a:ln w="38100" cap="flat" cmpd="sng" algn="ctr">
-          <a:solidFill>
-            <a:schemeClr val="phClr"/>
-          </a:solidFill>
-          <a:prstDash val="solid"/>
-        </a:ln>
-      </a:lnStyleLst>
-      <a:effectStyleLst>
-        <a:effectStyle>
-          <a:effectLst>
-            <a:outerShdw blurRad="40000" dist="20000" dir="5400000" rotWithShape="0">
-              <a:srgbClr val="000000">
-                <a:alpha val="38000"/>
-              </a:srgbClr>
-            </a:outerShdw>
-          </a:effectLst>
-        </a:effectStyle>
-        <a:effectStyle>
-          <a:effectLst>
-            <a:outerShdw blurRad="40000" dist="23000" dir="5400000" rotWithShape="0">
-              <a:srgbClr val="000000">
-                <a:alpha val="35000"/>
-              </a:srgbClr>
-            </a:outerShdw>
-          </a:effectLst>
-        </a:effectStyle>
-        <a:effectStyle>
-          <a:effectLst>
-            <a:outerShdw blurRad="40000" dist="23000" dir="5400000" rotWithShape="0">
-              <a:srgbClr val="000000">
-                <a:alpha val="35000"/>
-              </a:srgbClr>
-            </a:outerShdw>
-          </a:effectLst>
-          <a:scene3d>
-            <a:camera prst="orthographicFront">
-              <a:rot lat="0" lon="0" rev="0"/>
-            </a:camera>
-            <a:lightRig rig="threePt" dir="t">
-              <a:rot lat="0" lon="0" rev="1200000"/>
-            </a:lightRig>
-          </a:scene3d>
-          <a:sp3d>
-            <a:bevelT w="63500" h="25400"/>
-          </a:sp3d>
-        </a:effectStyle>
-      </a:effectStyleLst>
-      <a:bgFillStyleLst>
-        <a:solidFill>
-          <a:schemeClr val="phClr"/>
-        </a:solidFill>
-        <a:gradFill rotWithShape="1">
-          <a:gsLst>
-            <a:gs pos="0">
-              <a:schemeClr val="phClr">
-                <a:tint val="40000"/>
-                <a:satMod val="350000"/>
-              </a:schemeClr>
-            </a:gs>
-            <a:gs pos="40000">
-              <a:schemeClr val="phClr">
-                <a:tint val="45000"/>
-                <a:shade val="99000"/>
-                <a:satMod val="350000"/>
-              </a:schemeClr>
-            </a:gs>
-            <a:gs pos="100000">
-              <a:schemeClr val="phClr">
-                <a:shade val="20000"/>
-                <a:satMod val="255000"/>
-              </a:schemeClr>
-            </a:gs>
-          </a:gsLst>
-          <a:path path="circle">
-            <a:fillToRect l="50000" t="-80000" r="50000" b="180000"/>
-          </a:path>
-        </a:gradFill>
-        <a:gradFill rotWithShape="1">
-          <a:gsLst>
-            <a:gs pos="0">
-              <a:schemeClr val="phClr">
-                <a:tint val="80000"/>
-                <a:satMod val="300000"/>
-              </a:schemeClr>
-            </a:gs>
-            <a:gs pos="100000">
-              <a:schemeClr val="phClr">
-                <a:shade val="30000"/>
-                <a:satMod val="200000"/>
-              </a:schemeClr>
-            </a:gs>
-          </a:gsLst>
-          <a:path path="circle">
-            <a:fillToRect l="50000" t="50000" r="50000" b="50000"/>
-          </a:path>
-        </a:gradFill>
-      </a:bgFillStyleLst>
-    </a:fmtScheme>
-  </a:themeElements>
-</a:theme>
 </file>
--- a/NotiFree.pptx
+++ b/NotiFree.pptx
@@ -6249,7 +6249,7 @@
             </a:pPr>
             <a:r>
               <a:rPr lang="en" sz="2400"/>
-              <a:t>Quick and easy access</a:t>
+              <a:t>quick and easy access</a:t>
             </a:r>
           </a:p>
           <a:p>
@@ -6261,7 +6261,7 @@
             </a:pPr>
             <a:r>
               <a:rPr lang="en" sz="2400"/>
-              <a:t>Not to be bombarded with notifications</a:t>
+              <a:t>not to be bombarded with notifications</a:t>
             </a:r>
           </a:p>
         </p:txBody>
